--- a/Document/Program_Memo/DesignNotes.pptx
+++ b/Document/Program_Memo/DesignNotes.pptx
@@ -15,7 +15,7 @@
     <p:sldId id="596" r:id="rId3"/>
     <p:sldId id="601" r:id="rId4"/>
     <p:sldId id="602" r:id="rId5"/>
-    <p:sldId id="597" r:id="rId6"/>
+    <p:sldId id="603" r:id="rId6"/>
     <p:sldId id="598" r:id="rId7"/>
     <p:sldId id="599" r:id="rId8"/>
     <p:sldId id="600" r:id="rId9"/>
@@ -9807,16 +9807,34 @@
           <a:lstStyle/>
           <a:p>
             <a:r>
-              <a:rPr lang="ja-JP" altLang="en-US" sz="1600">
+              <a:rPr lang="ja-JP" altLang="en-US" sz="1600" dirty="0">
                 <a:solidFill>
                   <a:schemeClr val="accent2"/>
                 </a:solidFill>
                 <a:ea typeface="HGP創英角ｺﾞｼｯｸUB" pitchFamily="50" charset="-128"/>
               </a:rPr>
-              <a:t>１．全体の処理の流れ</a:t>
-            </a:r>
-            <a:r>
-              <a:rPr lang="ja-JP" altLang="en-US" sz="1600">
+              <a:t>１</a:t>
+            </a:r>
+            <a:r>
+              <a:rPr lang="ja-JP" altLang="en-US" sz="1600" dirty="0" smtClean="0">
+                <a:solidFill>
+                  <a:schemeClr val="accent2"/>
+                </a:solidFill>
+                <a:ea typeface="HGP創英角ｺﾞｼｯｸUB" pitchFamily="50" charset="-128"/>
+              </a:rPr>
+              <a:t>．</a:t>
+            </a:r>
+            <a:r>
+              <a:rPr lang="ja-JP" altLang="en-US" sz="1600" dirty="0">
+                <a:solidFill>
+                  <a:schemeClr val="accent2"/>
+                </a:solidFill>
+                <a:ea typeface="HGP創英角ｺﾞｼｯｸUB" pitchFamily="50" charset="-128"/>
+              </a:rPr>
+              <a:t>全体の処理の流れ</a:t>
+            </a:r>
+            <a:r>
+              <a:rPr lang="ja-JP" altLang="en-US" sz="1600" dirty="0">
                 <a:solidFill>
                   <a:schemeClr val="accent2"/>
                 </a:solidFill>
@@ -9826,7 +9844,7 @@
               <a:t>（</a:t>
             </a:r>
             <a:r>
-              <a:rPr lang="ja-JP" altLang="en-US" sz="1600">
+              <a:rPr lang="ja-JP" altLang="en-US" sz="1600" dirty="0">
                 <a:solidFill>
                   <a:schemeClr val="accent2"/>
                 </a:solidFill>
@@ -9835,7 +9853,7 @@
               <a:t>マルチスレッド</a:t>
             </a:r>
             <a:r>
-              <a:rPr lang="ja-JP" altLang="en-US" sz="1600">
+              <a:rPr lang="ja-JP" altLang="en-US" sz="1600" dirty="0">
                 <a:solidFill>
                   <a:schemeClr val="accent2"/>
                 </a:solidFill>
@@ -13968,13 +13986,31 @@
           <a:lstStyle/>
           <a:p>
             <a:r>
-              <a:rPr lang="ja-JP" altLang="en-US" sz="1600">
+              <a:rPr lang="ja-JP" altLang="en-US" sz="1600" dirty="0">
                 <a:solidFill>
                   <a:schemeClr val="accent2"/>
                 </a:solidFill>
                 <a:ea typeface="HGP創英角ｺﾞｼｯｸUB" pitchFamily="50" charset="-128"/>
               </a:rPr>
-              <a:t>１．シーンの切り替え（マルチスレッド版）</a:t>
+              <a:t>２</a:t>
+            </a:r>
+            <a:r>
+              <a:rPr lang="ja-JP" altLang="en-US" sz="1600" dirty="0" smtClean="0">
+                <a:solidFill>
+                  <a:schemeClr val="accent2"/>
+                </a:solidFill>
+                <a:ea typeface="HGP創英角ｺﾞｼｯｸUB" pitchFamily="50" charset="-128"/>
+              </a:rPr>
+              <a:t>．</a:t>
+            </a:r>
+            <a:r>
+              <a:rPr lang="ja-JP" altLang="en-US" sz="1600" dirty="0">
+                <a:solidFill>
+                  <a:schemeClr val="accent2"/>
+                </a:solidFill>
+                <a:ea typeface="HGP創英角ｺﾞｼｯｸUB" pitchFamily="50" charset="-128"/>
+              </a:rPr>
+              <a:t>シーンの切り替え（マルチスレッド版）</a:t>
             </a:r>
           </a:p>
         </p:txBody>
@@ -18075,7 +18111,7 @@
         <p:spPr bwMode="auto">
           <a:xfrm>
             <a:off x="2743200" y="1143000"/>
-            <a:ext cx="2133600" cy="914400"/>
+            <a:ext cx="2133600" cy="1066800"/>
           </a:xfrm>
           <a:prstGeom prst="rect">
             <a:avLst/>
@@ -18132,7 +18168,7 @@
         <p:spPr bwMode="auto">
           <a:xfrm>
             <a:off x="2743200" y="1371600"/>
-            <a:ext cx="2133600" cy="685800"/>
+            <a:ext cx="2133600" cy="838200"/>
           </a:xfrm>
           <a:prstGeom prst="rect">
             <a:avLst/>
@@ -18175,14 +18211,14 @@
               <a:t>LPDIRECT3D9</a:t>
             </a:r>
             <a:r>
-              <a:rPr lang="en-US" altLang="ja-JP"/>
+              <a:rPr lang="en-US" altLang="ja-JP" dirty="0"/>
               <a:t>            </a:t>
             </a:r>
             <a:r>
               <a:rPr lang="en-US" altLang="ja-JP" noProof="1"/>
               <a:t>m_pD3D</a:t>
             </a:r>
-            <a:endParaRPr lang="en-US" altLang="ja-JP"/>
+            <a:endParaRPr lang="en-US" altLang="ja-JP" dirty="0"/>
           </a:p>
           <a:p>
             <a:r>
@@ -18190,21 +18226,21 @@
               <a:t>LPDIRECT3DDEVICE9</a:t>
             </a:r>
             <a:r>
-              <a:rPr lang="en-US" altLang="ja-JP"/>
+              <a:rPr lang="en-US" altLang="ja-JP" dirty="0"/>
               <a:t> </a:t>
             </a:r>
             <a:r>
               <a:rPr lang="en-US" altLang="ja-JP" noProof="1"/>
               <a:t>m_pD3DDevice</a:t>
             </a:r>
-            <a:endParaRPr lang="en-US" altLang="ja-JP"/>
+            <a:endParaRPr lang="en-US" altLang="ja-JP" dirty="0"/>
           </a:p>
           <a:p>
             <a:r>
               <a:rPr lang="en-US" altLang="ja-JP" noProof="1"/>
               <a:t>D3DPRESENT_PARAMETERS   m_D3DPP</a:t>
             </a:r>
-            <a:endParaRPr lang="en-US" altLang="ja-JP"/>
+            <a:endParaRPr lang="en-US" altLang="ja-JP" dirty="0"/>
           </a:p>
           <a:p>
             <a:r>
@@ -18212,14 +18248,23 @@
               <a:t>XBoxController*</a:t>
             </a:r>
             <a:r>
-              <a:rPr lang="en-US" altLang="ja-JP"/>
+              <a:rPr lang="en-US" altLang="ja-JP" dirty="0"/>
               <a:t>          </a:t>
             </a:r>
             <a:r>
+              <a:rPr lang="en-US" altLang="ja-JP" noProof="1" smtClean="0"/>
+              <a:t>m_pController</a:t>
+            </a:r>
+          </a:p>
+          <a:p>
+            <a:r>
               <a:rPr lang="en-US" altLang="ja-JP" noProof="1"/>
-              <a:t>m_pController</a:t>
-            </a:r>
-            <a:endParaRPr lang="en-US" altLang="ja-JP"/>
+              <a:t>Scene scene</a:t>
+            </a:r>
+            <a:endParaRPr lang="en-US" altLang="ja-JP" dirty="0"/>
+          </a:p>
+          <a:p>
+            <a:endParaRPr lang="en-US" altLang="ja-JP" dirty="0"/>
           </a:p>
         </p:txBody>
       </p:sp>
@@ -18233,7 +18278,7 @@
         </p:nvSpPr>
         <p:spPr bwMode="auto">
           <a:xfrm>
-            <a:off x="5715000" y="1905000"/>
+            <a:off x="256376" y="2362200"/>
             <a:ext cx="1828800" cy="533400"/>
           </a:xfrm>
           <a:prstGeom prst="rect">
@@ -18290,7 +18335,7 @@
         </p:nvSpPr>
         <p:spPr bwMode="auto">
           <a:xfrm>
-            <a:off x="5715000" y="2133600"/>
+            <a:off x="256375" y="2590800"/>
             <a:ext cx="1828800" cy="304800"/>
           </a:xfrm>
           <a:prstGeom prst="rect">
@@ -18355,66 +18400,15 @@
       </p:sp>
       <p:sp>
         <p:nvSpPr>
-          <p:cNvPr id="9223" name="Line 7"/>
-          <p:cNvSpPr>
-            <a:spLocks noChangeShapeType="1"/>
+          <p:cNvPr id="9224" name="AutoShape 8"/>
+          <p:cNvSpPr>
+            <a:spLocks noChangeArrowheads="1"/>
           </p:cNvSpPr>
           <p:nvPr/>
         </p:nvSpPr>
         <p:spPr bwMode="auto">
           <a:xfrm>
-            <a:off x="4876800" y="1981200"/>
-            <a:ext cx="838200" cy="0"/>
-          </a:xfrm>
-          <a:prstGeom prst="line">
-            <a:avLst/>
-          </a:prstGeom>
-          <a:noFill/>
-          <a:ln w="9525">
-            <a:solidFill>
-              <a:schemeClr val="tx1"/>
-            </a:solidFill>
-            <a:round/>
-            <a:headEnd/>
-            <a:tailEnd/>
-          </a:ln>
-          <a:effectLst/>
-          <a:extLst>
-            <a:ext uri="{909E8E84-426E-40DD-AFC4-6F175D3DCCD1}">
-              <a14:hiddenFill xmlns:a14="http://schemas.microsoft.com/office/drawing/2010/main">
-                <a:noFill/>
-              </a14:hiddenFill>
-            </a:ext>
-            <a:ext uri="{AF507438-7753-43E0-B8FC-AC1667EBCBE1}">
-              <a14:hiddenEffects xmlns:a14="http://schemas.microsoft.com/office/drawing/2010/main">
-                <a:effectLst>
-                  <a:outerShdw dist="35921" dir="2700000" algn="ctr" rotWithShape="0">
-                    <a:schemeClr val="bg2"/>
-                  </a:outerShdw>
-                </a:effectLst>
-              </a14:hiddenEffects>
-            </a:ext>
-          </a:extLst>
-        </p:spPr>
-        <p:txBody>
-          <a:bodyPr/>
-          <a:lstStyle/>
-          <a:p>
-            <a:endParaRPr lang="ja-JP" altLang="en-US"/>
-          </a:p>
-        </p:txBody>
-      </p:sp>
-      <p:sp>
-        <p:nvSpPr>
-          <p:cNvPr id="9224" name="AutoShape 8"/>
-          <p:cNvSpPr>
-            <a:spLocks noChangeArrowheads="1"/>
-          </p:cNvSpPr>
-          <p:nvPr/>
-        </p:nvSpPr>
-        <p:spPr bwMode="auto">
-          <a:xfrm>
-            <a:off x="4876800" y="1905000"/>
+            <a:off x="2514600" y="2057400"/>
             <a:ext cx="228600" cy="152400"/>
           </a:xfrm>
           <a:prstGeom prst="diamond">
@@ -18462,7 +18456,7 @@
         </p:nvSpPr>
         <p:spPr bwMode="auto">
           <a:xfrm>
-            <a:off x="4876800" y="2057400"/>
+            <a:off x="2543340" y="2231666"/>
             <a:ext cx="228600" cy="228600"/>
           </a:xfrm>
           <a:prstGeom prst="rect">
@@ -18509,7 +18503,7 @@
           <a:lstStyle/>
           <a:p>
             <a:r>
-              <a:rPr lang="en-US" altLang="ja-JP"/>
+              <a:rPr lang="en-US" altLang="ja-JP" dirty="0"/>
               <a:t>1</a:t>
             </a:r>
           </a:p>
@@ -18525,7 +18519,7 @@
         </p:nvSpPr>
         <p:spPr bwMode="auto">
           <a:xfrm>
-            <a:off x="5486400" y="2057400"/>
+            <a:off x="1202303" y="2133600"/>
             <a:ext cx="228600" cy="228600"/>
           </a:xfrm>
           <a:prstGeom prst="rect">
@@ -18572,7 +18566,7 @@
           <a:lstStyle/>
           <a:p>
             <a:r>
-              <a:rPr lang="en-US" altLang="ja-JP"/>
+              <a:rPr lang="en-US" altLang="ja-JP" dirty="0"/>
               <a:t>1</a:t>
             </a:r>
           </a:p>
@@ -18588,7 +18582,7 @@
         </p:nvSpPr>
         <p:spPr bwMode="auto">
           <a:xfrm>
-            <a:off x="8077200" y="2133600"/>
+            <a:off x="256376" y="3352469"/>
             <a:ext cx="1295400" cy="533400"/>
           </a:xfrm>
           <a:prstGeom prst="rect">
@@ -18648,7 +18642,7 @@
         </p:nvSpPr>
         <p:spPr bwMode="auto">
           <a:xfrm>
-            <a:off x="8077200" y="2362200"/>
+            <a:off x="256376" y="3581732"/>
             <a:ext cx="1295400" cy="304800"/>
           </a:xfrm>
           <a:prstGeom prst="rect">
@@ -18704,8 +18698,8 @@
         </p:nvSpPr>
         <p:spPr bwMode="auto">
           <a:xfrm>
-            <a:off x="7543800" y="2286000"/>
-            <a:ext cx="533400" cy="0"/>
+            <a:off x="904076" y="3124200"/>
+            <a:ext cx="0" cy="228269"/>
           </a:xfrm>
           <a:prstGeom prst="line">
             <a:avLst/>
@@ -18754,8 +18748,8 @@
           <p:nvPr/>
         </p:nvSpPr>
         <p:spPr bwMode="auto">
-          <a:xfrm>
-            <a:off x="7543800" y="2209800"/>
+          <a:xfrm rot="5400000">
+            <a:off x="789776" y="2933700"/>
             <a:ext cx="228600" cy="152400"/>
           </a:xfrm>
           <a:prstGeom prst="diamond">
@@ -18803,7 +18797,7 @@
         </p:nvSpPr>
         <p:spPr bwMode="auto">
           <a:xfrm>
-            <a:off x="7543800" y="2362200"/>
+            <a:off x="1016057" y="2933369"/>
             <a:ext cx="228600" cy="228600"/>
           </a:xfrm>
           <a:prstGeom prst="rect">
@@ -18850,7 +18844,7 @@
           <a:lstStyle/>
           <a:p>
             <a:r>
-              <a:rPr lang="en-US" altLang="ja-JP"/>
+              <a:rPr lang="en-US" altLang="ja-JP" dirty="0"/>
               <a:t>1</a:t>
             </a:r>
           </a:p>
@@ -18866,7 +18860,7 @@
         </p:nvSpPr>
         <p:spPr bwMode="auto">
           <a:xfrm>
-            <a:off x="7848600" y="2362200"/>
+            <a:off x="1018376" y="3157331"/>
             <a:ext cx="304800" cy="228600"/>
           </a:xfrm>
           <a:prstGeom prst="rect">
@@ -18913,129 +18907,9 @@
           <a:lstStyle/>
           <a:p>
             <a:r>
-              <a:rPr lang="en-US" altLang="ja-JP"/>
+              <a:rPr lang="en-US" altLang="ja-JP" dirty="0"/>
               <a:t>4</a:t>
             </a:r>
-          </a:p>
-        </p:txBody>
-      </p:sp>
-      <p:sp>
-        <p:nvSpPr>
-          <p:cNvPr id="9233" name="Rectangle 17"/>
-          <p:cNvSpPr>
-            <a:spLocks noChangeArrowheads="1"/>
-          </p:cNvSpPr>
-          <p:nvPr/>
-        </p:nvSpPr>
-        <p:spPr bwMode="auto">
-          <a:xfrm>
-            <a:off x="2743200" y="2209800"/>
-            <a:ext cx="1752600" cy="762000"/>
-          </a:xfrm>
-          <a:prstGeom prst="rect">
-            <a:avLst/>
-          </a:prstGeom>
-          <a:noFill/>
-          <a:ln w="9525">
-            <a:solidFill>
-              <a:schemeClr val="tx1"/>
-            </a:solidFill>
-            <a:miter lim="800000"/>
-            <a:headEnd/>
-            <a:tailEnd/>
-          </a:ln>
-          <a:effectLst/>
-          <a:extLst>
-            <a:ext uri="{909E8E84-426E-40DD-AFC4-6F175D3DCCD1}">
-              <a14:hiddenFill xmlns:a14="http://schemas.microsoft.com/office/drawing/2010/main">
-                <a:solidFill>
-                  <a:schemeClr val="bg1"/>
-                </a:solidFill>
-              </a14:hiddenFill>
-            </a:ext>
-            <a:ext uri="{AF507438-7753-43E0-B8FC-AC1667EBCBE1}">
-              <a14:hiddenEffects xmlns:a14="http://schemas.microsoft.com/office/drawing/2010/main">
-                <a:effectLst>
-                  <a:outerShdw dist="35921" dir="2700000" algn="ctr" rotWithShape="0">
-                    <a:schemeClr val="bg2"/>
-                  </a:outerShdw>
-                </a:effectLst>
-              </a14:hiddenEffects>
-            </a:ext>
-          </a:extLst>
-        </p:spPr>
-        <p:txBody>
-          <a:bodyPr wrap="none"/>
-          <a:lstStyle/>
-          <a:p>
-            <a:r>
-              <a:rPr lang="en-US" altLang="ja-JP" noProof="1"/>
-              <a:t>Scene</a:t>
-            </a:r>
-            <a:endParaRPr lang="en-US" altLang="ja-JP"/>
-          </a:p>
-        </p:txBody>
-      </p:sp>
-      <p:sp>
-        <p:nvSpPr>
-          <p:cNvPr id="9234" name="Rectangle 18"/>
-          <p:cNvSpPr>
-            <a:spLocks noChangeArrowheads="1"/>
-          </p:cNvSpPr>
-          <p:nvPr/>
-        </p:nvSpPr>
-        <p:spPr bwMode="auto">
-          <a:xfrm>
-            <a:off x="2743200" y="2438400"/>
-            <a:ext cx="1752600" cy="533400"/>
-          </a:xfrm>
-          <a:prstGeom prst="rect">
-            <a:avLst/>
-          </a:prstGeom>
-          <a:noFill/>
-          <a:ln w="9525">
-            <a:solidFill>
-              <a:schemeClr val="tx1"/>
-            </a:solidFill>
-            <a:miter lim="800000"/>
-            <a:headEnd/>
-            <a:tailEnd/>
-          </a:ln>
-          <a:effectLst/>
-          <a:extLst>
-            <a:ext uri="{909E8E84-426E-40DD-AFC4-6F175D3DCCD1}">
-              <a14:hiddenFill xmlns:a14="http://schemas.microsoft.com/office/drawing/2010/main">
-                <a:solidFill>
-                  <a:schemeClr val="bg1"/>
-                </a:solidFill>
-              </a14:hiddenFill>
-            </a:ext>
-            <a:ext uri="{AF507438-7753-43E0-B8FC-AC1667EBCBE1}">
-              <a14:hiddenEffects xmlns:a14="http://schemas.microsoft.com/office/drawing/2010/main">
-                <a:effectLst>
-                  <a:outerShdw dist="35921" dir="2700000" algn="ctr" rotWithShape="0">
-                    <a:schemeClr val="bg2"/>
-                  </a:outerShdw>
-                </a:effectLst>
-              </a14:hiddenEffects>
-            </a:ext>
-          </a:extLst>
-        </p:spPr>
-        <p:txBody>
-          <a:bodyPr wrap="none"/>
-          <a:lstStyle/>
-          <a:p>
-            <a:endParaRPr lang="en-US" altLang="ja-JP"/>
-          </a:p>
-          <a:p>
-            <a:r>
-              <a:rPr lang="en-US" altLang="ja-JP" noProof="1"/>
-              <a:t>Stage* m_pRootStage</a:t>
-            </a:r>
-            <a:endParaRPr lang="en-US" altLang="ja-JP"/>
-          </a:p>
-          <a:p>
-            <a:endParaRPr lang="en-US" altLang="ja-JP"/>
           </a:p>
         </p:txBody>
       </p:sp>
@@ -19050,7 +18924,7 @@
         <p:spPr bwMode="auto">
           <a:xfrm>
             <a:off x="1371600" y="1143000"/>
-            <a:ext cx="914400" cy="1371600"/>
+            <a:ext cx="914400" cy="762000"/>
           </a:xfrm>
           <a:prstGeom prst="rect">
             <a:avLst/>
@@ -19105,7 +18979,7 @@
         <p:spPr bwMode="auto">
           <a:xfrm>
             <a:off x="1371600" y="1371600"/>
-            <a:ext cx="914400" cy="1143000"/>
+            <a:ext cx="914400" cy="533400"/>
           </a:xfrm>
           <a:prstGeom prst="rect">
             <a:avLst/>
@@ -19148,35 +19022,23 @@
               <a:t>DxDevice</a:t>
             </a:r>
             <a:r>
-              <a:rPr lang="en-US" altLang="ja-JP"/>
+              <a:rPr lang="en-US" altLang="ja-JP" dirty="0"/>
               <a:t> device</a:t>
             </a:r>
           </a:p>
           <a:p>
-            <a:endParaRPr lang="en-US" altLang="ja-JP"/>
+            <a:endParaRPr lang="en-US" altLang="ja-JP" dirty="0"/>
           </a:p>
           <a:p>
             <a:r>
               <a:rPr lang="en-US" altLang="ja-JP" noProof="1"/>
-              <a:t>HWND hWnd</a:t>
-            </a:r>
-            <a:endParaRPr lang="en-US" altLang="ja-JP"/>
-          </a:p>
-          <a:p>
-            <a:endParaRPr lang="en-US" altLang="ja-JP"/>
-          </a:p>
-          <a:p>
-            <a:endParaRPr lang="en-US" altLang="ja-JP"/>
-          </a:p>
-          <a:p>
-            <a:endParaRPr lang="en-US" altLang="ja-JP"/>
-          </a:p>
-          <a:p>
-            <a:r>
-              <a:rPr lang="en-US" altLang="ja-JP" noProof="1"/>
-              <a:t>Scene scene</a:t>
-            </a:r>
-            <a:endParaRPr lang="en-US" altLang="ja-JP"/>
+              <a:t>HWND </a:t>
+            </a:r>
+            <a:r>
+              <a:rPr lang="en-US" altLang="ja-JP" noProof="1" smtClean="0"/>
+              <a:t>hWnd</a:t>
+            </a:r>
+            <a:endParaRPr lang="en-US" altLang="ja-JP" dirty="0"/>
           </a:p>
         </p:txBody>
       </p:sp>
@@ -19407,18 +19269,18 @@
       </p:sp>
       <p:sp>
         <p:nvSpPr>
-          <p:cNvPr id="9241" name="Line 46"/>
-          <p:cNvSpPr>
-            <a:spLocks noChangeShapeType="1"/>
+          <p:cNvPr id="9249" name="Rectangle 75"/>
+          <p:cNvSpPr>
+            <a:spLocks noChangeArrowheads="1"/>
           </p:cNvSpPr>
           <p:nvPr/>
         </p:nvSpPr>
         <p:spPr bwMode="auto">
           <a:xfrm>
-            <a:off x="2362200" y="2286000"/>
-            <a:ext cx="381000" cy="0"/>
-          </a:xfrm>
-          <a:prstGeom prst="line">
+            <a:off x="7101272" y="3429332"/>
+            <a:ext cx="1219200" cy="609600"/>
+          </a:xfrm>
+          <a:prstGeom prst="rect">
             <a:avLst/>
           </a:prstGeom>
           <a:noFill/>
@@ -19426,7 +19288,7 @@
             <a:solidFill>
               <a:schemeClr val="tx1"/>
             </a:solidFill>
-            <a:round/>
+            <a:miter lim="800000"/>
             <a:headEnd/>
             <a:tailEnd/>
           </a:ln>
@@ -19434,7 +19296,9 @@
           <a:extLst>
             <a:ext uri="{909E8E84-426E-40DD-AFC4-6F175D3DCCD1}">
               <a14:hiddenFill xmlns:a14="http://schemas.microsoft.com/office/drawing/2010/main">
-                <a:noFill/>
+                <a:solidFill>
+                  <a:schemeClr val="bg1"/>
+                </a:solidFill>
               </a14:hiddenFill>
             </a:ext>
             <a:ext uri="{AF507438-7753-43E0-B8FC-AC1667EBCBE1}">
@@ -19449,16 +19313,26 @@
           </a:extLst>
         </p:spPr>
         <p:txBody>
-          <a:bodyPr/>
+          <a:bodyPr wrap="none"/>
           <a:lstStyle/>
           <a:p>
-            <a:endParaRPr lang="ja-JP" altLang="en-US"/>
-          </a:p>
-        </p:txBody>
-      </p:sp>
-      <p:sp>
-        <p:nvSpPr>
-          <p:cNvPr id="9242" name="AutoShape 47"/>
+            <a:r>
+              <a:rPr lang="en-US" altLang="ja-JP" noProof="1"/>
+              <a:t>DxException</a:t>
+            </a:r>
+            <a:endParaRPr lang="en-US" altLang="ja-JP"/>
+          </a:p>
+          <a:p>
+            <a:r>
+              <a:rPr lang="en-US" altLang="ja-JP"/>
+              <a:t>: public exception</a:t>
+            </a:r>
+          </a:p>
+        </p:txBody>
+      </p:sp>
+      <p:sp>
+        <p:nvSpPr>
+          <p:cNvPr id="9250" name="Rectangle 76"/>
           <p:cNvSpPr>
             <a:spLocks noChangeArrowheads="1"/>
           </p:cNvSpPr>
@@ -19466,15 +19340,13 @@
         </p:nvSpPr>
         <p:spPr bwMode="auto">
           <a:xfrm>
-            <a:off x="2286000" y="2209800"/>
-            <a:ext cx="228600" cy="152400"/>
-          </a:xfrm>
-          <a:prstGeom prst="diamond">
-            <a:avLst/>
-          </a:prstGeom>
-          <a:solidFill>
-            <a:schemeClr val="bg1"/>
-          </a:solidFill>
+            <a:off x="7101272" y="3810332"/>
+            <a:ext cx="1219200" cy="228600"/>
+          </a:xfrm>
+          <a:prstGeom prst="rect">
+            <a:avLst/>
+          </a:prstGeom>
+          <a:noFill/>
           <a:ln w="9525">
             <a:solidFill>
               <a:schemeClr val="tx1"/>
@@ -19485,6 +19357,13 @@
           </a:ln>
           <a:effectLst/>
           <a:extLst>
+            <a:ext uri="{909E8E84-426E-40DD-AFC4-6F175D3DCCD1}">
+              <a14:hiddenFill xmlns:a14="http://schemas.microsoft.com/office/drawing/2010/main">
+                <a:solidFill>
+                  <a:schemeClr val="bg1"/>
+                </a:solidFill>
+              </a14:hiddenFill>
+            </a:ext>
             <a:ext uri="{AF507438-7753-43E0-B8FC-AC1667EBCBE1}">
               <a14:hiddenEffects xmlns:a14="http://schemas.microsoft.com/office/drawing/2010/main">
                 <a:effectLst>
@@ -19497,430 +19376,16 @@
           </a:extLst>
         </p:spPr>
         <p:txBody>
-          <a:bodyPr wrap="none" anchor="ctr"/>
-          <a:lstStyle/>
-          <a:p>
-            <a:endParaRPr lang="ja-JP" altLang="en-US"/>
-          </a:p>
-        </p:txBody>
-      </p:sp>
-      <p:sp>
-        <p:nvSpPr>
-          <p:cNvPr id="9243" name="Rectangle 48"/>
-          <p:cNvSpPr>
-            <a:spLocks noChangeArrowheads="1"/>
-          </p:cNvSpPr>
-          <p:nvPr/>
-        </p:nvSpPr>
-        <p:spPr bwMode="auto">
-          <a:xfrm>
-            <a:off x="2286000" y="2362200"/>
-            <a:ext cx="228600" cy="228600"/>
-          </a:xfrm>
-          <a:prstGeom prst="rect">
-            <a:avLst/>
-          </a:prstGeom>
-          <a:noFill/>
-          <a:ln>
-            <a:noFill/>
-          </a:ln>
-          <a:effectLst/>
-          <a:extLst>
-            <a:ext uri="{909E8E84-426E-40DD-AFC4-6F175D3DCCD1}">
-              <a14:hiddenFill xmlns:a14="http://schemas.microsoft.com/office/drawing/2010/main">
-                <a:solidFill>
-                  <a:schemeClr val="bg1"/>
-                </a:solidFill>
-              </a14:hiddenFill>
-            </a:ext>
-            <a:ext uri="{91240B29-F687-4F45-9708-019B960494DF}">
-              <a14:hiddenLine xmlns:a14="http://schemas.microsoft.com/office/drawing/2010/main" w="9525">
-                <a:solidFill>
-                  <a:schemeClr val="tx1"/>
-                </a:solidFill>
-                <a:miter lim="800000"/>
-                <a:headEnd/>
-                <a:tailEnd/>
-              </a14:hiddenLine>
-            </a:ext>
-            <a:ext uri="{AF507438-7753-43E0-B8FC-AC1667EBCBE1}">
-              <a14:hiddenEffects xmlns:a14="http://schemas.microsoft.com/office/drawing/2010/main">
-                <a:effectLst>
-                  <a:outerShdw dist="35921" dir="2700000" algn="ctr" rotWithShape="0">
-                    <a:schemeClr val="bg2"/>
-                  </a:outerShdw>
-                </a:effectLst>
-              </a14:hiddenEffects>
-            </a:ext>
-          </a:extLst>
-        </p:spPr>
-        <p:txBody>
-          <a:bodyPr>
-            <a:spAutoFit/>
-          </a:bodyPr>
-          <a:lstStyle/>
-          <a:p>
-            <a:r>
-              <a:rPr lang="en-US" altLang="ja-JP"/>
-              <a:t>1</a:t>
-            </a:r>
-          </a:p>
-        </p:txBody>
-      </p:sp>
-      <p:sp>
-        <p:nvSpPr>
-          <p:cNvPr id="9244" name="Rectangle 49"/>
-          <p:cNvSpPr>
-            <a:spLocks noChangeArrowheads="1"/>
-          </p:cNvSpPr>
-          <p:nvPr/>
-        </p:nvSpPr>
-        <p:spPr bwMode="auto">
-          <a:xfrm>
-            <a:off x="2514600" y="2362200"/>
-            <a:ext cx="228600" cy="228600"/>
-          </a:xfrm>
-          <a:prstGeom prst="rect">
-            <a:avLst/>
-          </a:prstGeom>
-          <a:noFill/>
-          <a:ln>
-            <a:noFill/>
-          </a:ln>
-          <a:effectLst/>
-          <a:extLst>
-            <a:ext uri="{909E8E84-426E-40DD-AFC4-6F175D3DCCD1}">
-              <a14:hiddenFill xmlns:a14="http://schemas.microsoft.com/office/drawing/2010/main">
-                <a:solidFill>
-                  <a:schemeClr val="bg1"/>
-                </a:solidFill>
-              </a14:hiddenFill>
-            </a:ext>
-            <a:ext uri="{91240B29-F687-4F45-9708-019B960494DF}">
-              <a14:hiddenLine xmlns:a14="http://schemas.microsoft.com/office/drawing/2010/main" w="9525">
-                <a:solidFill>
-                  <a:schemeClr val="tx1"/>
-                </a:solidFill>
-                <a:miter lim="800000"/>
-                <a:headEnd/>
-                <a:tailEnd/>
-              </a14:hiddenLine>
-            </a:ext>
-            <a:ext uri="{AF507438-7753-43E0-B8FC-AC1667EBCBE1}">
-              <a14:hiddenEffects xmlns:a14="http://schemas.microsoft.com/office/drawing/2010/main">
-                <a:effectLst>
-                  <a:outerShdw dist="35921" dir="2700000" algn="ctr" rotWithShape="0">
-                    <a:schemeClr val="bg2"/>
-                  </a:outerShdw>
-                </a:effectLst>
-              </a14:hiddenEffects>
-            </a:ext>
-          </a:extLst>
-        </p:spPr>
-        <p:txBody>
-          <a:bodyPr>
-            <a:spAutoFit/>
-          </a:bodyPr>
-          <a:lstStyle/>
-          <a:p>
-            <a:r>
-              <a:rPr lang="en-US" altLang="ja-JP"/>
-              <a:t>1</a:t>
-            </a:r>
-          </a:p>
-        </p:txBody>
-      </p:sp>
-      <p:sp>
-        <p:nvSpPr>
-          <p:cNvPr id="9245" name="Line 61"/>
-          <p:cNvSpPr>
-            <a:spLocks noChangeShapeType="1"/>
-          </p:cNvSpPr>
-          <p:nvPr/>
-        </p:nvSpPr>
-        <p:spPr bwMode="auto">
-          <a:xfrm>
-            <a:off x="4724400" y="2667000"/>
-            <a:ext cx="457200" cy="0"/>
-          </a:xfrm>
-          <a:prstGeom prst="line">
-            <a:avLst/>
-          </a:prstGeom>
-          <a:noFill/>
-          <a:ln w="9525">
-            <a:solidFill>
-              <a:schemeClr val="tx1"/>
-            </a:solidFill>
-            <a:round/>
-            <a:headEnd/>
-            <a:tailEnd/>
-          </a:ln>
-          <a:effectLst/>
-          <a:extLst>
-            <a:ext uri="{909E8E84-426E-40DD-AFC4-6F175D3DCCD1}">
-              <a14:hiddenFill xmlns:a14="http://schemas.microsoft.com/office/drawing/2010/main">
-                <a:noFill/>
-              </a14:hiddenFill>
-            </a:ext>
-            <a:ext uri="{AF507438-7753-43E0-B8FC-AC1667EBCBE1}">
-              <a14:hiddenEffects xmlns:a14="http://schemas.microsoft.com/office/drawing/2010/main">
-                <a:effectLst>
-                  <a:outerShdw dist="35921" dir="2700000" algn="ctr" rotWithShape="0">
-                    <a:schemeClr val="bg2"/>
-                  </a:outerShdw>
-                </a:effectLst>
-              </a14:hiddenEffects>
-            </a:ext>
-          </a:extLst>
-        </p:spPr>
-        <p:txBody>
-          <a:bodyPr/>
-          <a:lstStyle/>
-          <a:p>
-            <a:endParaRPr lang="ja-JP" altLang="en-US"/>
-          </a:p>
-        </p:txBody>
-      </p:sp>
-      <p:sp>
-        <p:nvSpPr>
-          <p:cNvPr id="9246" name="AutoShape 62"/>
-          <p:cNvSpPr>
-            <a:spLocks noChangeArrowheads="1"/>
-          </p:cNvSpPr>
-          <p:nvPr/>
-        </p:nvSpPr>
-        <p:spPr bwMode="auto">
-          <a:xfrm>
-            <a:off x="4495800" y="2590800"/>
-            <a:ext cx="228600" cy="152400"/>
-          </a:xfrm>
-          <a:prstGeom prst="diamond">
-            <a:avLst/>
-          </a:prstGeom>
-          <a:solidFill>
-            <a:schemeClr val="bg1"/>
-          </a:solidFill>
-          <a:ln w="9525">
-            <a:solidFill>
-              <a:schemeClr val="tx1"/>
-            </a:solidFill>
-            <a:miter lim="800000"/>
-            <a:headEnd/>
-            <a:tailEnd/>
-          </a:ln>
-          <a:effectLst/>
-          <a:extLst>
-            <a:ext uri="{AF507438-7753-43E0-B8FC-AC1667EBCBE1}">
-              <a14:hiddenEffects xmlns:a14="http://schemas.microsoft.com/office/drawing/2010/main">
-                <a:effectLst>
-                  <a:outerShdw dist="35921" dir="2700000" algn="ctr" rotWithShape="0">
-                    <a:schemeClr val="bg2"/>
-                  </a:outerShdw>
-                </a:effectLst>
-              </a14:hiddenEffects>
-            </a:ext>
-          </a:extLst>
-        </p:spPr>
-        <p:txBody>
-          <a:bodyPr wrap="none" anchor="ctr"/>
-          <a:lstStyle/>
-          <a:p>
-            <a:endParaRPr lang="ja-JP" altLang="en-US"/>
-          </a:p>
-        </p:txBody>
-      </p:sp>
-      <p:sp>
-        <p:nvSpPr>
-          <p:cNvPr id="9247" name="Rectangle 63"/>
-          <p:cNvSpPr>
-            <a:spLocks noChangeArrowheads="1"/>
-          </p:cNvSpPr>
-          <p:nvPr/>
-        </p:nvSpPr>
-        <p:spPr bwMode="auto">
-          <a:xfrm>
-            <a:off x="4495800" y="2743200"/>
-            <a:ext cx="228600" cy="228600"/>
-          </a:xfrm>
-          <a:prstGeom prst="rect">
-            <a:avLst/>
-          </a:prstGeom>
-          <a:noFill/>
-          <a:ln>
-            <a:noFill/>
-          </a:ln>
-          <a:effectLst/>
-          <a:extLst>
-            <a:ext uri="{909E8E84-426E-40DD-AFC4-6F175D3DCCD1}">
-              <a14:hiddenFill xmlns:a14="http://schemas.microsoft.com/office/drawing/2010/main">
-                <a:solidFill>
-                  <a:schemeClr val="bg1"/>
-                </a:solidFill>
-              </a14:hiddenFill>
-            </a:ext>
-            <a:ext uri="{91240B29-F687-4F45-9708-019B960494DF}">
-              <a14:hiddenLine xmlns:a14="http://schemas.microsoft.com/office/drawing/2010/main" w="9525">
-                <a:solidFill>
-                  <a:schemeClr val="tx1"/>
-                </a:solidFill>
-                <a:miter lim="800000"/>
-                <a:headEnd/>
-                <a:tailEnd/>
-              </a14:hiddenLine>
-            </a:ext>
-            <a:ext uri="{AF507438-7753-43E0-B8FC-AC1667EBCBE1}">
-              <a14:hiddenEffects xmlns:a14="http://schemas.microsoft.com/office/drawing/2010/main">
-                <a:effectLst>
-                  <a:outerShdw dist="35921" dir="2700000" algn="ctr" rotWithShape="0">
-                    <a:schemeClr val="bg2"/>
-                  </a:outerShdw>
-                </a:effectLst>
-              </a14:hiddenEffects>
-            </a:ext>
-          </a:extLst>
-        </p:spPr>
-        <p:txBody>
-          <a:bodyPr>
-            <a:spAutoFit/>
-          </a:bodyPr>
-          <a:lstStyle/>
-          <a:p>
-            <a:r>
-              <a:rPr lang="en-US" altLang="ja-JP"/>
-              <a:t>1</a:t>
-            </a:r>
-          </a:p>
-        </p:txBody>
-      </p:sp>
-      <p:sp>
-        <p:nvSpPr>
-          <p:cNvPr id="9248" name="Rectangle 64"/>
-          <p:cNvSpPr>
-            <a:spLocks noChangeArrowheads="1"/>
-          </p:cNvSpPr>
-          <p:nvPr/>
-        </p:nvSpPr>
-        <p:spPr bwMode="auto">
-          <a:xfrm>
-            <a:off x="4953000" y="2743200"/>
-            <a:ext cx="228600" cy="228600"/>
-          </a:xfrm>
-          <a:prstGeom prst="rect">
-            <a:avLst/>
-          </a:prstGeom>
-          <a:noFill/>
-          <a:ln>
-            <a:noFill/>
-          </a:ln>
-          <a:effectLst/>
-          <a:extLst>
-            <a:ext uri="{909E8E84-426E-40DD-AFC4-6F175D3DCCD1}">
-              <a14:hiddenFill xmlns:a14="http://schemas.microsoft.com/office/drawing/2010/main">
-                <a:solidFill>
-                  <a:schemeClr val="bg1"/>
-                </a:solidFill>
-              </a14:hiddenFill>
-            </a:ext>
-            <a:ext uri="{91240B29-F687-4F45-9708-019B960494DF}">
-              <a14:hiddenLine xmlns:a14="http://schemas.microsoft.com/office/drawing/2010/main" w="9525">
-                <a:solidFill>
-                  <a:schemeClr val="tx1"/>
-                </a:solidFill>
-                <a:miter lim="800000"/>
-                <a:headEnd/>
-                <a:tailEnd/>
-              </a14:hiddenLine>
-            </a:ext>
-            <a:ext uri="{AF507438-7753-43E0-B8FC-AC1667EBCBE1}">
-              <a14:hiddenEffects xmlns:a14="http://schemas.microsoft.com/office/drawing/2010/main">
-                <a:effectLst>
-                  <a:outerShdw dist="35921" dir="2700000" algn="ctr" rotWithShape="0">
-                    <a:schemeClr val="bg2"/>
-                  </a:outerShdw>
-                </a:effectLst>
-              </a14:hiddenEffects>
-            </a:ext>
-          </a:extLst>
-        </p:spPr>
-        <p:txBody>
-          <a:bodyPr>
-            <a:spAutoFit/>
-          </a:bodyPr>
-          <a:lstStyle/>
-          <a:p>
-            <a:r>
-              <a:rPr lang="en-US" altLang="ja-JP"/>
-              <a:t>*</a:t>
-            </a:r>
-          </a:p>
-        </p:txBody>
-      </p:sp>
-      <p:sp>
-        <p:nvSpPr>
-          <p:cNvPr id="9249" name="Rectangle 75"/>
-          <p:cNvSpPr>
-            <a:spLocks noChangeArrowheads="1"/>
-          </p:cNvSpPr>
-          <p:nvPr/>
-        </p:nvSpPr>
-        <p:spPr bwMode="auto">
-          <a:xfrm>
-            <a:off x="381000" y="3124200"/>
-            <a:ext cx="1219200" cy="609600"/>
-          </a:xfrm>
-          <a:prstGeom prst="rect">
-            <a:avLst/>
-          </a:prstGeom>
-          <a:noFill/>
-          <a:ln w="9525">
-            <a:solidFill>
-              <a:schemeClr val="tx1"/>
-            </a:solidFill>
-            <a:miter lim="800000"/>
-            <a:headEnd/>
-            <a:tailEnd/>
-          </a:ln>
-          <a:effectLst/>
-          <a:extLst>
-            <a:ext uri="{909E8E84-426E-40DD-AFC4-6F175D3DCCD1}">
-              <a14:hiddenFill xmlns:a14="http://schemas.microsoft.com/office/drawing/2010/main">
-                <a:solidFill>
-                  <a:schemeClr val="bg1"/>
-                </a:solidFill>
-              </a14:hiddenFill>
-            </a:ext>
-            <a:ext uri="{AF507438-7753-43E0-B8FC-AC1667EBCBE1}">
-              <a14:hiddenEffects xmlns:a14="http://schemas.microsoft.com/office/drawing/2010/main">
-                <a:effectLst>
-                  <a:outerShdw dist="35921" dir="2700000" algn="ctr" rotWithShape="0">
-                    <a:schemeClr val="bg2"/>
-                  </a:outerShdw>
-                </a:effectLst>
-              </a14:hiddenEffects>
-            </a:ext>
-          </a:extLst>
-        </p:spPr>
-        <p:txBody>
           <a:bodyPr wrap="none"/>
           <a:lstStyle/>
           <a:p>
-            <a:r>
-              <a:rPr lang="en-US" altLang="ja-JP" noProof="1"/>
-              <a:t>DxException</a:t>
-            </a:r>
-            <a:endParaRPr lang="en-US" altLang="ja-JP"/>
-          </a:p>
-          <a:p>
-            <a:r>
-              <a:rPr lang="en-US" altLang="ja-JP"/>
-              <a:t>: public exception</a:t>
-            </a:r>
-          </a:p>
-        </p:txBody>
-      </p:sp>
-      <p:sp>
-        <p:nvSpPr>
-          <p:cNvPr id="9250" name="Rectangle 76"/>
+            <a:endParaRPr lang="ja-JP" altLang="ja-JP"/>
+          </a:p>
+        </p:txBody>
+      </p:sp>
+      <p:sp>
+        <p:nvSpPr>
+          <p:cNvPr id="9251" name="Rectangle 77"/>
           <p:cNvSpPr>
             <a:spLocks noChangeArrowheads="1"/>
           </p:cNvSpPr>
@@ -19928,61 +19393,8 @@
         </p:nvSpPr>
         <p:spPr bwMode="auto">
           <a:xfrm>
-            <a:off x="381000" y="3505200"/>
-            <a:ext cx="1219200" cy="228600"/>
-          </a:xfrm>
-          <a:prstGeom prst="rect">
-            <a:avLst/>
-          </a:prstGeom>
-          <a:noFill/>
-          <a:ln w="9525">
-            <a:solidFill>
-              <a:schemeClr val="tx1"/>
-            </a:solidFill>
-            <a:miter lim="800000"/>
-            <a:headEnd/>
-            <a:tailEnd/>
-          </a:ln>
-          <a:effectLst/>
-          <a:extLst>
-            <a:ext uri="{909E8E84-426E-40DD-AFC4-6F175D3DCCD1}">
-              <a14:hiddenFill xmlns:a14="http://schemas.microsoft.com/office/drawing/2010/main">
-                <a:solidFill>
-                  <a:schemeClr val="bg1"/>
-                </a:solidFill>
-              </a14:hiddenFill>
-            </a:ext>
-            <a:ext uri="{AF507438-7753-43E0-B8FC-AC1667EBCBE1}">
-              <a14:hiddenEffects xmlns:a14="http://schemas.microsoft.com/office/drawing/2010/main">
-                <a:effectLst>
-                  <a:outerShdw dist="35921" dir="2700000" algn="ctr" rotWithShape="0">
-                    <a:schemeClr val="bg2"/>
-                  </a:outerShdw>
-                </a:effectLst>
-              </a14:hiddenEffects>
-            </a:ext>
-          </a:extLst>
-        </p:spPr>
-        <p:txBody>
-          <a:bodyPr wrap="none"/>
-          <a:lstStyle/>
-          <a:p>
-            <a:endParaRPr lang="ja-JP" altLang="ja-JP"/>
-          </a:p>
-        </p:txBody>
-      </p:sp>
-      <p:sp>
-        <p:nvSpPr>
-          <p:cNvPr id="9251" name="Rectangle 77"/>
-          <p:cNvSpPr>
-            <a:spLocks noChangeArrowheads="1"/>
-          </p:cNvSpPr>
-          <p:nvPr/>
-        </p:nvSpPr>
-        <p:spPr bwMode="auto">
-          <a:xfrm>
-            <a:off x="381000" y="4419600"/>
-            <a:ext cx="1219200" cy="533400"/>
+            <a:off x="6767128" y="1905000"/>
+            <a:ext cx="1553344" cy="787524"/>
           </a:xfrm>
           <a:prstGeom prst="rect">
             <a:avLst/>
@@ -20019,21 +19431,45 @@
               <a:rPr lang="en-US" altLang="ja-JP" noProof="1"/>
               <a:t>SafeDelete()</a:t>
             </a:r>
-            <a:endParaRPr lang="en-US" altLang="ja-JP"/>
+            <a:endParaRPr lang="en-US" altLang="ja-JP" dirty="0"/>
           </a:p>
           <a:p>
             <a:r>
               <a:rPr lang="en-US" altLang="ja-JP" noProof="1"/>
               <a:t>SafeDeleteArr()</a:t>
             </a:r>
-            <a:endParaRPr lang="en-US" altLang="ja-JP"/>
+            <a:endParaRPr lang="en-US" altLang="ja-JP" dirty="0"/>
           </a:p>
           <a:p>
             <a:r>
               <a:rPr lang="en-US" altLang="ja-JP" noProof="1"/>
-              <a:t>SafeRelease()</a:t>
-            </a:r>
-            <a:endParaRPr lang="en-US" altLang="ja-JP"/>
+              <a:t>SafeRelease</a:t>
+            </a:r>
+            <a:r>
+              <a:rPr lang="en-US" altLang="ja-JP" noProof="1" smtClean="0"/>
+              <a:t>()</a:t>
+            </a:r>
+          </a:p>
+          <a:p>
+            <a:r>
+              <a:rPr lang="en-US" altLang="ja-JP" dirty="0" err="1" smtClean="0"/>
+              <a:t>SafeDeletePointerMap</a:t>
+            </a:r>
+            <a:r>
+              <a:rPr lang="en-US" altLang="ja-JP" dirty="0" smtClean="0"/>
+              <a:t>()</a:t>
+            </a:r>
+          </a:p>
+          <a:p>
+            <a:r>
+              <a:rPr lang="en-US" altLang="ja-JP" dirty="0" err="1" smtClean="0"/>
+              <a:t>SafeDeletePointerContainer</a:t>
+            </a:r>
+            <a:r>
+              <a:rPr lang="en-US" altLang="ja-JP" dirty="0" smtClean="0"/>
+              <a:t>()</a:t>
+            </a:r>
+            <a:endParaRPr lang="en-US" altLang="ja-JP" dirty="0"/>
           </a:p>
         </p:txBody>
       </p:sp>
@@ -20047,7 +19483,7 @@
         </p:nvSpPr>
         <p:spPr bwMode="auto">
           <a:xfrm>
-            <a:off x="381000" y="3810000"/>
+            <a:off x="7101272" y="4115132"/>
             <a:ext cx="1219200" cy="533400"/>
           </a:xfrm>
           <a:prstGeom prst="rect">
@@ -20325,13 +19761,31 @@
           <a:lstStyle/>
           <a:p>
             <a:r>
-              <a:rPr lang="ja-JP" altLang="en-US" sz="1600">
+              <a:rPr lang="ja-JP" altLang="en-US" sz="1600" dirty="0">
                 <a:solidFill>
                   <a:schemeClr val="accent2"/>
                 </a:solidFill>
                 <a:ea typeface="HGP創英角ｺﾞｼｯｸUB" pitchFamily="50" charset="-128"/>
               </a:rPr>
-              <a:t>２．クラス階層図（１、下層ライブラリ）</a:t>
+              <a:t>３</a:t>
+            </a:r>
+            <a:r>
+              <a:rPr lang="ja-JP" altLang="en-US" sz="1600" dirty="0" smtClean="0">
+                <a:solidFill>
+                  <a:schemeClr val="accent2"/>
+                </a:solidFill>
+                <a:ea typeface="HGP創英角ｺﾞｼｯｸUB" pitchFamily="50" charset="-128"/>
+              </a:rPr>
+              <a:t>．</a:t>
+            </a:r>
+            <a:r>
+              <a:rPr lang="ja-JP" altLang="en-US" sz="1600" dirty="0">
+                <a:solidFill>
+                  <a:schemeClr val="accent2"/>
+                </a:solidFill>
+                <a:ea typeface="HGP創英角ｺﾞｼｯｸUB" pitchFamily="50" charset="-128"/>
+              </a:rPr>
+              <a:t>クラス階層図（１、下層ライブラリ）</a:t>
             </a:r>
           </a:p>
         </p:txBody>
@@ -20518,7 +19972,7 @@
       </p:grpSp>
       <p:sp>
         <p:nvSpPr>
-          <p:cNvPr id="9257" name="Rectangle 88"/>
+          <p:cNvPr id="9279" name="Rectangle 164"/>
           <p:cNvSpPr>
             <a:spLocks noChangeArrowheads="1"/>
           </p:cNvSpPr>
@@ -20526,8 +19980,8 @@
         </p:nvSpPr>
         <p:spPr bwMode="auto">
           <a:xfrm>
-            <a:off x="5181600" y="2590800"/>
-            <a:ext cx="1752600" cy="1066800"/>
+            <a:off x="7101272" y="4798072"/>
+            <a:ext cx="1219200" cy="533400"/>
           </a:xfrm>
           <a:prstGeom prst="rect">
             <a:avLst/>
@@ -20567,7 +20021,7 @@
           <a:p>
             <a:r>
               <a:rPr lang="en-US" altLang="ja-JP" noProof="1"/>
-              <a:t>Stage</a:t>
+              <a:t>Command</a:t>
             </a:r>
             <a:endParaRPr lang="en-US" altLang="ja-JP"/>
           </a:p>
@@ -20575,7 +20029,7 @@
       </p:sp>
       <p:sp>
         <p:nvSpPr>
-          <p:cNvPr id="9258" name="Rectangle 89"/>
+          <p:cNvPr id="9280" name="Rectangle 165"/>
           <p:cNvSpPr>
             <a:spLocks noChangeArrowheads="1"/>
           </p:cNvSpPr>
@@ -20583,8 +20037,8 @@
         </p:nvSpPr>
         <p:spPr bwMode="auto">
           <a:xfrm>
-            <a:off x="5181600" y="2819400"/>
-            <a:ext cx="1752600" cy="838200"/>
+            <a:off x="7101272" y="5026672"/>
+            <a:ext cx="1219200" cy="304800"/>
           </a:xfrm>
           <a:prstGeom prst="rect">
             <a:avLst/>
@@ -20623,50 +20077,15 @@
           <a:lstStyle/>
           <a:p>
             <a:r>
-              <a:rPr lang="en-US" altLang="ja-JP" noProof="1"/>
-              <a:t>Stage* m_pChildStage</a:t>
-            </a:r>
-            <a:endParaRPr lang="en-US" altLang="ja-JP"/>
-          </a:p>
-          <a:p>
-            <a:endParaRPr lang="en-US" altLang="ja-JP"/>
-          </a:p>
-          <a:p>
-            <a:r>
-              <a:rPr lang="en-US" altLang="ja-JP" noProof="1"/>
-              <a:t>vector&lt;Texture*&gt; m_TextureVec</a:t>
-            </a:r>
-            <a:endParaRPr lang="en-US" altLang="ja-JP"/>
-          </a:p>
-          <a:p>
-            <a:endParaRPr lang="en-US" altLang="ja-JP"/>
-          </a:p>
-          <a:p>
-            <a:r>
-              <a:rPr lang="en-US" altLang="ja-JP" noProof="1"/>
-              <a:t>vector&lt;Object*&gt;</a:t>
-            </a:r>
-            <a:r>
-              <a:rPr lang="en-US" altLang="ja-JP"/>
-              <a:t> </a:t>
-            </a:r>
-            <a:r>
-              <a:rPr lang="en-US" altLang="ja-JP" noProof="1"/>
-              <a:t>m_Vec</a:t>
-            </a:r>
-            <a:endParaRPr lang="en-US" altLang="ja-JP"/>
-          </a:p>
-          <a:p>
-            <a:endParaRPr lang="en-US" altLang="ja-JP"/>
-          </a:p>
-          <a:p>
-            <a:endParaRPr lang="en-US" altLang="ja-JP"/>
-          </a:p>
-        </p:txBody>
-      </p:sp>
-      <p:sp>
-        <p:nvSpPr>
-          <p:cNvPr id="9259" name="Rectangle 90"/>
+              <a:rPr lang="ja-JP" altLang="en-US"/>
+              <a:t>構造体</a:t>
+            </a:r>
+          </a:p>
+        </p:txBody>
+      </p:sp>
+      <p:sp>
+        <p:nvSpPr>
+          <p:cNvPr id="9281" name="Rectangle 166"/>
           <p:cNvSpPr>
             <a:spLocks noChangeArrowheads="1"/>
           </p:cNvSpPr>
@@ -20674,8 +20093,8 @@
         </p:nvSpPr>
         <p:spPr bwMode="auto">
           <a:xfrm>
-            <a:off x="2743200" y="3124200"/>
-            <a:ext cx="1905000" cy="533400"/>
+            <a:off x="7101272" y="5483872"/>
+            <a:ext cx="1219200" cy="533400"/>
           </a:xfrm>
           <a:prstGeom prst="rect">
             <a:avLst/>
@@ -20715,7 +20134,7 @@
           <a:p>
             <a:r>
               <a:rPr lang="en-US" altLang="ja-JP" noProof="1"/>
-              <a:t>Texture</a:t>
+              <a:t>ShadowVolume</a:t>
             </a:r>
             <a:endParaRPr lang="en-US" altLang="ja-JP"/>
           </a:p>
@@ -20723,7 +20142,7 @@
       </p:sp>
       <p:sp>
         <p:nvSpPr>
-          <p:cNvPr id="9260" name="Rectangle 91"/>
+          <p:cNvPr id="9282" name="Rectangle 167"/>
           <p:cNvSpPr>
             <a:spLocks noChangeArrowheads="1"/>
           </p:cNvSpPr>
@@ -20731,8 +20150,8 @@
         </p:nvSpPr>
         <p:spPr bwMode="auto">
           <a:xfrm>
-            <a:off x="2743200" y="3352800"/>
-            <a:ext cx="1905000" cy="304800"/>
+            <a:off x="7101272" y="5712472"/>
+            <a:ext cx="1219200" cy="304800"/>
           </a:xfrm>
           <a:prstGeom prst="rect">
             <a:avLst/>
@@ -20770,26 +20189,1175 @@
           <a:bodyPr wrap="none"/>
           <a:lstStyle/>
           <a:p>
+            <a:endParaRPr lang="ja-JP" altLang="ja-JP"/>
+          </a:p>
+        </p:txBody>
+      </p:sp>
+      <p:sp>
+        <p:nvSpPr>
+          <p:cNvPr id="9283" name="Rectangle 170"/>
+          <p:cNvSpPr>
+            <a:spLocks noChangeArrowheads="1"/>
+          </p:cNvSpPr>
+          <p:nvPr/>
+        </p:nvSpPr>
+        <p:spPr bwMode="auto">
+          <a:xfrm>
+            <a:off x="8394807" y="3350763"/>
+            <a:ext cx="1219200" cy="609600"/>
+          </a:xfrm>
+          <a:prstGeom prst="rect">
+            <a:avLst/>
+          </a:prstGeom>
+          <a:noFill/>
+          <a:ln w="9525">
+            <a:solidFill>
+              <a:schemeClr val="tx1"/>
+            </a:solidFill>
+            <a:miter lim="800000"/>
+            <a:headEnd/>
+            <a:tailEnd/>
+          </a:ln>
+          <a:effectLst/>
+          <a:extLst>
+            <a:ext uri="{909E8E84-426E-40DD-AFC4-6F175D3DCCD1}">
+              <a14:hiddenFill xmlns:a14="http://schemas.microsoft.com/office/drawing/2010/main">
+                <a:solidFill>
+                  <a:schemeClr val="bg1"/>
+                </a:solidFill>
+              </a14:hiddenFill>
+            </a:ext>
+            <a:ext uri="{AF507438-7753-43E0-B8FC-AC1667EBCBE1}">
+              <a14:hiddenEffects xmlns:a14="http://schemas.microsoft.com/office/drawing/2010/main">
+                <a:effectLst>
+                  <a:outerShdw dist="35921" dir="2700000" algn="ctr" rotWithShape="0">
+                    <a:schemeClr val="bg2"/>
+                  </a:outerShdw>
+                </a:effectLst>
+              </a14:hiddenEffects>
+            </a:ext>
+          </a:extLst>
+        </p:spPr>
+        <p:txBody>
+          <a:bodyPr wrap="none"/>
+          <a:lstStyle/>
+          <a:p>
             <a:r>
               <a:rPr lang="en-US" altLang="ja-JP" noProof="1"/>
-              <a:t>LPDIRECT3DTEXTURE9 m_pTexture</a:t>
+              <a:t>Size</a:t>
             </a:r>
             <a:endParaRPr lang="en-US" altLang="ja-JP"/>
           </a:p>
-        </p:txBody>
-      </p:sp>
-      <p:sp>
-        <p:nvSpPr>
-          <p:cNvPr id="9261" name="Line 92"/>
+          <a:p>
+            <a:r>
+              <a:rPr lang="en-US" altLang="ja-JP"/>
+              <a:t>: public </a:t>
+            </a:r>
+            <a:r>
+              <a:rPr lang="en-US" altLang="ja-JP" noProof="1"/>
+              <a:t>tagSIZE</a:t>
+            </a:r>
+            <a:endParaRPr lang="en-US" altLang="ja-JP"/>
+          </a:p>
+        </p:txBody>
+      </p:sp>
+      <p:sp>
+        <p:nvSpPr>
+          <p:cNvPr id="9284" name="Rectangle 171"/>
+          <p:cNvSpPr>
+            <a:spLocks noChangeArrowheads="1"/>
+          </p:cNvSpPr>
+          <p:nvPr/>
+        </p:nvSpPr>
+        <p:spPr bwMode="auto">
+          <a:xfrm>
+            <a:off x="8394807" y="3731763"/>
+            <a:ext cx="1219200" cy="228600"/>
+          </a:xfrm>
+          <a:prstGeom prst="rect">
+            <a:avLst/>
+          </a:prstGeom>
+          <a:noFill/>
+          <a:ln w="9525">
+            <a:solidFill>
+              <a:schemeClr val="tx1"/>
+            </a:solidFill>
+            <a:miter lim="800000"/>
+            <a:headEnd/>
+            <a:tailEnd/>
+          </a:ln>
+          <a:effectLst/>
+          <a:extLst>
+            <a:ext uri="{909E8E84-426E-40DD-AFC4-6F175D3DCCD1}">
+              <a14:hiddenFill xmlns:a14="http://schemas.microsoft.com/office/drawing/2010/main">
+                <a:solidFill>
+                  <a:schemeClr val="bg1"/>
+                </a:solidFill>
+              </a14:hiddenFill>
+            </a:ext>
+            <a:ext uri="{AF507438-7753-43E0-B8FC-AC1667EBCBE1}">
+              <a14:hiddenEffects xmlns:a14="http://schemas.microsoft.com/office/drawing/2010/main">
+                <a:effectLst>
+                  <a:outerShdw dist="35921" dir="2700000" algn="ctr" rotWithShape="0">
+                    <a:schemeClr val="bg2"/>
+                  </a:outerShdw>
+                </a:effectLst>
+              </a14:hiddenEffects>
+            </a:ext>
+          </a:extLst>
+        </p:spPr>
+        <p:txBody>
+          <a:bodyPr wrap="none"/>
+          <a:lstStyle/>
+          <a:p>
+            <a:endParaRPr lang="ja-JP" altLang="ja-JP"/>
+          </a:p>
+        </p:txBody>
+      </p:sp>
+      <p:sp>
+        <p:nvSpPr>
+          <p:cNvPr id="9285" name="Rectangle 172"/>
+          <p:cNvSpPr>
+            <a:spLocks noChangeArrowheads="1"/>
+          </p:cNvSpPr>
+          <p:nvPr/>
+        </p:nvSpPr>
+        <p:spPr bwMode="auto">
+          <a:xfrm>
+            <a:off x="8394807" y="4112763"/>
+            <a:ext cx="1219200" cy="609600"/>
+          </a:xfrm>
+          <a:prstGeom prst="rect">
+            <a:avLst/>
+          </a:prstGeom>
+          <a:noFill/>
+          <a:ln w="9525">
+            <a:solidFill>
+              <a:schemeClr val="tx1"/>
+            </a:solidFill>
+            <a:miter lim="800000"/>
+            <a:headEnd/>
+            <a:tailEnd/>
+          </a:ln>
+          <a:effectLst/>
+          <a:extLst>
+            <a:ext uri="{909E8E84-426E-40DD-AFC4-6F175D3DCCD1}">
+              <a14:hiddenFill xmlns:a14="http://schemas.microsoft.com/office/drawing/2010/main">
+                <a:solidFill>
+                  <a:schemeClr val="bg1"/>
+                </a:solidFill>
+              </a14:hiddenFill>
+            </a:ext>
+            <a:ext uri="{AF507438-7753-43E0-B8FC-AC1667EBCBE1}">
+              <a14:hiddenEffects xmlns:a14="http://schemas.microsoft.com/office/drawing/2010/main">
+                <a:effectLst>
+                  <a:outerShdw dist="35921" dir="2700000" algn="ctr" rotWithShape="0">
+                    <a:schemeClr val="bg2"/>
+                  </a:outerShdw>
+                </a:effectLst>
+              </a14:hiddenEffects>
+            </a:ext>
+          </a:extLst>
+        </p:spPr>
+        <p:txBody>
+          <a:bodyPr wrap="none"/>
+          <a:lstStyle/>
+          <a:p>
+            <a:r>
+              <a:rPr lang="en-US" altLang="ja-JP" noProof="1"/>
+              <a:t>Point</a:t>
+            </a:r>
+            <a:endParaRPr lang="en-US" altLang="ja-JP"/>
+          </a:p>
+          <a:p>
+            <a:r>
+              <a:rPr lang="en-US" altLang="ja-JP"/>
+              <a:t>: public </a:t>
+            </a:r>
+            <a:r>
+              <a:rPr lang="en-US" altLang="ja-JP" noProof="1"/>
+              <a:t>tagPOINT</a:t>
+            </a:r>
+            <a:endParaRPr lang="en-US" altLang="ja-JP"/>
+          </a:p>
+        </p:txBody>
+      </p:sp>
+      <p:sp>
+        <p:nvSpPr>
+          <p:cNvPr id="9286" name="Rectangle 173"/>
+          <p:cNvSpPr>
+            <a:spLocks noChangeArrowheads="1"/>
+          </p:cNvSpPr>
+          <p:nvPr/>
+        </p:nvSpPr>
+        <p:spPr bwMode="auto">
+          <a:xfrm>
+            <a:off x="8394807" y="4493763"/>
+            <a:ext cx="1219200" cy="228600"/>
+          </a:xfrm>
+          <a:prstGeom prst="rect">
+            <a:avLst/>
+          </a:prstGeom>
+          <a:noFill/>
+          <a:ln w="9525">
+            <a:solidFill>
+              <a:schemeClr val="tx1"/>
+            </a:solidFill>
+            <a:miter lim="800000"/>
+            <a:headEnd/>
+            <a:tailEnd/>
+          </a:ln>
+          <a:effectLst/>
+          <a:extLst>
+            <a:ext uri="{909E8E84-426E-40DD-AFC4-6F175D3DCCD1}">
+              <a14:hiddenFill xmlns:a14="http://schemas.microsoft.com/office/drawing/2010/main">
+                <a:solidFill>
+                  <a:schemeClr val="bg1"/>
+                </a:solidFill>
+              </a14:hiddenFill>
+            </a:ext>
+            <a:ext uri="{AF507438-7753-43E0-B8FC-AC1667EBCBE1}">
+              <a14:hiddenEffects xmlns:a14="http://schemas.microsoft.com/office/drawing/2010/main">
+                <a:effectLst>
+                  <a:outerShdw dist="35921" dir="2700000" algn="ctr" rotWithShape="0">
+                    <a:schemeClr val="bg2"/>
+                  </a:outerShdw>
+                </a:effectLst>
+              </a14:hiddenEffects>
+            </a:ext>
+          </a:extLst>
+        </p:spPr>
+        <p:txBody>
+          <a:bodyPr wrap="none"/>
+          <a:lstStyle/>
+          <a:p>
+            <a:endParaRPr lang="ja-JP" altLang="ja-JP"/>
+          </a:p>
+        </p:txBody>
+      </p:sp>
+      <p:sp>
+        <p:nvSpPr>
+          <p:cNvPr id="9287" name="Rectangle 174"/>
+          <p:cNvSpPr>
+            <a:spLocks noChangeArrowheads="1"/>
+          </p:cNvSpPr>
+          <p:nvPr/>
+        </p:nvSpPr>
+        <p:spPr bwMode="auto">
+          <a:xfrm>
+            <a:off x="8394807" y="4874763"/>
+            <a:ext cx="1219200" cy="609600"/>
+          </a:xfrm>
+          <a:prstGeom prst="rect">
+            <a:avLst/>
+          </a:prstGeom>
+          <a:noFill/>
+          <a:ln w="9525">
+            <a:solidFill>
+              <a:schemeClr val="tx1"/>
+            </a:solidFill>
+            <a:miter lim="800000"/>
+            <a:headEnd/>
+            <a:tailEnd/>
+          </a:ln>
+          <a:effectLst/>
+          <a:extLst>
+            <a:ext uri="{909E8E84-426E-40DD-AFC4-6F175D3DCCD1}">
+              <a14:hiddenFill xmlns:a14="http://schemas.microsoft.com/office/drawing/2010/main">
+                <a:solidFill>
+                  <a:schemeClr val="bg1"/>
+                </a:solidFill>
+              </a14:hiddenFill>
+            </a:ext>
+            <a:ext uri="{AF507438-7753-43E0-B8FC-AC1667EBCBE1}">
+              <a14:hiddenEffects xmlns:a14="http://schemas.microsoft.com/office/drawing/2010/main">
+                <a:effectLst>
+                  <a:outerShdw dist="35921" dir="2700000" algn="ctr" rotWithShape="0">
+                    <a:schemeClr val="bg2"/>
+                  </a:outerShdw>
+                </a:effectLst>
+              </a14:hiddenEffects>
+            </a:ext>
+          </a:extLst>
+        </p:spPr>
+        <p:txBody>
+          <a:bodyPr wrap="none"/>
+          <a:lstStyle/>
+          <a:p>
+            <a:r>
+              <a:rPr lang="en-US" altLang="ja-JP" noProof="1"/>
+              <a:t>Rect</a:t>
+            </a:r>
+            <a:endParaRPr lang="en-US" altLang="ja-JP"/>
+          </a:p>
+          <a:p>
+            <a:r>
+              <a:rPr lang="en-US" altLang="ja-JP"/>
+              <a:t>: public </a:t>
+            </a:r>
+            <a:r>
+              <a:rPr lang="en-US" altLang="ja-JP" noProof="1"/>
+              <a:t>tagRECT</a:t>
+            </a:r>
+            <a:endParaRPr lang="en-US" altLang="ja-JP"/>
+          </a:p>
+        </p:txBody>
+      </p:sp>
+      <p:sp>
+        <p:nvSpPr>
+          <p:cNvPr id="9288" name="Rectangle 175"/>
+          <p:cNvSpPr>
+            <a:spLocks noChangeArrowheads="1"/>
+          </p:cNvSpPr>
+          <p:nvPr/>
+        </p:nvSpPr>
+        <p:spPr bwMode="auto">
+          <a:xfrm>
+            <a:off x="8394807" y="5255763"/>
+            <a:ext cx="1219200" cy="228600"/>
+          </a:xfrm>
+          <a:prstGeom prst="rect">
+            <a:avLst/>
+          </a:prstGeom>
+          <a:noFill/>
+          <a:ln w="9525">
+            <a:solidFill>
+              <a:schemeClr val="tx1"/>
+            </a:solidFill>
+            <a:miter lim="800000"/>
+            <a:headEnd/>
+            <a:tailEnd/>
+          </a:ln>
+          <a:effectLst/>
+          <a:extLst>
+            <a:ext uri="{909E8E84-426E-40DD-AFC4-6F175D3DCCD1}">
+              <a14:hiddenFill xmlns:a14="http://schemas.microsoft.com/office/drawing/2010/main">
+                <a:solidFill>
+                  <a:schemeClr val="bg1"/>
+                </a:solidFill>
+              </a14:hiddenFill>
+            </a:ext>
+            <a:ext uri="{AF507438-7753-43E0-B8FC-AC1667EBCBE1}">
+              <a14:hiddenEffects xmlns:a14="http://schemas.microsoft.com/office/drawing/2010/main">
+                <a:effectLst>
+                  <a:outerShdw dist="35921" dir="2700000" algn="ctr" rotWithShape="0">
+                    <a:schemeClr val="bg2"/>
+                  </a:outerShdw>
+                </a:effectLst>
+              </a14:hiddenEffects>
+            </a:ext>
+          </a:extLst>
+        </p:spPr>
+        <p:txBody>
+          <a:bodyPr wrap="none"/>
+          <a:lstStyle/>
+          <a:p>
+            <a:endParaRPr lang="ja-JP" altLang="ja-JP"/>
+          </a:p>
+        </p:txBody>
+      </p:sp>
+      <p:sp>
+        <p:nvSpPr>
+          <p:cNvPr id="9291" name="Rectangle 180"/>
+          <p:cNvSpPr>
+            <a:spLocks noChangeArrowheads="1"/>
+          </p:cNvSpPr>
+          <p:nvPr/>
+        </p:nvSpPr>
+        <p:spPr bwMode="auto">
+          <a:xfrm>
+            <a:off x="7101272" y="4343732"/>
+            <a:ext cx="1219200" cy="304800"/>
+          </a:xfrm>
+          <a:prstGeom prst="rect">
+            <a:avLst/>
+          </a:prstGeom>
+          <a:noFill/>
+          <a:ln w="9525">
+            <a:solidFill>
+              <a:schemeClr val="tx1"/>
+            </a:solidFill>
+            <a:miter lim="800000"/>
+            <a:headEnd/>
+            <a:tailEnd/>
+          </a:ln>
+          <a:effectLst/>
+          <a:extLst>
+            <a:ext uri="{909E8E84-426E-40DD-AFC4-6F175D3DCCD1}">
+              <a14:hiddenFill xmlns:a14="http://schemas.microsoft.com/office/drawing/2010/main">
+                <a:solidFill>
+                  <a:schemeClr val="bg1"/>
+                </a:solidFill>
+              </a14:hiddenFill>
+            </a:ext>
+            <a:ext uri="{AF507438-7753-43E0-B8FC-AC1667EBCBE1}">
+              <a14:hiddenEffects xmlns:a14="http://schemas.microsoft.com/office/drawing/2010/main">
+                <a:effectLst>
+                  <a:outerShdw dist="35921" dir="2700000" algn="ctr" rotWithShape="0">
+                    <a:schemeClr val="bg2"/>
+                  </a:outerShdw>
+                </a:effectLst>
+              </a14:hiddenEffects>
+            </a:ext>
+          </a:extLst>
+        </p:spPr>
+        <p:txBody>
+          <a:bodyPr wrap="none"/>
+          <a:lstStyle/>
+          <a:p>
+            <a:endParaRPr lang="ja-JP" altLang="ja-JP"/>
+          </a:p>
+        </p:txBody>
+      </p:sp>
+      <p:sp>
+        <p:nvSpPr>
+          <p:cNvPr id="9292" name="Rectangle 181"/>
+          <p:cNvSpPr>
+            <a:spLocks noChangeArrowheads="1"/>
+          </p:cNvSpPr>
+          <p:nvPr/>
+        </p:nvSpPr>
+        <p:spPr bwMode="auto">
+          <a:xfrm>
+            <a:off x="8382880" y="1912117"/>
+            <a:ext cx="1219200" cy="533400"/>
+          </a:xfrm>
+          <a:prstGeom prst="rect">
+            <a:avLst/>
+          </a:prstGeom>
+          <a:noFill/>
+          <a:ln w="9525">
+            <a:solidFill>
+              <a:schemeClr val="tx1"/>
+            </a:solidFill>
+            <a:miter lim="800000"/>
+            <a:headEnd/>
+            <a:tailEnd/>
+          </a:ln>
+          <a:effectLst/>
+          <a:extLst>
+            <a:ext uri="{909E8E84-426E-40DD-AFC4-6F175D3DCCD1}">
+              <a14:hiddenFill xmlns:a14="http://schemas.microsoft.com/office/drawing/2010/main">
+                <a:solidFill>
+                  <a:schemeClr val="bg1"/>
+                </a:solidFill>
+              </a14:hiddenFill>
+            </a:ext>
+            <a:ext uri="{AF507438-7753-43E0-B8FC-AC1667EBCBE1}">
+              <a14:hiddenEffects xmlns:a14="http://schemas.microsoft.com/office/drawing/2010/main">
+                <a:effectLst>
+                  <a:outerShdw dist="35921" dir="2700000" algn="ctr" rotWithShape="0">
+                    <a:schemeClr val="bg2"/>
+                  </a:outerShdw>
+                </a:effectLst>
+              </a14:hiddenEffects>
+            </a:ext>
+          </a:extLst>
+        </p:spPr>
+        <p:txBody>
+          <a:bodyPr wrap="none"/>
+          <a:lstStyle/>
+          <a:p>
+            <a:r>
+              <a:rPr lang="en-US" altLang="ja-JP"/>
+              <a:t>OBB</a:t>
+            </a:r>
+          </a:p>
+        </p:txBody>
+      </p:sp>
+      <p:sp>
+        <p:nvSpPr>
+          <p:cNvPr id="9293" name="Rectangle 182"/>
+          <p:cNvSpPr>
+            <a:spLocks noChangeArrowheads="1"/>
+          </p:cNvSpPr>
+          <p:nvPr/>
+        </p:nvSpPr>
+        <p:spPr bwMode="auto">
+          <a:xfrm>
+            <a:off x="8382880" y="2140717"/>
+            <a:ext cx="1219200" cy="304800"/>
+          </a:xfrm>
+          <a:prstGeom prst="rect">
+            <a:avLst/>
+          </a:prstGeom>
+          <a:noFill/>
+          <a:ln w="9525">
+            <a:solidFill>
+              <a:schemeClr val="tx1"/>
+            </a:solidFill>
+            <a:miter lim="800000"/>
+            <a:headEnd/>
+            <a:tailEnd/>
+          </a:ln>
+          <a:effectLst/>
+          <a:extLst>
+            <a:ext uri="{909E8E84-426E-40DD-AFC4-6F175D3DCCD1}">
+              <a14:hiddenFill xmlns:a14="http://schemas.microsoft.com/office/drawing/2010/main">
+                <a:solidFill>
+                  <a:schemeClr val="bg1"/>
+                </a:solidFill>
+              </a14:hiddenFill>
+            </a:ext>
+            <a:ext uri="{AF507438-7753-43E0-B8FC-AC1667EBCBE1}">
+              <a14:hiddenEffects xmlns:a14="http://schemas.microsoft.com/office/drawing/2010/main">
+                <a:effectLst>
+                  <a:outerShdw dist="35921" dir="2700000" algn="ctr" rotWithShape="0">
+                    <a:schemeClr val="bg2"/>
+                  </a:outerShdw>
+                </a:effectLst>
+              </a14:hiddenEffects>
+            </a:ext>
+          </a:extLst>
+        </p:spPr>
+        <p:txBody>
+          <a:bodyPr wrap="none"/>
+          <a:lstStyle/>
+          <a:p>
+            <a:r>
+              <a:rPr lang="ja-JP" altLang="en-US"/>
+              <a:t>構造体</a:t>
+            </a:r>
+          </a:p>
+        </p:txBody>
+      </p:sp>
+      <p:sp>
+        <p:nvSpPr>
+          <p:cNvPr id="9294" name="Rectangle 183"/>
+          <p:cNvSpPr>
+            <a:spLocks noChangeArrowheads="1"/>
+          </p:cNvSpPr>
+          <p:nvPr/>
+        </p:nvSpPr>
+        <p:spPr bwMode="auto">
+          <a:xfrm>
+            <a:off x="8382880" y="2597917"/>
+            <a:ext cx="1219200" cy="533400"/>
+          </a:xfrm>
+          <a:prstGeom prst="rect">
+            <a:avLst/>
+          </a:prstGeom>
+          <a:noFill/>
+          <a:ln w="9525">
+            <a:solidFill>
+              <a:schemeClr val="tx1"/>
+            </a:solidFill>
+            <a:miter lim="800000"/>
+            <a:headEnd/>
+            <a:tailEnd/>
+          </a:ln>
+          <a:effectLst/>
+          <a:extLst>
+            <a:ext uri="{909E8E84-426E-40DD-AFC4-6F175D3DCCD1}">
+              <a14:hiddenFill xmlns:a14="http://schemas.microsoft.com/office/drawing/2010/main">
+                <a:solidFill>
+                  <a:schemeClr val="bg1"/>
+                </a:solidFill>
+              </a14:hiddenFill>
+            </a:ext>
+            <a:ext uri="{AF507438-7753-43E0-B8FC-AC1667EBCBE1}">
+              <a14:hiddenEffects xmlns:a14="http://schemas.microsoft.com/office/drawing/2010/main">
+                <a:effectLst>
+                  <a:outerShdw dist="35921" dir="2700000" algn="ctr" rotWithShape="0">
+                    <a:schemeClr val="bg2"/>
+                  </a:outerShdw>
+                </a:effectLst>
+              </a14:hiddenEffects>
+            </a:ext>
+          </a:extLst>
+        </p:spPr>
+        <p:txBody>
+          <a:bodyPr wrap="none"/>
+          <a:lstStyle/>
+          <a:p>
+            <a:r>
+              <a:rPr lang="en-US" altLang="ja-JP" noProof="1"/>
+              <a:t>Sphere</a:t>
+            </a:r>
+            <a:endParaRPr lang="en-US" altLang="ja-JP"/>
+          </a:p>
+        </p:txBody>
+      </p:sp>
+      <p:sp>
+        <p:nvSpPr>
+          <p:cNvPr id="9295" name="Rectangle 184"/>
+          <p:cNvSpPr>
+            <a:spLocks noChangeArrowheads="1"/>
+          </p:cNvSpPr>
+          <p:nvPr/>
+        </p:nvSpPr>
+        <p:spPr bwMode="auto">
+          <a:xfrm>
+            <a:off x="8382880" y="2826517"/>
+            <a:ext cx="1219200" cy="304800"/>
+          </a:xfrm>
+          <a:prstGeom prst="rect">
+            <a:avLst/>
+          </a:prstGeom>
+          <a:noFill/>
+          <a:ln w="9525">
+            <a:solidFill>
+              <a:schemeClr val="tx1"/>
+            </a:solidFill>
+            <a:miter lim="800000"/>
+            <a:headEnd/>
+            <a:tailEnd/>
+          </a:ln>
+          <a:effectLst/>
+          <a:extLst>
+            <a:ext uri="{909E8E84-426E-40DD-AFC4-6F175D3DCCD1}">
+              <a14:hiddenFill xmlns:a14="http://schemas.microsoft.com/office/drawing/2010/main">
+                <a:solidFill>
+                  <a:schemeClr val="bg1"/>
+                </a:solidFill>
+              </a14:hiddenFill>
+            </a:ext>
+            <a:ext uri="{AF507438-7753-43E0-B8FC-AC1667EBCBE1}">
+              <a14:hiddenEffects xmlns:a14="http://schemas.microsoft.com/office/drawing/2010/main">
+                <a:effectLst>
+                  <a:outerShdw dist="35921" dir="2700000" algn="ctr" rotWithShape="0">
+                    <a:schemeClr val="bg2"/>
+                  </a:outerShdw>
+                </a:effectLst>
+              </a14:hiddenEffects>
+            </a:ext>
+          </a:extLst>
+        </p:spPr>
+        <p:txBody>
+          <a:bodyPr wrap="none"/>
+          <a:lstStyle/>
+          <a:p>
+            <a:r>
+              <a:rPr lang="ja-JP" altLang="en-US"/>
+              <a:t>構造体</a:t>
+            </a:r>
+          </a:p>
+        </p:txBody>
+      </p:sp>
+      <p:sp>
+        <p:nvSpPr>
+          <p:cNvPr id="9296" name="Rectangle 185"/>
+          <p:cNvSpPr>
+            <a:spLocks noChangeArrowheads="1"/>
+          </p:cNvSpPr>
+          <p:nvPr/>
+        </p:nvSpPr>
+        <p:spPr bwMode="auto">
+          <a:xfrm>
+            <a:off x="5105400" y="1371600"/>
+            <a:ext cx="1143000" cy="228600"/>
+          </a:xfrm>
+          <a:prstGeom prst="rect">
+            <a:avLst/>
+          </a:prstGeom>
+          <a:solidFill>
+            <a:srgbClr val="CCFFFF"/>
+          </a:solidFill>
+          <a:ln w="9525">
+            <a:solidFill>
+              <a:schemeClr val="tx1"/>
+            </a:solidFill>
+            <a:miter lim="800000"/>
+            <a:headEnd/>
+            <a:tailEnd/>
+          </a:ln>
+          <a:effectLst/>
+          <a:extLst>
+            <a:ext uri="{AF507438-7753-43E0-B8FC-AC1667EBCBE1}">
+              <a14:hiddenEffects xmlns:a14="http://schemas.microsoft.com/office/drawing/2010/main">
+                <a:effectLst>
+                  <a:outerShdw dist="35921" dir="2700000" algn="ctr" rotWithShape="0">
+                    <a:schemeClr val="bg2"/>
+                  </a:outerShdw>
+                </a:effectLst>
+              </a14:hiddenEffects>
+            </a:ext>
+          </a:extLst>
+        </p:spPr>
+        <p:txBody>
+          <a:bodyPr wrap="none"/>
+          <a:lstStyle/>
+          <a:p>
+            <a:r>
+              <a:rPr lang="ja-JP" dirty="0"/>
+              <a:t>グローバル関数</a:t>
+            </a:r>
+            <a:endParaRPr lang="ja-JP" altLang="en-US" dirty="0"/>
+          </a:p>
+        </p:txBody>
+      </p:sp>
+      <p:sp>
+        <p:nvSpPr>
+          <p:cNvPr id="9297" name="Rectangle 186"/>
+          <p:cNvSpPr>
+            <a:spLocks noChangeArrowheads="1"/>
+          </p:cNvSpPr>
+          <p:nvPr/>
+        </p:nvSpPr>
+        <p:spPr bwMode="auto">
+          <a:xfrm>
+            <a:off x="6324600" y="1371600"/>
+            <a:ext cx="1219200" cy="228600"/>
+          </a:xfrm>
+          <a:prstGeom prst="rect">
+            <a:avLst/>
+          </a:prstGeom>
+          <a:solidFill>
+            <a:srgbClr val="FFFF66"/>
+          </a:solidFill>
+          <a:ln w="9525">
+            <a:solidFill>
+              <a:schemeClr val="tx1"/>
+            </a:solidFill>
+            <a:miter lim="800000"/>
+            <a:headEnd/>
+            <a:tailEnd/>
+          </a:ln>
+          <a:effectLst/>
+          <a:extLst>
+            <a:ext uri="{AF507438-7753-43E0-B8FC-AC1667EBCBE1}">
+              <a14:hiddenEffects xmlns:a14="http://schemas.microsoft.com/office/drawing/2010/main">
+                <a:effectLst>
+                  <a:outerShdw dist="35921" dir="2700000" algn="ctr" rotWithShape="0">
+                    <a:schemeClr val="bg2"/>
+                  </a:outerShdw>
+                </a:effectLst>
+              </a14:hiddenEffects>
+            </a:ext>
+          </a:extLst>
+        </p:spPr>
+        <p:txBody>
+          <a:bodyPr wrap="none"/>
+          <a:lstStyle/>
+          <a:p>
+            <a:r>
+              <a:rPr lang="ja-JP"/>
+              <a:t>テンプレート</a:t>
+            </a:r>
+            <a:endParaRPr lang="ja-JP" altLang="en-US"/>
+          </a:p>
+        </p:txBody>
+      </p:sp>
+      <p:sp>
+        <p:nvSpPr>
+          <p:cNvPr id="9298" name="Rectangle 187"/>
+          <p:cNvSpPr>
+            <a:spLocks noChangeArrowheads="1"/>
+          </p:cNvSpPr>
+          <p:nvPr/>
+        </p:nvSpPr>
+        <p:spPr bwMode="auto">
+          <a:xfrm>
+            <a:off x="7620000" y="1371600"/>
+            <a:ext cx="1905000" cy="381000"/>
+          </a:xfrm>
+          <a:prstGeom prst="rect">
+            <a:avLst/>
+          </a:prstGeom>
+          <a:noFill/>
+          <a:ln w="9525">
+            <a:solidFill>
+              <a:schemeClr val="tx1"/>
+            </a:solidFill>
+            <a:miter lim="800000"/>
+            <a:headEnd/>
+            <a:tailEnd/>
+          </a:ln>
+          <a:effectLst/>
+          <a:extLst>
+            <a:ext uri="{909E8E84-426E-40DD-AFC4-6F175D3DCCD1}">
+              <a14:hiddenFill xmlns:a14="http://schemas.microsoft.com/office/drawing/2010/main">
+                <a:solidFill>
+                  <a:schemeClr val="bg1"/>
+                </a:solidFill>
+              </a14:hiddenFill>
+            </a:ext>
+            <a:ext uri="{AF507438-7753-43E0-B8FC-AC1667EBCBE1}">
+              <a14:hiddenEffects xmlns:a14="http://schemas.microsoft.com/office/drawing/2010/main">
+                <a:effectLst>
+                  <a:outerShdw dist="35921" dir="2700000" algn="ctr" rotWithShape="0">
+                    <a:schemeClr val="bg2"/>
+                  </a:outerShdw>
+                </a:effectLst>
+              </a14:hiddenEffects>
+            </a:ext>
+          </a:extLst>
+        </p:spPr>
+        <p:txBody>
+          <a:bodyPr wrap="none"/>
+          <a:lstStyle/>
+          <a:p>
+            <a:r>
+              <a:rPr lang="ja-JP" dirty="0"/>
+              <a:t>クラスまたは構造体</a:t>
+            </a:r>
+            <a:endParaRPr lang="ja-JP" altLang="en-US" dirty="0"/>
+          </a:p>
+          <a:p>
+            <a:r>
+              <a:rPr lang="ja-JP" dirty="0"/>
+              <a:t>＊構造体の場合は「構造体」と付記</a:t>
+            </a:r>
+            <a:endParaRPr lang="ja-JP" altLang="en-US" dirty="0"/>
+          </a:p>
+        </p:txBody>
+      </p:sp>
+      <p:sp>
+        <p:nvSpPr>
+          <p:cNvPr id="9299" name="Rectangle 188"/>
+          <p:cNvSpPr>
+            <a:spLocks noChangeArrowheads="1"/>
+          </p:cNvSpPr>
+          <p:nvPr/>
+        </p:nvSpPr>
+        <p:spPr bwMode="auto">
+          <a:xfrm>
+            <a:off x="5029200" y="1143000"/>
+            <a:ext cx="4572000" cy="685800"/>
+          </a:xfrm>
+          <a:prstGeom prst="rect">
+            <a:avLst/>
+          </a:prstGeom>
+          <a:noFill/>
+          <a:ln w="9525">
+            <a:solidFill>
+              <a:schemeClr val="tx1"/>
+            </a:solidFill>
+            <a:miter lim="800000"/>
+            <a:headEnd/>
+            <a:tailEnd/>
+          </a:ln>
+          <a:effectLst/>
+          <a:extLst>
+            <a:ext uri="{909E8E84-426E-40DD-AFC4-6F175D3DCCD1}">
+              <a14:hiddenFill xmlns:a14="http://schemas.microsoft.com/office/drawing/2010/main">
+                <a:solidFill>
+                  <a:schemeClr val="bg1"/>
+                </a:solidFill>
+              </a14:hiddenFill>
+            </a:ext>
+            <a:ext uri="{AF507438-7753-43E0-B8FC-AC1667EBCBE1}">
+              <a14:hiddenEffects xmlns:a14="http://schemas.microsoft.com/office/drawing/2010/main">
+                <a:effectLst>
+                  <a:outerShdw dist="35921" dir="2700000" algn="ctr" rotWithShape="0">
+                    <a:schemeClr val="bg2"/>
+                  </a:outerShdw>
+                </a:effectLst>
+              </a14:hiddenEffects>
+            </a:ext>
+          </a:extLst>
+        </p:spPr>
+        <p:txBody>
+          <a:bodyPr wrap="none"/>
+          <a:lstStyle/>
+          <a:p>
+            <a:r>
+              <a:rPr lang="ja-JP" altLang="en-US"/>
+              <a:t>色分けの意味</a:t>
+            </a:r>
+          </a:p>
+        </p:txBody>
+      </p:sp>
+      <p:cxnSp>
+        <p:nvCxnSpPr>
+          <p:cNvPr id="10" name="カギ線コネクタ 9"/>
+          <p:cNvCxnSpPr>
+            <a:stCxn id="9224" idx="1"/>
+            <a:endCxn id="9221" idx="0"/>
+          </p:cNvCxnSpPr>
+          <p:nvPr/>
+        </p:nvCxnSpPr>
+        <p:spPr bwMode="auto">
+          <a:xfrm rot="10800000" flipV="1">
+            <a:off x="1170776" y="2133600"/>
+            <a:ext cx="1343824" cy="228600"/>
+          </a:xfrm>
+          <a:prstGeom prst="bentConnector2">
+            <a:avLst/>
+          </a:prstGeom>
+          <a:solidFill>
+            <a:schemeClr val="accent1"/>
+          </a:solidFill>
+          <a:ln w="9525" cap="flat" cmpd="sng" algn="ctr">
+            <a:solidFill>
+              <a:schemeClr val="tx1"/>
+            </a:solidFill>
+            <a:prstDash val="solid"/>
+            <a:round/>
+            <a:headEnd type="none" w="med" len="med"/>
+            <a:tailEnd type="none"/>
+          </a:ln>
+          <a:effectLst/>
+          <a:extLst>
+            <a:ext uri="{AF507438-7753-43E0-B8FC-AC1667EBCBE1}">
+              <a14:hiddenEffects xmlns:a14="http://schemas.microsoft.com/office/drawing/2010/main">
+                <a:effectLst>
+                  <a:outerShdw dist="35921" dir="2700000" algn="ctr" rotWithShape="0">
+                    <a:schemeClr val="bg2"/>
+                  </a:outerShdw>
+                </a:effectLst>
+              </a14:hiddenEffects>
+            </a:ext>
+          </a:extLst>
+        </p:spPr>
+      </p:cxnSp>
+      <p:sp>
+        <p:nvSpPr>
+          <p:cNvPr id="98" name="Rectangle 11"/>
+          <p:cNvSpPr>
+            <a:spLocks noChangeArrowheads="1"/>
+          </p:cNvSpPr>
+          <p:nvPr/>
+        </p:nvSpPr>
+        <p:spPr bwMode="auto">
+          <a:xfrm>
+            <a:off x="7101272" y="2826517"/>
+            <a:ext cx="1219200" cy="533400"/>
+          </a:xfrm>
+          <a:prstGeom prst="rect">
+            <a:avLst/>
+          </a:prstGeom>
+          <a:noFill/>
+          <a:ln w="9525">
+            <a:solidFill>
+              <a:schemeClr val="tx1"/>
+            </a:solidFill>
+            <a:miter lim="800000"/>
+            <a:headEnd/>
+            <a:tailEnd/>
+          </a:ln>
+          <a:effectLst/>
+          <a:extLst>
+            <a:ext uri="{909E8E84-426E-40DD-AFC4-6F175D3DCCD1}">
+              <a14:hiddenFill xmlns:a14="http://schemas.microsoft.com/office/drawing/2010/main">
+                <a:solidFill>
+                  <a:schemeClr val="bg1"/>
+                </a:solidFill>
+              </a14:hiddenFill>
+            </a:ext>
+            <a:ext uri="{AF507438-7753-43E0-B8FC-AC1667EBCBE1}">
+              <a14:hiddenEffects xmlns:a14="http://schemas.microsoft.com/office/drawing/2010/main">
+                <a:effectLst>
+                  <a:outerShdw dist="35921" dir="2700000" algn="ctr" rotWithShape="0">
+                    <a:schemeClr val="bg2"/>
+                  </a:outerShdw>
+                </a:effectLst>
+              </a14:hiddenEffects>
+            </a:ext>
+          </a:extLst>
+        </p:spPr>
+        <p:txBody>
+          <a:bodyPr wrap="none"/>
+          <a:lstStyle/>
+          <a:p>
+            <a:r>
+              <a:rPr lang="en-US" altLang="ja-JP" dirty="0" err="1" smtClean="0"/>
+              <a:t>TMemoryManager</a:t>
+            </a:r>
+            <a:endParaRPr lang="en-US" altLang="ja-JP" dirty="0"/>
+          </a:p>
+          <a:p>
+            <a:endParaRPr lang="en-US" altLang="ja-JP" dirty="0"/>
+          </a:p>
+        </p:txBody>
+      </p:sp>
+      <p:sp>
+        <p:nvSpPr>
+          <p:cNvPr id="99" name="Rectangle 12"/>
+          <p:cNvSpPr>
+            <a:spLocks noChangeArrowheads="1"/>
+          </p:cNvSpPr>
+          <p:nvPr/>
+        </p:nvSpPr>
+        <p:spPr bwMode="auto">
+          <a:xfrm>
+            <a:off x="7101272" y="3055780"/>
+            <a:ext cx="1219200" cy="304800"/>
+          </a:xfrm>
+          <a:prstGeom prst="rect">
+            <a:avLst/>
+          </a:prstGeom>
+          <a:noFill/>
+          <a:ln w="9525">
+            <a:solidFill>
+              <a:schemeClr val="tx1"/>
+            </a:solidFill>
+            <a:miter lim="800000"/>
+            <a:headEnd/>
+            <a:tailEnd/>
+          </a:ln>
+          <a:effectLst/>
+          <a:extLst>
+            <a:ext uri="{909E8E84-426E-40DD-AFC4-6F175D3DCCD1}">
+              <a14:hiddenFill xmlns:a14="http://schemas.microsoft.com/office/drawing/2010/main">
+                <a:solidFill>
+                  <a:schemeClr val="bg1"/>
+                </a:solidFill>
+              </a14:hiddenFill>
+            </a:ext>
+            <a:ext uri="{AF507438-7753-43E0-B8FC-AC1667EBCBE1}">
+              <a14:hiddenEffects xmlns:a14="http://schemas.microsoft.com/office/drawing/2010/main">
+                <a:effectLst>
+                  <a:outerShdw dist="35921" dir="2700000" algn="ctr" rotWithShape="0">
+                    <a:schemeClr val="bg2"/>
+                  </a:outerShdw>
+                </a:effectLst>
+              </a14:hiddenEffects>
+            </a:ext>
+          </a:extLst>
+        </p:spPr>
+        <p:txBody>
+          <a:bodyPr wrap="none"/>
+          <a:lstStyle/>
+          <a:p>
+            <a:endParaRPr lang="ja-JP" altLang="en-US" dirty="0"/>
+          </a:p>
+        </p:txBody>
+      </p:sp>
+      <p:sp>
+        <p:nvSpPr>
+          <p:cNvPr id="212" name="Rectangle 17"/>
+          <p:cNvSpPr>
+            <a:spLocks noChangeArrowheads="1"/>
+          </p:cNvSpPr>
+          <p:nvPr/>
+        </p:nvSpPr>
+        <p:spPr bwMode="auto">
+          <a:xfrm>
+            <a:off x="2362200" y="2652754"/>
+            <a:ext cx="1752600" cy="762000"/>
+          </a:xfrm>
+          <a:prstGeom prst="rect">
+            <a:avLst/>
+          </a:prstGeom>
+          <a:noFill/>
+          <a:ln w="9525">
+            <a:solidFill>
+              <a:schemeClr val="tx1"/>
+            </a:solidFill>
+            <a:miter lim="800000"/>
+            <a:headEnd/>
+            <a:tailEnd/>
+          </a:ln>
+          <a:effectLst/>
+          <a:extLst>
+            <a:ext uri="{909E8E84-426E-40DD-AFC4-6F175D3DCCD1}">
+              <a14:hiddenFill xmlns:a14="http://schemas.microsoft.com/office/drawing/2010/main">
+                <a:solidFill>
+                  <a:schemeClr val="bg1"/>
+                </a:solidFill>
+              </a14:hiddenFill>
+            </a:ext>
+            <a:ext uri="{AF507438-7753-43E0-B8FC-AC1667EBCBE1}">
+              <a14:hiddenEffects xmlns:a14="http://schemas.microsoft.com/office/drawing/2010/main">
+                <a:effectLst>
+                  <a:outerShdw dist="35921" dir="2700000" algn="ctr" rotWithShape="0">
+                    <a:schemeClr val="bg2"/>
+                  </a:outerShdw>
+                </a:effectLst>
+              </a14:hiddenEffects>
+            </a:ext>
+          </a:extLst>
+        </p:spPr>
+        <p:txBody>
+          <a:bodyPr wrap="none"/>
+          <a:lstStyle/>
+          <a:p>
+            <a:r>
+              <a:rPr lang="en-US" altLang="ja-JP" noProof="1"/>
+              <a:t>Scene</a:t>
+            </a:r>
+            <a:endParaRPr lang="en-US" altLang="ja-JP"/>
+          </a:p>
+        </p:txBody>
+      </p:sp>
+      <p:sp>
+        <p:nvSpPr>
+          <p:cNvPr id="213" name="Rectangle 18"/>
+          <p:cNvSpPr>
+            <a:spLocks noChangeArrowheads="1"/>
+          </p:cNvSpPr>
+          <p:nvPr/>
+        </p:nvSpPr>
+        <p:spPr bwMode="auto">
+          <a:xfrm>
+            <a:off x="2362200" y="2881354"/>
+            <a:ext cx="1752600" cy="533400"/>
+          </a:xfrm>
+          <a:prstGeom prst="rect">
+            <a:avLst/>
+          </a:prstGeom>
+          <a:noFill/>
+          <a:ln w="9525">
+            <a:solidFill>
+              <a:schemeClr val="tx1"/>
+            </a:solidFill>
+            <a:miter lim="800000"/>
+            <a:headEnd/>
+            <a:tailEnd/>
+          </a:ln>
+          <a:effectLst/>
+          <a:extLst>
+            <a:ext uri="{909E8E84-426E-40DD-AFC4-6F175D3DCCD1}">
+              <a14:hiddenFill xmlns:a14="http://schemas.microsoft.com/office/drawing/2010/main">
+                <a:solidFill>
+                  <a:schemeClr val="bg1"/>
+                </a:solidFill>
+              </a14:hiddenFill>
+            </a:ext>
+            <a:ext uri="{AF507438-7753-43E0-B8FC-AC1667EBCBE1}">
+              <a14:hiddenEffects xmlns:a14="http://schemas.microsoft.com/office/drawing/2010/main">
+                <a:effectLst>
+                  <a:outerShdw dist="35921" dir="2700000" algn="ctr" rotWithShape="0">
+                    <a:schemeClr val="bg2"/>
+                  </a:outerShdw>
+                </a:effectLst>
+              </a14:hiddenEffects>
+            </a:ext>
+          </a:extLst>
+        </p:spPr>
+        <p:txBody>
+          <a:bodyPr wrap="none"/>
+          <a:lstStyle/>
+          <a:p>
+            <a:endParaRPr lang="en-US" altLang="ja-JP" dirty="0"/>
+          </a:p>
+          <a:p>
+            <a:r>
+              <a:rPr lang="en-US" altLang="ja-JP" noProof="1"/>
+              <a:t>Stage* m_pRootStage</a:t>
+            </a:r>
+            <a:endParaRPr lang="en-US" altLang="ja-JP" dirty="0"/>
+          </a:p>
+          <a:p>
+            <a:r>
+              <a:rPr lang="en-US" altLang="ja-JP" dirty="0" smtClean="0"/>
+              <a:t>Stage* </a:t>
+            </a:r>
+            <a:r>
+              <a:rPr lang="en-US" altLang="ja-JP" dirty="0" err="1" smtClean="0"/>
+              <a:t>m_pStgBuf</a:t>
+            </a:r>
+            <a:r>
+              <a:rPr lang="en-US" altLang="ja-JP" dirty="0" smtClean="0"/>
+              <a:t> </a:t>
+            </a:r>
+            <a:endParaRPr lang="en-US" altLang="ja-JP" dirty="0"/>
+          </a:p>
+        </p:txBody>
+      </p:sp>
+      <p:sp>
+        <p:nvSpPr>
+          <p:cNvPr id="214" name="Line 46"/>
           <p:cNvSpPr>
             <a:spLocks noChangeShapeType="1"/>
           </p:cNvSpPr>
           <p:nvPr/>
         </p:nvSpPr>
         <p:spPr bwMode="auto">
-          <a:xfrm>
-            <a:off x="4648200" y="3276600"/>
-            <a:ext cx="381000" cy="0"/>
+          <a:xfrm flipV="1">
+            <a:off x="3216897" y="2440719"/>
+            <a:ext cx="0" cy="212035"/>
           </a:xfrm>
           <a:prstGeom prst="line">
             <a:avLst/>
@@ -20831,15 +21399,15 @@
       </p:sp>
       <p:sp>
         <p:nvSpPr>
-          <p:cNvPr id="9262" name="AutoShape 93"/>
+          <p:cNvPr id="215" name="AutoShape 47"/>
           <p:cNvSpPr>
             <a:spLocks noChangeArrowheads="1"/>
           </p:cNvSpPr>
           <p:nvPr/>
         </p:nvSpPr>
         <p:spPr bwMode="auto">
-          <a:xfrm>
-            <a:off x="4953000" y="3200400"/>
+          <a:xfrm rot="5400000">
+            <a:off x="3102598" y="2250219"/>
             <a:ext cx="228600" cy="152400"/>
           </a:xfrm>
           <a:prstGeom prst="diamond">
@@ -20879,7 +21447,7 @@
       </p:sp>
       <p:sp>
         <p:nvSpPr>
-          <p:cNvPr id="9263" name="Rectangle 94"/>
+          <p:cNvPr id="216" name="Rectangle 48"/>
           <p:cNvSpPr>
             <a:spLocks noChangeArrowheads="1"/>
           </p:cNvSpPr>
@@ -20887,7 +21455,7 @@
         </p:nvSpPr>
         <p:spPr bwMode="auto">
           <a:xfrm>
-            <a:off x="4648200" y="3352800"/>
+            <a:off x="3351786" y="2225703"/>
             <a:ext cx="228600" cy="228600"/>
           </a:xfrm>
           <a:prstGeom prst="rect">
@@ -20934,7 +21502,7 @@
           <a:lstStyle/>
           <a:p>
             <a:r>
-              <a:rPr lang="en-US" altLang="ja-JP"/>
+              <a:rPr lang="en-US" altLang="ja-JP" dirty="0"/>
               <a:t>1</a:t>
             </a:r>
           </a:p>
@@ -20942,7 +21510,7 @@
       </p:sp>
       <p:sp>
         <p:nvSpPr>
-          <p:cNvPr id="9264" name="Rectangle 95"/>
+          <p:cNvPr id="217" name="Rectangle 49"/>
           <p:cNvSpPr>
             <a:spLocks noChangeArrowheads="1"/>
           </p:cNvSpPr>
@@ -20950,7 +21518,7 @@
         </p:nvSpPr>
         <p:spPr bwMode="auto">
           <a:xfrm>
-            <a:off x="4953000" y="3352800"/>
+            <a:off x="3351786" y="2424154"/>
             <a:ext cx="228600" cy="228600"/>
           </a:xfrm>
           <a:prstGeom prst="rect">
@@ -20997,74 +21565,23 @@
           <a:lstStyle/>
           <a:p>
             <a:r>
-              <a:rPr lang="en-US" altLang="ja-JP"/>
-              <a:t>*</a:t>
-            </a:r>
-          </a:p>
-        </p:txBody>
-      </p:sp>
-      <p:sp>
-        <p:nvSpPr>
-          <p:cNvPr id="9265" name="Line 96"/>
-          <p:cNvSpPr>
-            <a:spLocks noChangeShapeType="1"/>
+              <a:rPr lang="en-US" altLang="ja-JP" dirty="0"/>
+              <a:t>1</a:t>
+            </a:r>
+          </a:p>
+        </p:txBody>
+      </p:sp>
+      <p:sp>
+        <p:nvSpPr>
+          <p:cNvPr id="218" name="AutoShape 62"/>
+          <p:cNvSpPr>
+            <a:spLocks noChangeArrowheads="1"/>
           </p:cNvSpPr>
           <p:nvPr/>
         </p:nvSpPr>
         <p:spPr bwMode="auto">
           <a:xfrm>
-            <a:off x="7162800" y="2971800"/>
-            <a:ext cx="381000" cy="0"/>
-          </a:xfrm>
-          <a:prstGeom prst="line">
-            <a:avLst/>
-          </a:prstGeom>
-          <a:noFill/>
-          <a:ln w="9525">
-            <a:solidFill>
-              <a:schemeClr val="tx1"/>
-            </a:solidFill>
-            <a:round/>
-            <a:headEnd/>
-            <a:tailEnd/>
-          </a:ln>
-          <a:effectLst/>
-          <a:extLst>
-            <a:ext uri="{909E8E84-426E-40DD-AFC4-6F175D3DCCD1}">
-              <a14:hiddenFill xmlns:a14="http://schemas.microsoft.com/office/drawing/2010/main">
-                <a:noFill/>
-              </a14:hiddenFill>
-            </a:ext>
-            <a:ext uri="{AF507438-7753-43E0-B8FC-AC1667EBCBE1}">
-              <a14:hiddenEffects xmlns:a14="http://schemas.microsoft.com/office/drawing/2010/main">
-                <a:effectLst>
-                  <a:outerShdw dist="35921" dir="2700000" algn="ctr" rotWithShape="0">
-                    <a:schemeClr val="bg2"/>
-                  </a:outerShdw>
-                </a:effectLst>
-              </a14:hiddenEffects>
-            </a:ext>
-          </a:extLst>
-        </p:spPr>
-        <p:txBody>
-          <a:bodyPr/>
-          <a:lstStyle/>
-          <a:p>
-            <a:endParaRPr lang="ja-JP" altLang="en-US"/>
-          </a:p>
-        </p:txBody>
-      </p:sp>
-      <p:sp>
-        <p:nvSpPr>
-          <p:cNvPr id="9266" name="AutoShape 97"/>
-          <p:cNvSpPr>
-            <a:spLocks noChangeArrowheads="1"/>
-          </p:cNvSpPr>
-          <p:nvPr/>
-        </p:nvSpPr>
-        <p:spPr bwMode="auto">
-          <a:xfrm>
-            <a:off x="6934200" y="2895600"/>
+            <a:off x="4109148" y="2747177"/>
             <a:ext cx="228600" cy="152400"/>
           </a:xfrm>
           <a:prstGeom prst="diamond">
@@ -21104,16 +21621,471 @@
       </p:sp>
       <p:sp>
         <p:nvSpPr>
-          <p:cNvPr id="9267" name="Line 98"/>
+          <p:cNvPr id="219" name="Rectangle 63"/>
+          <p:cNvSpPr>
+            <a:spLocks noChangeArrowheads="1"/>
+          </p:cNvSpPr>
+          <p:nvPr/>
+        </p:nvSpPr>
+        <p:spPr bwMode="auto">
+          <a:xfrm>
+            <a:off x="4109148" y="2873735"/>
+            <a:ext cx="228600" cy="228600"/>
+          </a:xfrm>
+          <a:prstGeom prst="rect">
+            <a:avLst/>
+          </a:prstGeom>
+          <a:noFill/>
+          <a:ln>
+            <a:noFill/>
+          </a:ln>
+          <a:effectLst/>
+          <a:extLst>
+            <a:ext uri="{909E8E84-426E-40DD-AFC4-6F175D3DCCD1}">
+              <a14:hiddenFill xmlns:a14="http://schemas.microsoft.com/office/drawing/2010/main">
+                <a:solidFill>
+                  <a:schemeClr val="bg1"/>
+                </a:solidFill>
+              </a14:hiddenFill>
+            </a:ext>
+            <a:ext uri="{91240B29-F687-4F45-9708-019B960494DF}">
+              <a14:hiddenLine xmlns:a14="http://schemas.microsoft.com/office/drawing/2010/main" w="9525">
+                <a:solidFill>
+                  <a:schemeClr val="tx1"/>
+                </a:solidFill>
+                <a:miter lim="800000"/>
+                <a:headEnd/>
+                <a:tailEnd/>
+              </a14:hiddenLine>
+            </a:ext>
+            <a:ext uri="{AF507438-7753-43E0-B8FC-AC1667EBCBE1}">
+              <a14:hiddenEffects xmlns:a14="http://schemas.microsoft.com/office/drawing/2010/main">
+                <a:effectLst>
+                  <a:outerShdw dist="35921" dir="2700000" algn="ctr" rotWithShape="0">
+                    <a:schemeClr val="bg2"/>
+                  </a:outerShdw>
+                </a:effectLst>
+              </a14:hiddenEffects>
+            </a:ext>
+          </a:extLst>
+        </p:spPr>
+        <p:txBody>
+          <a:bodyPr>
+            <a:spAutoFit/>
+          </a:bodyPr>
+          <a:lstStyle/>
+          <a:p>
+            <a:r>
+              <a:rPr lang="en-US" altLang="ja-JP" dirty="0"/>
+              <a:t>1</a:t>
+            </a:r>
+          </a:p>
+        </p:txBody>
+      </p:sp>
+      <p:sp>
+        <p:nvSpPr>
+          <p:cNvPr id="220" name="Rectangle 64"/>
+          <p:cNvSpPr>
+            <a:spLocks noChangeArrowheads="1"/>
+          </p:cNvSpPr>
+          <p:nvPr/>
+        </p:nvSpPr>
+        <p:spPr bwMode="auto">
+          <a:xfrm>
+            <a:off x="4325115" y="2873735"/>
+            <a:ext cx="385185" cy="230832"/>
+          </a:xfrm>
+          <a:prstGeom prst="rect">
+            <a:avLst/>
+          </a:prstGeom>
+          <a:noFill/>
+          <a:ln>
+            <a:noFill/>
+          </a:ln>
+          <a:effectLst/>
+          <a:extLst>
+            <a:ext uri="{909E8E84-426E-40DD-AFC4-6F175D3DCCD1}">
+              <a14:hiddenFill xmlns:a14="http://schemas.microsoft.com/office/drawing/2010/main">
+                <a:solidFill>
+                  <a:schemeClr val="bg1"/>
+                </a:solidFill>
+              </a14:hiddenFill>
+            </a:ext>
+            <a:ext uri="{91240B29-F687-4F45-9708-019B960494DF}">
+              <a14:hiddenLine xmlns:a14="http://schemas.microsoft.com/office/drawing/2010/main" w="9525">
+                <a:solidFill>
+                  <a:schemeClr val="tx1"/>
+                </a:solidFill>
+                <a:miter lim="800000"/>
+                <a:headEnd/>
+                <a:tailEnd/>
+              </a14:hiddenLine>
+            </a:ext>
+            <a:ext uri="{AF507438-7753-43E0-B8FC-AC1667EBCBE1}">
+              <a14:hiddenEffects xmlns:a14="http://schemas.microsoft.com/office/drawing/2010/main">
+                <a:effectLst>
+                  <a:outerShdw dist="35921" dir="2700000" algn="ctr" rotWithShape="0">
+                    <a:schemeClr val="bg2"/>
+                  </a:outerShdw>
+                </a:effectLst>
+              </a14:hiddenEffects>
+            </a:ext>
+          </a:extLst>
+        </p:spPr>
+        <p:txBody>
+          <a:bodyPr wrap="square">
+            <a:spAutoFit/>
+          </a:bodyPr>
+          <a:lstStyle/>
+          <a:p>
+            <a:r>
+              <a:rPr lang="en-US" altLang="ja-JP" dirty="0" smtClean="0"/>
+              <a:t>1..2</a:t>
+            </a:r>
+            <a:endParaRPr lang="en-US" altLang="ja-JP" dirty="0"/>
+          </a:p>
+        </p:txBody>
+      </p:sp>
+      <p:sp>
+        <p:nvSpPr>
+          <p:cNvPr id="221" name="Rectangle 88"/>
+          <p:cNvSpPr>
+            <a:spLocks noChangeArrowheads="1"/>
+          </p:cNvSpPr>
+          <p:nvPr/>
+        </p:nvSpPr>
+        <p:spPr bwMode="auto">
+          <a:xfrm>
+            <a:off x="4633861" y="2538454"/>
+            <a:ext cx="1752600" cy="1364643"/>
+          </a:xfrm>
+          <a:prstGeom prst="rect">
+            <a:avLst/>
+          </a:prstGeom>
+          <a:noFill/>
+          <a:ln w="9525">
+            <a:solidFill>
+              <a:schemeClr val="tx1"/>
+            </a:solidFill>
+            <a:miter lim="800000"/>
+            <a:headEnd/>
+            <a:tailEnd/>
+          </a:ln>
+          <a:effectLst/>
+          <a:extLst>
+            <a:ext uri="{909E8E84-426E-40DD-AFC4-6F175D3DCCD1}">
+              <a14:hiddenFill xmlns:a14="http://schemas.microsoft.com/office/drawing/2010/main">
+                <a:solidFill>
+                  <a:schemeClr val="bg1"/>
+                </a:solidFill>
+              </a14:hiddenFill>
+            </a:ext>
+            <a:ext uri="{AF507438-7753-43E0-B8FC-AC1667EBCBE1}">
+              <a14:hiddenEffects xmlns:a14="http://schemas.microsoft.com/office/drawing/2010/main">
+                <a:effectLst>
+                  <a:outerShdw dist="35921" dir="2700000" algn="ctr" rotWithShape="0">
+                    <a:schemeClr val="bg2"/>
+                  </a:outerShdw>
+                </a:effectLst>
+              </a14:hiddenEffects>
+            </a:ext>
+          </a:extLst>
+        </p:spPr>
+        <p:txBody>
+          <a:bodyPr wrap="none"/>
+          <a:lstStyle/>
+          <a:p>
+            <a:r>
+              <a:rPr lang="en-US" altLang="ja-JP" noProof="1"/>
+              <a:t>Stage</a:t>
+            </a:r>
+            <a:endParaRPr lang="en-US" altLang="ja-JP"/>
+          </a:p>
+        </p:txBody>
+      </p:sp>
+      <p:sp>
+        <p:nvSpPr>
+          <p:cNvPr id="222" name="Rectangle 89"/>
+          <p:cNvSpPr>
+            <a:spLocks noChangeArrowheads="1"/>
+          </p:cNvSpPr>
+          <p:nvPr/>
+        </p:nvSpPr>
+        <p:spPr bwMode="auto">
+          <a:xfrm>
+            <a:off x="4633861" y="2767055"/>
+            <a:ext cx="1752600" cy="1134386"/>
+          </a:xfrm>
+          <a:prstGeom prst="rect">
+            <a:avLst/>
+          </a:prstGeom>
+          <a:noFill/>
+          <a:ln w="9525">
+            <a:solidFill>
+              <a:schemeClr val="tx1"/>
+            </a:solidFill>
+            <a:miter lim="800000"/>
+            <a:headEnd/>
+            <a:tailEnd/>
+          </a:ln>
+          <a:effectLst/>
+          <a:extLst>
+            <a:ext uri="{909E8E84-426E-40DD-AFC4-6F175D3DCCD1}">
+              <a14:hiddenFill xmlns:a14="http://schemas.microsoft.com/office/drawing/2010/main">
+                <a:solidFill>
+                  <a:schemeClr val="bg1"/>
+                </a:solidFill>
+              </a14:hiddenFill>
+            </a:ext>
+            <a:ext uri="{AF507438-7753-43E0-B8FC-AC1667EBCBE1}">
+              <a14:hiddenEffects xmlns:a14="http://schemas.microsoft.com/office/drawing/2010/main">
+                <a:effectLst>
+                  <a:outerShdw dist="35921" dir="2700000" algn="ctr" rotWithShape="0">
+                    <a:schemeClr val="bg2"/>
+                  </a:outerShdw>
+                </a:effectLst>
+              </a14:hiddenEffects>
+            </a:ext>
+          </a:extLst>
+        </p:spPr>
+        <p:txBody>
+          <a:bodyPr wrap="none"/>
+          <a:lstStyle/>
+          <a:p>
+            <a:r>
+              <a:rPr lang="en-US" altLang="ja-JP" dirty="0"/>
+              <a:t>Stage* </a:t>
+            </a:r>
+            <a:r>
+              <a:rPr lang="en-US" altLang="ja-JP" dirty="0" err="1"/>
+              <a:t>m_pParStage</a:t>
+            </a:r>
+            <a:r>
+              <a:rPr lang="en-US" altLang="ja-JP" dirty="0"/>
+              <a:t> </a:t>
+            </a:r>
+            <a:endParaRPr lang="en-US" altLang="ja-JP" dirty="0" smtClean="0"/>
+          </a:p>
+          <a:p>
+            <a:r>
+              <a:rPr lang="en-US" altLang="ja-JP" noProof="1" smtClean="0"/>
+              <a:t>Stage</a:t>
+            </a:r>
+            <a:r>
+              <a:rPr lang="en-US" altLang="ja-JP" noProof="1"/>
+              <a:t>* m_pChildStage</a:t>
+            </a:r>
+            <a:endParaRPr lang="en-US" altLang="ja-JP" dirty="0"/>
+          </a:p>
+          <a:p>
+            <a:endParaRPr lang="en-US" altLang="ja-JP" dirty="0" smtClean="0"/>
+          </a:p>
+          <a:p>
+            <a:r>
+              <a:rPr lang="en-US" altLang="ja-JP" noProof="1" smtClean="0"/>
+              <a:t>TextureManager </a:t>
+            </a:r>
+            <a:r>
+              <a:rPr lang="en-US" altLang="ja-JP" dirty="0" err="1" smtClean="0"/>
+              <a:t>m_TexMgr</a:t>
+            </a:r>
+            <a:endParaRPr lang="en-US" altLang="ja-JP" dirty="0" smtClean="0"/>
+          </a:p>
+          <a:p>
+            <a:endParaRPr lang="en-US" altLang="ja-JP" dirty="0"/>
+          </a:p>
+          <a:p>
+            <a:r>
+              <a:rPr lang="en-US" altLang="ja-JP" noProof="1"/>
+              <a:t>vector&lt;Object*&gt;</a:t>
+            </a:r>
+            <a:r>
+              <a:rPr lang="en-US" altLang="ja-JP" dirty="0"/>
+              <a:t> </a:t>
+            </a:r>
+            <a:r>
+              <a:rPr lang="en-US" altLang="ja-JP" noProof="1"/>
+              <a:t>m_Vec</a:t>
+            </a:r>
+            <a:endParaRPr lang="en-US" altLang="ja-JP" dirty="0"/>
+          </a:p>
+          <a:p>
+            <a:endParaRPr lang="en-US" altLang="ja-JP" dirty="0"/>
+          </a:p>
+        </p:txBody>
+      </p:sp>
+      <p:sp>
+        <p:nvSpPr>
+          <p:cNvPr id="223" name="Line 162"/>
           <p:cNvSpPr>
             <a:spLocks noChangeShapeType="1"/>
           </p:cNvSpPr>
           <p:nvPr/>
         </p:nvSpPr>
         <p:spPr bwMode="auto">
+          <a:xfrm flipH="1">
+            <a:off x="6211771" y="3885869"/>
+            <a:ext cx="0" cy="229263"/>
+          </a:xfrm>
+          <a:prstGeom prst="line">
+            <a:avLst/>
+          </a:prstGeom>
+          <a:noFill/>
+          <a:ln w="9525">
+            <a:solidFill>
+              <a:schemeClr val="tx1"/>
+            </a:solidFill>
+            <a:round/>
+            <a:headEnd/>
+            <a:tailEnd type="triangle" w="med" len="med"/>
+          </a:ln>
+          <a:effectLst/>
+          <a:extLst>
+            <a:ext uri="{909E8E84-426E-40DD-AFC4-6F175D3DCCD1}">
+              <a14:hiddenFill xmlns:a14="http://schemas.microsoft.com/office/drawing/2010/main">
+                <a:noFill/>
+              </a14:hiddenFill>
+            </a:ext>
+            <a:ext uri="{AF507438-7753-43E0-B8FC-AC1667EBCBE1}">
+              <a14:hiddenEffects xmlns:a14="http://schemas.microsoft.com/office/drawing/2010/main">
+                <a:effectLst>
+                  <a:outerShdw dist="35921" dir="2700000" algn="ctr" rotWithShape="0">
+                    <a:schemeClr val="bg2"/>
+                  </a:outerShdw>
+                </a:effectLst>
+              </a14:hiddenEffects>
+            </a:ext>
+          </a:extLst>
+        </p:spPr>
+        <p:txBody>
+          <a:bodyPr/>
+          <a:lstStyle/>
+          <a:p>
+            <a:endParaRPr lang="ja-JP" altLang="en-US"/>
+          </a:p>
+        </p:txBody>
+      </p:sp>
+      <p:sp>
+        <p:nvSpPr>
+          <p:cNvPr id="224" name="Rectangle 163"/>
+          <p:cNvSpPr>
+            <a:spLocks noChangeArrowheads="1"/>
+          </p:cNvSpPr>
+          <p:nvPr/>
+        </p:nvSpPr>
+        <p:spPr bwMode="auto">
+          <a:xfrm>
+            <a:off x="5654610" y="4112900"/>
+            <a:ext cx="1371600" cy="230832"/>
+          </a:xfrm>
+          <a:prstGeom prst="rect">
+            <a:avLst/>
+          </a:prstGeom>
+          <a:noFill/>
+          <a:ln>
+            <a:noFill/>
+          </a:ln>
+          <a:effectLst/>
+          <a:extLst>
+            <a:ext uri="{909E8E84-426E-40DD-AFC4-6F175D3DCCD1}">
+              <a14:hiddenFill xmlns:a14="http://schemas.microsoft.com/office/drawing/2010/main">
+                <a:solidFill>
+                  <a:schemeClr val="bg1"/>
+                </a:solidFill>
+              </a14:hiddenFill>
+            </a:ext>
+            <a:ext uri="{91240B29-F687-4F45-9708-019B960494DF}">
+              <a14:hiddenLine xmlns:a14="http://schemas.microsoft.com/office/drawing/2010/main" w="9525">
+                <a:solidFill>
+                  <a:schemeClr val="tx1"/>
+                </a:solidFill>
+                <a:miter lim="800000"/>
+                <a:headEnd/>
+                <a:tailEnd/>
+              </a14:hiddenLine>
+            </a:ext>
+            <a:ext uri="{AF507438-7753-43E0-B8FC-AC1667EBCBE1}">
+              <a14:hiddenEffects xmlns:a14="http://schemas.microsoft.com/office/drawing/2010/main">
+                <a:effectLst>
+                  <a:outerShdw dist="35921" dir="2700000" algn="ctr" rotWithShape="0">
+                    <a:schemeClr val="bg2"/>
+                  </a:outerShdw>
+                </a:effectLst>
+              </a14:hiddenEffects>
+            </a:ext>
+          </a:extLst>
+        </p:spPr>
+        <p:txBody>
+          <a:bodyPr wrap="square">
+            <a:spAutoFit/>
+          </a:bodyPr>
+          <a:lstStyle/>
+          <a:p>
+            <a:r>
+              <a:rPr lang="en-US" altLang="ja-JP" dirty="0"/>
+              <a:t>Stage</a:t>
+            </a:r>
+            <a:r>
+              <a:rPr lang="ja-JP" altLang="en-US" dirty="0"/>
+              <a:t>階層（３）ページへ</a:t>
+            </a:r>
+          </a:p>
+        </p:txBody>
+      </p:sp>
+      <p:cxnSp>
+        <p:nvCxnSpPr>
+          <p:cNvPr id="225" name="直線コネクタ 224"/>
+          <p:cNvCxnSpPr>
+            <a:stCxn id="218" idx="3"/>
+          </p:cNvCxnSpPr>
+          <p:nvPr/>
+        </p:nvCxnSpPr>
+        <p:spPr bwMode="auto">
+          <a:xfrm>
+            <a:off x="4337748" y="2823377"/>
+            <a:ext cx="294800" cy="2982"/>
+          </a:xfrm>
+          <a:prstGeom prst="line">
+            <a:avLst/>
+          </a:prstGeom>
+          <a:solidFill>
+            <a:schemeClr val="accent1"/>
+          </a:solidFill>
+          <a:ln w="9525" cap="flat" cmpd="sng" algn="ctr">
+            <a:solidFill>
+              <a:schemeClr val="tx1"/>
+            </a:solidFill>
+            <a:prstDash val="solid"/>
+            <a:round/>
+            <a:headEnd type="none" w="med" len="med"/>
+            <a:tailEnd type="none"/>
+          </a:ln>
+          <a:effectLst/>
+          <a:extLst>
+            <a:ext uri="{AF507438-7753-43E0-B8FC-AC1667EBCBE1}">
+              <a14:hiddenEffects xmlns:a14="http://schemas.microsoft.com/office/drawing/2010/main">
+                <a:effectLst>
+                  <a:outerShdw dist="35921" dir="2700000" algn="ctr" rotWithShape="0">
+                    <a:schemeClr val="bg2"/>
+                  </a:outerShdw>
+                </a:effectLst>
+              </a14:hiddenEffects>
+            </a:ext>
+          </a:extLst>
+        </p:spPr>
+      </p:cxnSp>
+      <p:sp>
+        <p:nvSpPr>
+          <p:cNvPr id="226" name="Line 92"/>
+          <p:cNvSpPr>
+            <a:spLocks noChangeShapeType="1"/>
+          </p:cNvSpPr>
+          <p:nvPr/>
+        </p:nvSpPr>
+        <p:spPr bwMode="auto">
           <a:xfrm flipV="1">
-            <a:off x="7543800" y="2667000"/>
-            <a:ext cx="0" cy="304800"/>
+            <a:off x="4108608" y="3872123"/>
+            <a:ext cx="294800" cy="0"/>
           </a:xfrm>
           <a:prstGeom prst="line">
             <a:avLst/>
@@ -21155,243 +22127,15 @@
       </p:sp>
       <p:sp>
         <p:nvSpPr>
-          <p:cNvPr id="9268" name="Line 99"/>
-          <p:cNvSpPr>
-            <a:spLocks noChangeShapeType="1"/>
+          <p:cNvPr id="227" name="AutoShape 93"/>
+          <p:cNvSpPr>
+            <a:spLocks noChangeArrowheads="1"/>
           </p:cNvSpPr>
           <p:nvPr/>
         </p:nvSpPr>
         <p:spPr bwMode="auto">
           <a:xfrm>
-            <a:off x="6934200" y="2667000"/>
-            <a:ext cx="609600" cy="0"/>
-          </a:xfrm>
-          <a:prstGeom prst="line">
-            <a:avLst/>
-          </a:prstGeom>
-          <a:noFill/>
-          <a:ln w="9525">
-            <a:solidFill>
-              <a:schemeClr val="tx1"/>
-            </a:solidFill>
-            <a:round/>
-            <a:headEnd/>
-            <a:tailEnd/>
-          </a:ln>
-          <a:effectLst/>
-          <a:extLst>
-            <a:ext uri="{909E8E84-426E-40DD-AFC4-6F175D3DCCD1}">
-              <a14:hiddenFill xmlns:a14="http://schemas.microsoft.com/office/drawing/2010/main">
-                <a:noFill/>
-              </a14:hiddenFill>
-            </a:ext>
-            <a:ext uri="{AF507438-7753-43E0-B8FC-AC1667EBCBE1}">
-              <a14:hiddenEffects xmlns:a14="http://schemas.microsoft.com/office/drawing/2010/main">
-                <a:effectLst>
-                  <a:outerShdw dist="35921" dir="2700000" algn="ctr" rotWithShape="0">
-                    <a:schemeClr val="bg2"/>
-                  </a:outerShdw>
-                </a:effectLst>
-              </a14:hiddenEffects>
-            </a:ext>
-          </a:extLst>
-        </p:spPr>
-        <p:txBody>
-          <a:bodyPr/>
-          <a:lstStyle/>
-          <a:p>
-            <a:endParaRPr lang="ja-JP" altLang="en-US"/>
-          </a:p>
-        </p:txBody>
-      </p:sp>
-      <p:sp>
-        <p:nvSpPr>
-          <p:cNvPr id="9269" name="Rectangle 100"/>
-          <p:cNvSpPr>
-            <a:spLocks noChangeArrowheads="1"/>
-          </p:cNvSpPr>
-          <p:nvPr/>
-        </p:nvSpPr>
-        <p:spPr bwMode="auto">
-          <a:xfrm>
-            <a:off x="6934200" y="3048000"/>
-            <a:ext cx="228600" cy="228600"/>
-          </a:xfrm>
-          <a:prstGeom prst="rect">
-            <a:avLst/>
-          </a:prstGeom>
-          <a:noFill/>
-          <a:ln>
-            <a:noFill/>
-          </a:ln>
-          <a:effectLst/>
-          <a:extLst>
-            <a:ext uri="{909E8E84-426E-40DD-AFC4-6F175D3DCCD1}">
-              <a14:hiddenFill xmlns:a14="http://schemas.microsoft.com/office/drawing/2010/main">
-                <a:solidFill>
-                  <a:schemeClr val="bg1"/>
-                </a:solidFill>
-              </a14:hiddenFill>
-            </a:ext>
-            <a:ext uri="{91240B29-F687-4F45-9708-019B960494DF}">
-              <a14:hiddenLine xmlns:a14="http://schemas.microsoft.com/office/drawing/2010/main" w="9525">
-                <a:solidFill>
-                  <a:schemeClr val="tx1"/>
-                </a:solidFill>
-                <a:miter lim="800000"/>
-                <a:headEnd/>
-                <a:tailEnd/>
-              </a14:hiddenLine>
-            </a:ext>
-            <a:ext uri="{AF507438-7753-43E0-B8FC-AC1667EBCBE1}">
-              <a14:hiddenEffects xmlns:a14="http://schemas.microsoft.com/office/drawing/2010/main">
-                <a:effectLst>
-                  <a:outerShdw dist="35921" dir="2700000" algn="ctr" rotWithShape="0">
-                    <a:schemeClr val="bg2"/>
-                  </a:outerShdw>
-                </a:effectLst>
-              </a14:hiddenEffects>
-            </a:ext>
-          </a:extLst>
-        </p:spPr>
-        <p:txBody>
-          <a:bodyPr>
-            <a:spAutoFit/>
-          </a:bodyPr>
-          <a:lstStyle/>
-          <a:p>
-            <a:r>
-              <a:rPr lang="en-US" altLang="ja-JP"/>
-              <a:t>1</a:t>
-            </a:r>
-          </a:p>
-        </p:txBody>
-      </p:sp>
-      <p:sp>
-        <p:nvSpPr>
-          <p:cNvPr id="9270" name="Rectangle 101"/>
-          <p:cNvSpPr>
-            <a:spLocks noChangeArrowheads="1"/>
-          </p:cNvSpPr>
-          <p:nvPr/>
-        </p:nvSpPr>
-        <p:spPr bwMode="auto">
-          <a:xfrm>
-            <a:off x="6934200" y="2667000"/>
-            <a:ext cx="228600" cy="228600"/>
-          </a:xfrm>
-          <a:prstGeom prst="rect">
-            <a:avLst/>
-          </a:prstGeom>
-          <a:noFill/>
-          <a:ln>
-            <a:noFill/>
-          </a:ln>
-          <a:effectLst/>
-          <a:extLst>
-            <a:ext uri="{909E8E84-426E-40DD-AFC4-6F175D3DCCD1}">
-              <a14:hiddenFill xmlns:a14="http://schemas.microsoft.com/office/drawing/2010/main">
-                <a:solidFill>
-                  <a:schemeClr val="bg1"/>
-                </a:solidFill>
-              </a14:hiddenFill>
-            </a:ext>
-            <a:ext uri="{91240B29-F687-4F45-9708-019B960494DF}">
-              <a14:hiddenLine xmlns:a14="http://schemas.microsoft.com/office/drawing/2010/main" w="9525">
-                <a:solidFill>
-                  <a:schemeClr val="tx1"/>
-                </a:solidFill>
-                <a:miter lim="800000"/>
-                <a:headEnd/>
-                <a:tailEnd/>
-              </a14:hiddenLine>
-            </a:ext>
-            <a:ext uri="{AF507438-7753-43E0-B8FC-AC1667EBCBE1}">
-              <a14:hiddenEffects xmlns:a14="http://schemas.microsoft.com/office/drawing/2010/main">
-                <a:effectLst>
-                  <a:outerShdw dist="35921" dir="2700000" algn="ctr" rotWithShape="0">
-                    <a:schemeClr val="bg2"/>
-                  </a:outerShdw>
-                </a:effectLst>
-              </a14:hiddenEffects>
-            </a:ext>
-          </a:extLst>
-        </p:spPr>
-        <p:txBody>
-          <a:bodyPr>
-            <a:spAutoFit/>
-          </a:bodyPr>
-          <a:lstStyle/>
-          <a:p>
-            <a:r>
-              <a:rPr lang="en-US" altLang="ja-JP"/>
-              <a:t>1</a:t>
-            </a:r>
-          </a:p>
-        </p:txBody>
-      </p:sp>
-      <p:sp>
-        <p:nvSpPr>
-          <p:cNvPr id="9271" name="Line 102"/>
-          <p:cNvSpPr>
-            <a:spLocks noChangeShapeType="1"/>
-          </p:cNvSpPr>
-          <p:nvPr/>
-        </p:nvSpPr>
-        <p:spPr bwMode="auto">
-          <a:xfrm>
-            <a:off x="7162800" y="3505200"/>
-            <a:ext cx="533400" cy="0"/>
-          </a:xfrm>
-          <a:prstGeom prst="line">
-            <a:avLst/>
-          </a:prstGeom>
-          <a:noFill/>
-          <a:ln w="9525">
-            <a:solidFill>
-              <a:schemeClr val="tx1"/>
-            </a:solidFill>
-            <a:round/>
-            <a:headEnd/>
-            <a:tailEnd/>
-          </a:ln>
-          <a:effectLst/>
-          <a:extLst>
-            <a:ext uri="{909E8E84-426E-40DD-AFC4-6F175D3DCCD1}">
-              <a14:hiddenFill xmlns:a14="http://schemas.microsoft.com/office/drawing/2010/main">
-                <a:noFill/>
-              </a14:hiddenFill>
-            </a:ext>
-            <a:ext uri="{AF507438-7753-43E0-B8FC-AC1667EBCBE1}">
-              <a14:hiddenEffects xmlns:a14="http://schemas.microsoft.com/office/drawing/2010/main">
-                <a:effectLst>
-                  <a:outerShdw dist="35921" dir="2700000" algn="ctr" rotWithShape="0">
-                    <a:schemeClr val="bg2"/>
-                  </a:outerShdw>
-                </a:effectLst>
-              </a14:hiddenEffects>
-            </a:ext>
-          </a:extLst>
-        </p:spPr>
-        <p:txBody>
-          <a:bodyPr/>
-          <a:lstStyle/>
-          <a:p>
-            <a:endParaRPr lang="ja-JP" altLang="en-US"/>
-          </a:p>
-        </p:txBody>
-      </p:sp>
-      <p:sp>
-        <p:nvSpPr>
-          <p:cNvPr id="9272" name="AutoShape 103"/>
-          <p:cNvSpPr>
-            <a:spLocks noChangeArrowheads="1"/>
-          </p:cNvSpPr>
-          <p:nvPr/>
-        </p:nvSpPr>
-        <p:spPr bwMode="auto">
-          <a:xfrm>
-            <a:off x="6934200" y="3429000"/>
+            <a:off x="4403408" y="3795923"/>
             <a:ext cx="228600" cy="152400"/>
           </a:xfrm>
           <a:prstGeom prst="diamond">
@@ -21431,7 +22175,7 @@
       </p:sp>
       <p:sp>
         <p:nvSpPr>
-          <p:cNvPr id="9273" name="Rectangle 104"/>
+          <p:cNvPr id="228" name="AutoShape 62"/>
           <p:cNvSpPr>
             <a:spLocks noChangeArrowheads="1"/>
           </p:cNvSpPr>
@@ -21439,35 +22183,25 @@
         </p:nvSpPr>
         <p:spPr bwMode="auto">
           <a:xfrm>
-            <a:off x="6934200" y="3581400"/>
-            <a:ext cx="228600" cy="228600"/>
-          </a:xfrm>
-          <a:prstGeom prst="rect">
-            <a:avLst/>
-          </a:prstGeom>
-          <a:noFill/>
-          <a:ln>
-            <a:noFill/>
+            <a:off x="6386461" y="2873735"/>
+            <a:ext cx="228600" cy="152400"/>
+          </a:xfrm>
+          <a:prstGeom prst="diamond">
+            <a:avLst/>
+          </a:prstGeom>
+          <a:solidFill>
+            <a:schemeClr val="bg1"/>
+          </a:solidFill>
+          <a:ln w="9525">
+            <a:solidFill>
+              <a:schemeClr val="tx1"/>
+            </a:solidFill>
+            <a:miter lim="800000"/>
+            <a:headEnd/>
+            <a:tailEnd/>
           </a:ln>
           <a:effectLst/>
           <a:extLst>
-            <a:ext uri="{909E8E84-426E-40DD-AFC4-6F175D3DCCD1}">
-              <a14:hiddenFill xmlns:a14="http://schemas.microsoft.com/office/drawing/2010/main">
-                <a:solidFill>
-                  <a:schemeClr val="bg1"/>
-                </a:solidFill>
-              </a14:hiddenFill>
-            </a:ext>
-            <a:ext uri="{91240B29-F687-4F45-9708-019B960494DF}">
-              <a14:hiddenLine xmlns:a14="http://schemas.microsoft.com/office/drawing/2010/main" w="9525">
-                <a:solidFill>
-                  <a:schemeClr val="tx1"/>
-                </a:solidFill>
-                <a:miter lim="800000"/>
-                <a:headEnd/>
-                <a:tailEnd/>
-              </a14:hiddenLine>
-            </a:ext>
             <a:ext uri="{AF507438-7753-43E0-B8FC-AC1667EBCBE1}">
               <a14:hiddenEffects xmlns:a14="http://schemas.microsoft.com/office/drawing/2010/main">
                 <a:effectLst>
@@ -21480,57 +22214,46 @@
           </a:extLst>
         </p:spPr>
         <p:txBody>
-          <a:bodyPr>
-            <a:spAutoFit/>
-          </a:bodyPr>
+          <a:bodyPr wrap="none" anchor="ctr"/>
           <a:lstStyle/>
           <a:p>
-            <a:r>
-              <a:rPr lang="en-US" altLang="ja-JP"/>
-              <a:t>1</a:t>
-            </a:r>
-          </a:p>
-        </p:txBody>
-      </p:sp>
-      <p:sp>
-        <p:nvSpPr>
-          <p:cNvPr id="9274" name="Rectangle 105"/>
-          <p:cNvSpPr>
-            <a:spLocks noChangeArrowheads="1"/>
-          </p:cNvSpPr>
-          <p:nvPr/>
-        </p:nvSpPr>
-        <p:spPr bwMode="auto">
-          <a:xfrm>
-            <a:off x="7467600" y="3581400"/>
-            <a:ext cx="228600" cy="228600"/>
-          </a:xfrm>
-          <a:prstGeom prst="rect">
-            <a:avLst/>
-          </a:prstGeom>
-          <a:noFill/>
-          <a:ln>
-            <a:noFill/>
+            <a:endParaRPr lang="ja-JP" altLang="en-US"/>
+          </a:p>
+        </p:txBody>
+      </p:sp>
+      <p:cxnSp>
+        <p:nvCxnSpPr>
+          <p:cNvPr id="229" name="カギ線コネクタ 228"/>
+          <p:cNvCxnSpPr>
+            <a:stCxn id="228" idx="3"/>
+            <a:endCxn id="221" idx="3"/>
+          </p:cNvCxnSpPr>
+          <p:nvPr/>
+        </p:nvCxnSpPr>
+        <p:spPr bwMode="auto">
+          <a:xfrm flipH="1">
+            <a:off x="6386461" y="2949935"/>
+            <a:ext cx="228600" cy="270841"/>
+          </a:xfrm>
+          <a:prstGeom prst="bentConnector3">
+            <a:avLst>
+              <a:gd name="adj1" fmla="val -100000"/>
+            </a:avLst>
+          </a:prstGeom>
+          <a:solidFill>
+            <a:schemeClr val="accent1"/>
+          </a:solidFill>
+          <a:ln w="9525" cap="flat" cmpd="sng" algn="ctr">
+            <a:solidFill>
+              <a:schemeClr val="tx1"/>
+            </a:solidFill>
+            <a:prstDash val="solid"/>
+            <a:round/>
+            <a:headEnd type="none" w="med" len="med"/>
+            <a:tailEnd type="none"/>
           </a:ln>
           <a:effectLst/>
           <a:extLst>
-            <a:ext uri="{909E8E84-426E-40DD-AFC4-6F175D3DCCD1}">
-              <a14:hiddenFill xmlns:a14="http://schemas.microsoft.com/office/drawing/2010/main">
-                <a:solidFill>
-                  <a:schemeClr val="bg1"/>
-                </a:solidFill>
-              </a14:hiddenFill>
-            </a:ext>
-            <a:ext uri="{91240B29-F687-4F45-9708-019B960494DF}">
-              <a14:hiddenLine xmlns:a14="http://schemas.microsoft.com/office/drawing/2010/main" w="9525">
-                <a:solidFill>
-                  <a:schemeClr val="tx1"/>
-                </a:solidFill>
-                <a:miter lim="800000"/>
-                <a:headEnd/>
-                <a:tailEnd/>
-              </a14:hiddenLine>
-            </a:ext>
             <a:ext uri="{AF507438-7753-43E0-B8FC-AC1667EBCBE1}">
               <a14:hiddenEffects xmlns:a14="http://schemas.microsoft.com/office/drawing/2010/main">
                 <a:effectLst>
@@ -21542,6 +22265,57 @@
             </a:ext>
           </a:extLst>
         </p:spPr>
+      </p:cxnSp>
+      <p:sp>
+        <p:nvSpPr>
+          <p:cNvPr id="230" name="Rectangle 63"/>
+          <p:cNvSpPr>
+            <a:spLocks noChangeArrowheads="1"/>
+          </p:cNvSpPr>
+          <p:nvPr/>
+        </p:nvSpPr>
+        <p:spPr bwMode="auto">
+          <a:xfrm>
+            <a:off x="6419530" y="2632877"/>
+            <a:ext cx="228600" cy="228600"/>
+          </a:xfrm>
+          <a:prstGeom prst="rect">
+            <a:avLst/>
+          </a:prstGeom>
+          <a:noFill/>
+          <a:ln>
+            <a:noFill/>
+          </a:ln>
+          <a:effectLst/>
+          <a:extLst>
+            <a:ext uri="{909E8E84-426E-40DD-AFC4-6F175D3DCCD1}">
+              <a14:hiddenFill xmlns:a14="http://schemas.microsoft.com/office/drawing/2010/main">
+                <a:solidFill>
+                  <a:schemeClr val="bg1"/>
+                </a:solidFill>
+              </a14:hiddenFill>
+            </a:ext>
+            <a:ext uri="{91240B29-F687-4F45-9708-019B960494DF}">
+              <a14:hiddenLine xmlns:a14="http://schemas.microsoft.com/office/drawing/2010/main" w="9525">
+                <a:solidFill>
+                  <a:schemeClr val="tx1"/>
+                </a:solidFill>
+                <a:miter lim="800000"/>
+                <a:headEnd/>
+                <a:tailEnd/>
+              </a14:hiddenLine>
+            </a:ext>
+            <a:ext uri="{AF507438-7753-43E0-B8FC-AC1667EBCBE1}">
+              <a14:hiddenEffects xmlns:a14="http://schemas.microsoft.com/office/drawing/2010/main">
+                <a:effectLst>
+                  <a:outerShdw dist="35921" dir="2700000" algn="ctr" rotWithShape="0">
+                    <a:schemeClr val="bg2"/>
+                  </a:outerShdw>
+                </a:effectLst>
+              </a14:hiddenEffects>
+            </a:ext>
+          </a:extLst>
+        </p:spPr>
         <p:txBody>
           <a:bodyPr>
             <a:spAutoFit/>
@@ -21549,6 +22323,408 @@
           <a:lstStyle/>
           <a:p>
             <a:r>
+              <a:rPr lang="en-US" altLang="ja-JP" dirty="0"/>
+              <a:t>1</a:t>
+            </a:r>
+          </a:p>
+        </p:txBody>
+      </p:sp>
+      <p:sp>
+        <p:nvSpPr>
+          <p:cNvPr id="231" name="Rectangle 63"/>
+          <p:cNvSpPr>
+            <a:spLocks noChangeArrowheads="1"/>
+          </p:cNvSpPr>
+          <p:nvPr/>
+        </p:nvSpPr>
+        <p:spPr bwMode="auto">
+          <a:xfrm>
+            <a:off x="6428113" y="3265997"/>
+            <a:ext cx="228600" cy="228600"/>
+          </a:xfrm>
+          <a:prstGeom prst="rect">
+            <a:avLst/>
+          </a:prstGeom>
+          <a:noFill/>
+          <a:ln>
+            <a:noFill/>
+          </a:ln>
+          <a:effectLst/>
+          <a:extLst>
+            <a:ext uri="{909E8E84-426E-40DD-AFC4-6F175D3DCCD1}">
+              <a14:hiddenFill xmlns:a14="http://schemas.microsoft.com/office/drawing/2010/main">
+                <a:solidFill>
+                  <a:schemeClr val="bg1"/>
+                </a:solidFill>
+              </a14:hiddenFill>
+            </a:ext>
+            <a:ext uri="{91240B29-F687-4F45-9708-019B960494DF}">
+              <a14:hiddenLine xmlns:a14="http://schemas.microsoft.com/office/drawing/2010/main" w="9525">
+                <a:solidFill>
+                  <a:schemeClr val="tx1"/>
+                </a:solidFill>
+                <a:miter lim="800000"/>
+                <a:headEnd/>
+                <a:tailEnd/>
+              </a14:hiddenLine>
+            </a:ext>
+            <a:ext uri="{AF507438-7753-43E0-B8FC-AC1667EBCBE1}">
+              <a14:hiddenEffects xmlns:a14="http://schemas.microsoft.com/office/drawing/2010/main">
+                <a:effectLst>
+                  <a:outerShdw dist="35921" dir="2700000" algn="ctr" rotWithShape="0">
+                    <a:schemeClr val="bg2"/>
+                  </a:outerShdw>
+                </a:effectLst>
+              </a14:hiddenEffects>
+            </a:ext>
+          </a:extLst>
+        </p:spPr>
+        <p:txBody>
+          <a:bodyPr>
+            <a:spAutoFit/>
+          </a:bodyPr>
+          <a:lstStyle/>
+          <a:p>
+            <a:r>
+              <a:rPr lang="en-US" altLang="ja-JP" dirty="0"/>
+              <a:t>1</a:t>
+            </a:r>
+          </a:p>
+        </p:txBody>
+      </p:sp>
+      <p:sp>
+        <p:nvSpPr>
+          <p:cNvPr id="232" name="Rectangle 90"/>
+          <p:cNvSpPr>
+            <a:spLocks noChangeArrowheads="1"/>
+          </p:cNvSpPr>
+          <p:nvPr/>
+        </p:nvSpPr>
+        <p:spPr bwMode="auto">
+          <a:xfrm>
+            <a:off x="2210638" y="4839265"/>
+            <a:ext cx="1905000" cy="533400"/>
+          </a:xfrm>
+          <a:prstGeom prst="rect">
+            <a:avLst/>
+          </a:prstGeom>
+          <a:noFill/>
+          <a:ln w="9525">
+            <a:solidFill>
+              <a:schemeClr val="tx1"/>
+            </a:solidFill>
+            <a:miter lim="800000"/>
+            <a:headEnd/>
+            <a:tailEnd/>
+          </a:ln>
+          <a:effectLst/>
+          <a:extLst>
+            <a:ext uri="{909E8E84-426E-40DD-AFC4-6F175D3DCCD1}">
+              <a14:hiddenFill xmlns:a14="http://schemas.microsoft.com/office/drawing/2010/main">
+                <a:solidFill>
+                  <a:schemeClr val="bg1"/>
+                </a:solidFill>
+              </a14:hiddenFill>
+            </a:ext>
+            <a:ext uri="{AF507438-7753-43E0-B8FC-AC1667EBCBE1}">
+              <a14:hiddenEffects xmlns:a14="http://schemas.microsoft.com/office/drawing/2010/main">
+                <a:effectLst>
+                  <a:outerShdw dist="35921" dir="2700000" algn="ctr" rotWithShape="0">
+                    <a:schemeClr val="bg2"/>
+                  </a:outerShdw>
+                </a:effectLst>
+              </a14:hiddenEffects>
+            </a:ext>
+          </a:extLst>
+        </p:spPr>
+        <p:txBody>
+          <a:bodyPr wrap="none"/>
+          <a:lstStyle/>
+          <a:p>
+            <a:r>
+              <a:rPr lang="en-US" altLang="ja-JP" noProof="1" smtClean="0"/>
+              <a:t>Texture</a:t>
+            </a:r>
+            <a:endParaRPr lang="en-US" altLang="ja-JP" dirty="0"/>
+          </a:p>
+        </p:txBody>
+      </p:sp>
+      <p:sp>
+        <p:nvSpPr>
+          <p:cNvPr id="233" name="Rectangle 91"/>
+          <p:cNvSpPr>
+            <a:spLocks noChangeArrowheads="1"/>
+          </p:cNvSpPr>
+          <p:nvPr/>
+        </p:nvSpPr>
+        <p:spPr bwMode="auto">
+          <a:xfrm>
+            <a:off x="2210638" y="5067865"/>
+            <a:ext cx="1905000" cy="304800"/>
+          </a:xfrm>
+          <a:prstGeom prst="rect">
+            <a:avLst/>
+          </a:prstGeom>
+          <a:noFill/>
+          <a:ln w="9525">
+            <a:solidFill>
+              <a:schemeClr val="tx1"/>
+            </a:solidFill>
+            <a:miter lim="800000"/>
+            <a:headEnd/>
+            <a:tailEnd/>
+          </a:ln>
+          <a:effectLst/>
+          <a:extLst>
+            <a:ext uri="{909E8E84-426E-40DD-AFC4-6F175D3DCCD1}">
+              <a14:hiddenFill xmlns:a14="http://schemas.microsoft.com/office/drawing/2010/main">
+                <a:solidFill>
+                  <a:schemeClr val="bg1"/>
+                </a:solidFill>
+              </a14:hiddenFill>
+            </a:ext>
+            <a:ext uri="{AF507438-7753-43E0-B8FC-AC1667EBCBE1}">
+              <a14:hiddenEffects xmlns:a14="http://schemas.microsoft.com/office/drawing/2010/main">
+                <a:effectLst>
+                  <a:outerShdw dist="35921" dir="2700000" algn="ctr" rotWithShape="0">
+                    <a:schemeClr val="bg2"/>
+                  </a:outerShdw>
+                </a:effectLst>
+              </a14:hiddenEffects>
+            </a:ext>
+          </a:extLst>
+        </p:spPr>
+        <p:txBody>
+          <a:bodyPr wrap="none"/>
+          <a:lstStyle/>
+          <a:p>
+            <a:r>
+              <a:rPr lang="en-US" altLang="ja-JP" noProof="1"/>
+              <a:t>LPDIRECT3DTEXTURE9 m_pTexture</a:t>
+            </a:r>
+            <a:endParaRPr lang="en-US" altLang="ja-JP" dirty="0"/>
+          </a:p>
+        </p:txBody>
+      </p:sp>
+      <p:sp>
+        <p:nvSpPr>
+          <p:cNvPr id="234" name="Line 92"/>
+          <p:cNvSpPr>
+            <a:spLocks noChangeShapeType="1"/>
+          </p:cNvSpPr>
+          <p:nvPr/>
+        </p:nvSpPr>
+        <p:spPr bwMode="auto">
+          <a:xfrm>
+            <a:off x="3021214" y="4472131"/>
+            <a:ext cx="0" cy="367134"/>
+          </a:xfrm>
+          <a:prstGeom prst="line">
+            <a:avLst/>
+          </a:prstGeom>
+          <a:noFill/>
+          <a:ln w="9525">
+            <a:solidFill>
+              <a:schemeClr val="tx1"/>
+            </a:solidFill>
+            <a:round/>
+            <a:headEnd/>
+            <a:tailEnd/>
+          </a:ln>
+          <a:effectLst/>
+          <a:extLst>
+            <a:ext uri="{909E8E84-426E-40DD-AFC4-6F175D3DCCD1}">
+              <a14:hiddenFill xmlns:a14="http://schemas.microsoft.com/office/drawing/2010/main">
+                <a:noFill/>
+              </a14:hiddenFill>
+            </a:ext>
+            <a:ext uri="{AF507438-7753-43E0-B8FC-AC1667EBCBE1}">
+              <a14:hiddenEffects xmlns:a14="http://schemas.microsoft.com/office/drawing/2010/main">
+                <a:effectLst>
+                  <a:outerShdw dist="35921" dir="2700000" algn="ctr" rotWithShape="0">
+                    <a:schemeClr val="bg2"/>
+                  </a:outerShdw>
+                </a:effectLst>
+              </a14:hiddenEffects>
+            </a:ext>
+          </a:extLst>
+        </p:spPr>
+        <p:txBody>
+          <a:bodyPr/>
+          <a:lstStyle/>
+          <a:p>
+            <a:endParaRPr lang="ja-JP" altLang="en-US"/>
+          </a:p>
+        </p:txBody>
+      </p:sp>
+      <p:sp>
+        <p:nvSpPr>
+          <p:cNvPr id="235" name="AutoShape 93"/>
+          <p:cNvSpPr>
+            <a:spLocks noChangeArrowheads="1"/>
+          </p:cNvSpPr>
+          <p:nvPr/>
+        </p:nvSpPr>
+        <p:spPr bwMode="auto">
+          <a:xfrm rot="5400000">
+            <a:off x="2906914" y="4281631"/>
+            <a:ext cx="228600" cy="152400"/>
+          </a:xfrm>
+          <a:prstGeom prst="diamond">
+            <a:avLst/>
+          </a:prstGeom>
+          <a:solidFill>
+            <a:schemeClr val="bg1"/>
+          </a:solidFill>
+          <a:ln w="9525">
+            <a:solidFill>
+              <a:schemeClr val="tx1"/>
+            </a:solidFill>
+            <a:miter lim="800000"/>
+            <a:headEnd/>
+            <a:tailEnd/>
+          </a:ln>
+          <a:effectLst/>
+          <a:extLst>
+            <a:ext uri="{AF507438-7753-43E0-B8FC-AC1667EBCBE1}">
+              <a14:hiddenEffects xmlns:a14="http://schemas.microsoft.com/office/drawing/2010/main">
+                <a:effectLst>
+                  <a:outerShdw dist="35921" dir="2700000" algn="ctr" rotWithShape="0">
+                    <a:schemeClr val="bg2"/>
+                  </a:outerShdw>
+                </a:effectLst>
+              </a14:hiddenEffects>
+            </a:ext>
+          </a:extLst>
+        </p:spPr>
+        <p:txBody>
+          <a:bodyPr wrap="none" anchor="ctr"/>
+          <a:lstStyle/>
+          <a:p>
+            <a:endParaRPr lang="ja-JP" altLang="en-US"/>
+          </a:p>
+        </p:txBody>
+      </p:sp>
+      <p:sp>
+        <p:nvSpPr>
+          <p:cNvPr id="236" name="Rectangle 94"/>
+          <p:cNvSpPr>
+            <a:spLocks noChangeArrowheads="1"/>
+          </p:cNvSpPr>
+          <p:nvPr/>
+        </p:nvSpPr>
+        <p:spPr bwMode="auto">
+          <a:xfrm>
+            <a:off x="3105365" y="4610174"/>
+            <a:ext cx="228600" cy="228600"/>
+          </a:xfrm>
+          <a:prstGeom prst="rect">
+            <a:avLst/>
+          </a:prstGeom>
+          <a:noFill/>
+          <a:ln>
+            <a:noFill/>
+          </a:ln>
+          <a:effectLst/>
+          <a:extLst>
+            <a:ext uri="{909E8E84-426E-40DD-AFC4-6F175D3DCCD1}">
+              <a14:hiddenFill xmlns:a14="http://schemas.microsoft.com/office/drawing/2010/main">
+                <a:solidFill>
+                  <a:schemeClr val="bg1"/>
+                </a:solidFill>
+              </a14:hiddenFill>
+            </a:ext>
+            <a:ext uri="{91240B29-F687-4F45-9708-019B960494DF}">
+              <a14:hiddenLine xmlns:a14="http://schemas.microsoft.com/office/drawing/2010/main" w="9525">
+                <a:solidFill>
+                  <a:schemeClr val="tx1"/>
+                </a:solidFill>
+                <a:miter lim="800000"/>
+                <a:headEnd/>
+                <a:tailEnd/>
+              </a14:hiddenLine>
+            </a:ext>
+            <a:ext uri="{AF507438-7753-43E0-B8FC-AC1667EBCBE1}">
+              <a14:hiddenEffects xmlns:a14="http://schemas.microsoft.com/office/drawing/2010/main">
+                <a:effectLst>
+                  <a:outerShdw dist="35921" dir="2700000" algn="ctr" rotWithShape="0">
+                    <a:schemeClr val="bg2"/>
+                  </a:outerShdw>
+                </a:effectLst>
+              </a14:hiddenEffects>
+            </a:ext>
+          </a:extLst>
+        </p:spPr>
+        <p:txBody>
+          <a:bodyPr>
+            <a:spAutoFit/>
+          </a:bodyPr>
+          <a:lstStyle/>
+          <a:p>
+            <a:r>
+              <a:rPr lang="en-US" altLang="ja-JP" dirty="0"/>
+              <a:t>1</a:t>
+            </a:r>
+          </a:p>
+        </p:txBody>
+      </p:sp>
+      <p:sp>
+        <p:nvSpPr>
+          <p:cNvPr id="237" name="Rectangle 95"/>
+          <p:cNvSpPr>
+            <a:spLocks noChangeArrowheads="1"/>
+          </p:cNvSpPr>
+          <p:nvPr/>
+        </p:nvSpPr>
+        <p:spPr bwMode="auto">
+          <a:xfrm>
+            <a:off x="3118202" y="4269348"/>
+            <a:ext cx="228600" cy="228600"/>
+          </a:xfrm>
+          <a:prstGeom prst="rect">
+            <a:avLst/>
+          </a:prstGeom>
+          <a:noFill/>
+          <a:ln>
+            <a:noFill/>
+          </a:ln>
+          <a:effectLst/>
+          <a:extLst>
+            <a:ext uri="{909E8E84-426E-40DD-AFC4-6F175D3DCCD1}">
+              <a14:hiddenFill xmlns:a14="http://schemas.microsoft.com/office/drawing/2010/main">
+                <a:solidFill>
+                  <a:schemeClr val="bg1"/>
+                </a:solidFill>
+              </a14:hiddenFill>
+            </a:ext>
+            <a:ext uri="{91240B29-F687-4F45-9708-019B960494DF}">
+              <a14:hiddenLine xmlns:a14="http://schemas.microsoft.com/office/drawing/2010/main" w="9525">
+                <a:solidFill>
+                  <a:schemeClr val="tx1"/>
+                </a:solidFill>
+                <a:miter lim="800000"/>
+                <a:headEnd/>
+                <a:tailEnd/>
+              </a14:hiddenLine>
+            </a:ext>
+            <a:ext uri="{AF507438-7753-43E0-B8FC-AC1667EBCBE1}">
+              <a14:hiddenEffects xmlns:a14="http://schemas.microsoft.com/office/drawing/2010/main">
+                <a:effectLst>
+                  <a:outerShdw dist="35921" dir="2700000" algn="ctr" rotWithShape="0">
+                    <a:schemeClr val="bg2"/>
+                  </a:outerShdw>
+                </a:effectLst>
+              </a14:hiddenEffects>
+            </a:ext>
+          </a:extLst>
+        </p:spPr>
+        <p:txBody>
+          <a:bodyPr>
+            <a:spAutoFit/>
+          </a:bodyPr>
+          <a:lstStyle/>
+          <a:p>
+            <a:r>
               <a:rPr lang="en-US" altLang="ja-JP"/>
               <a:t>*</a:t>
             </a:r>
@@ -21557,15 +22733,228 @@
       </p:sp>
       <p:sp>
         <p:nvSpPr>
-          <p:cNvPr id="9275" name="Line 108"/>
+          <p:cNvPr id="238" name="Rectangle 90"/>
+          <p:cNvSpPr>
+            <a:spLocks noChangeArrowheads="1"/>
+          </p:cNvSpPr>
+          <p:nvPr/>
+        </p:nvSpPr>
+        <p:spPr bwMode="auto">
+          <a:xfrm>
+            <a:off x="2203608" y="3717469"/>
+            <a:ext cx="1905000" cy="533400"/>
+          </a:xfrm>
+          <a:prstGeom prst="rect">
+            <a:avLst/>
+          </a:prstGeom>
+          <a:noFill/>
+          <a:ln w="9525">
+            <a:solidFill>
+              <a:schemeClr val="tx1"/>
+            </a:solidFill>
+            <a:miter lim="800000"/>
+            <a:headEnd/>
+            <a:tailEnd/>
+          </a:ln>
+          <a:effectLst/>
+          <a:extLst>
+            <a:ext uri="{909E8E84-426E-40DD-AFC4-6F175D3DCCD1}">
+              <a14:hiddenFill xmlns:a14="http://schemas.microsoft.com/office/drawing/2010/main">
+                <a:solidFill>
+                  <a:schemeClr val="bg1"/>
+                </a:solidFill>
+              </a14:hiddenFill>
+            </a:ext>
+            <a:ext uri="{AF507438-7753-43E0-B8FC-AC1667EBCBE1}">
+              <a14:hiddenEffects xmlns:a14="http://schemas.microsoft.com/office/drawing/2010/main">
+                <a:effectLst>
+                  <a:outerShdw dist="35921" dir="2700000" algn="ctr" rotWithShape="0">
+                    <a:schemeClr val="bg2"/>
+                  </a:outerShdw>
+                </a:effectLst>
+              </a14:hiddenEffects>
+            </a:ext>
+          </a:extLst>
+        </p:spPr>
+        <p:txBody>
+          <a:bodyPr wrap="none"/>
+          <a:lstStyle/>
+          <a:p>
+            <a:r>
+              <a:rPr lang="en-US" altLang="ja-JP" noProof="1" smtClean="0"/>
+              <a:t>TextureManager</a:t>
+            </a:r>
+            <a:endParaRPr lang="en-US" altLang="ja-JP" dirty="0"/>
+          </a:p>
+        </p:txBody>
+      </p:sp>
+      <p:sp>
+        <p:nvSpPr>
+          <p:cNvPr id="239" name="Rectangle 91"/>
+          <p:cNvSpPr>
+            <a:spLocks noChangeArrowheads="1"/>
+          </p:cNvSpPr>
+          <p:nvPr/>
+        </p:nvSpPr>
+        <p:spPr bwMode="auto">
+          <a:xfrm>
+            <a:off x="2203608" y="3946069"/>
+            <a:ext cx="1905000" cy="304800"/>
+          </a:xfrm>
+          <a:prstGeom prst="rect">
+            <a:avLst/>
+          </a:prstGeom>
+          <a:noFill/>
+          <a:ln w="9525">
+            <a:solidFill>
+              <a:schemeClr val="tx1"/>
+            </a:solidFill>
+            <a:miter lim="800000"/>
+            <a:headEnd/>
+            <a:tailEnd/>
+          </a:ln>
+          <a:effectLst/>
+          <a:extLst>
+            <a:ext uri="{909E8E84-426E-40DD-AFC4-6F175D3DCCD1}">
+              <a14:hiddenFill xmlns:a14="http://schemas.microsoft.com/office/drawing/2010/main">
+                <a:solidFill>
+                  <a:schemeClr val="bg1"/>
+                </a:solidFill>
+              </a14:hiddenFill>
+            </a:ext>
+            <a:ext uri="{AF507438-7753-43E0-B8FC-AC1667EBCBE1}">
+              <a14:hiddenEffects xmlns:a14="http://schemas.microsoft.com/office/drawing/2010/main">
+                <a:effectLst>
+                  <a:outerShdw dist="35921" dir="2700000" algn="ctr" rotWithShape="0">
+                    <a:schemeClr val="bg2"/>
+                  </a:outerShdw>
+                </a:effectLst>
+              </a14:hiddenEffects>
+            </a:ext>
+          </a:extLst>
+        </p:spPr>
+        <p:txBody>
+          <a:bodyPr wrap="none"/>
+          <a:lstStyle/>
+          <a:p>
+            <a:r>
+              <a:rPr lang="en-US" altLang="ja-JP" noProof="1"/>
+              <a:t>vector&lt;Texture*&gt; m_TextureVec</a:t>
+            </a:r>
+            <a:endParaRPr lang="en-US" altLang="ja-JP" dirty="0"/>
+          </a:p>
+        </p:txBody>
+      </p:sp>
+      <p:sp>
+        <p:nvSpPr>
+          <p:cNvPr id="244" name="Line 102"/>
           <p:cNvSpPr>
             <a:spLocks noChangeShapeType="1"/>
           </p:cNvSpPr>
           <p:nvPr/>
         </p:nvSpPr>
         <p:spPr bwMode="auto">
+          <a:xfrm flipH="1">
+            <a:off x="5278960" y="4134633"/>
+            <a:ext cx="0" cy="638590"/>
+          </a:xfrm>
+          <a:prstGeom prst="line">
+            <a:avLst/>
+          </a:prstGeom>
+          <a:noFill/>
+          <a:ln w="9525">
+            <a:solidFill>
+              <a:schemeClr val="tx1"/>
+            </a:solidFill>
+            <a:round/>
+            <a:headEnd/>
+            <a:tailEnd/>
+          </a:ln>
+          <a:effectLst/>
+          <a:extLst>
+            <a:ext uri="{909E8E84-426E-40DD-AFC4-6F175D3DCCD1}">
+              <a14:hiddenFill xmlns:a14="http://schemas.microsoft.com/office/drawing/2010/main">
+                <a:noFill/>
+              </a14:hiddenFill>
+            </a:ext>
+            <a:ext uri="{AF507438-7753-43E0-B8FC-AC1667EBCBE1}">
+              <a14:hiddenEffects xmlns:a14="http://schemas.microsoft.com/office/drawing/2010/main">
+                <a:effectLst>
+                  <a:outerShdw dist="35921" dir="2700000" algn="ctr" rotWithShape="0">
+                    <a:schemeClr val="bg2"/>
+                  </a:outerShdw>
+                </a:effectLst>
+              </a14:hiddenEffects>
+            </a:ext>
+          </a:extLst>
+        </p:spPr>
+        <p:txBody>
+          <a:bodyPr/>
+          <a:lstStyle/>
+          <a:p>
+            <a:endParaRPr lang="ja-JP" altLang="en-US"/>
+          </a:p>
+        </p:txBody>
+      </p:sp>
+      <p:sp>
+        <p:nvSpPr>
+          <p:cNvPr id="245" name="AutoShape 103"/>
+          <p:cNvSpPr>
+            <a:spLocks noChangeArrowheads="1"/>
+          </p:cNvSpPr>
+          <p:nvPr/>
+        </p:nvSpPr>
+        <p:spPr bwMode="auto">
+          <a:xfrm rot="5400000">
+            <a:off x="5164660" y="3945789"/>
+            <a:ext cx="228600" cy="152400"/>
+          </a:xfrm>
+          <a:prstGeom prst="diamond">
+            <a:avLst/>
+          </a:prstGeom>
+          <a:solidFill>
+            <a:schemeClr val="bg1"/>
+          </a:solidFill>
+          <a:ln w="9525">
+            <a:solidFill>
+              <a:schemeClr val="tx1"/>
+            </a:solidFill>
+            <a:miter lim="800000"/>
+            <a:headEnd/>
+            <a:tailEnd/>
+          </a:ln>
+          <a:effectLst/>
+          <a:extLst>
+            <a:ext uri="{AF507438-7753-43E0-B8FC-AC1667EBCBE1}">
+              <a14:hiddenEffects xmlns:a14="http://schemas.microsoft.com/office/drawing/2010/main">
+                <a:effectLst>
+                  <a:outerShdw dist="35921" dir="2700000" algn="ctr" rotWithShape="0">
+                    <a:schemeClr val="bg2"/>
+                  </a:outerShdw>
+                </a:effectLst>
+              </a14:hiddenEffects>
+            </a:ext>
+          </a:extLst>
+        </p:spPr>
+        <p:txBody>
+          <a:bodyPr wrap="none" anchor="ctr"/>
+          <a:lstStyle/>
+          <a:p>
+            <a:endParaRPr lang="ja-JP" altLang="en-US"/>
+          </a:p>
+        </p:txBody>
+      </p:sp>
+      <p:sp>
+        <p:nvSpPr>
+          <p:cNvPr id="246" name="Line 108"/>
+          <p:cNvSpPr>
+            <a:spLocks noChangeShapeType="1"/>
+          </p:cNvSpPr>
+          <p:nvPr/>
+        </p:nvSpPr>
+        <p:spPr bwMode="auto">
           <a:xfrm>
-            <a:off x="8382000" y="4114800"/>
+            <a:off x="5270800" y="5369572"/>
             <a:ext cx="0" cy="228600"/>
           </a:xfrm>
           <a:prstGeom prst="line">
@@ -21608,7 +22997,7 @@
       </p:sp>
       <p:sp>
         <p:nvSpPr>
-          <p:cNvPr id="9276" name="Rectangle 109"/>
+          <p:cNvPr id="247" name="Rectangle 109"/>
           <p:cNvSpPr>
             <a:spLocks noChangeArrowheads="1"/>
           </p:cNvSpPr>
@@ -21616,7 +23005,7 @@
         </p:nvSpPr>
         <p:spPr bwMode="auto">
           <a:xfrm>
-            <a:off x="7696200" y="4495800"/>
+            <a:off x="4590983" y="5598172"/>
             <a:ext cx="1676400" cy="228600"/>
           </a:xfrm>
           <a:prstGeom prst="rect">
@@ -21663,11 +23052,11 @@
           <a:lstStyle/>
           <a:p>
             <a:r>
-              <a:rPr lang="en-US" altLang="ja-JP"/>
+              <a:rPr lang="en-US" altLang="ja-JP" dirty="0"/>
               <a:t>Object</a:t>
             </a:r>
             <a:r>
-              <a:rPr lang="ja-JP" altLang="en-US"/>
+              <a:rPr lang="ja-JP" altLang="en-US" dirty="0"/>
               <a:t>階層（２）ページへ</a:t>
             </a:r>
           </a:p>
@@ -21675,18 +23064,18 @@
       </p:sp>
       <p:sp>
         <p:nvSpPr>
-          <p:cNvPr id="9277" name="Line 162"/>
-          <p:cNvSpPr>
-            <a:spLocks noChangeShapeType="1"/>
+          <p:cNvPr id="248" name="Rectangle 176"/>
+          <p:cNvSpPr>
+            <a:spLocks noChangeArrowheads="1"/>
           </p:cNvSpPr>
           <p:nvPr/>
         </p:nvSpPr>
         <p:spPr bwMode="auto">
           <a:xfrm>
-            <a:off x="6172200" y="3657600"/>
-            <a:ext cx="0" cy="228600"/>
-          </a:xfrm>
-          <a:prstGeom prst="line">
+            <a:off x="4464357" y="4759972"/>
+            <a:ext cx="1981200" cy="609600"/>
+          </a:xfrm>
+          <a:prstGeom prst="rect">
             <a:avLst/>
           </a:prstGeom>
           <a:noFill/>
@@ -21694,15 +23083,17 @@
             <a:solidFill>
               <a:schemeClr val="tx1"/>
             </a:solidFill>
-            <a:round/>
+            <a:miter lim="800000"/>
             <a:headEnd/>
-            <a:tailEnd type="triangle" w="med" len="med"/>
+            <a:tailEnd/>
           </a:ln>
           <a:effectLst/>
           <a:extLst>
             <a:ext uri="{909E8E84-426E-40DD-AFC4-6F175D3DCCD1}">
               <a14:hiddenFill xmlns:a14="http://schemas.microsoft.com/office/drawing/2010/main">
-                <a:noFill/>
+                <a:solidFill>
+                  <a:schemeClr val="bg1"/>
+                </a:solidFill>
               </a14:hiddenFill>
             </a:ext>
             <a:ext uri="{AF507438-7753-43E0-B8FC-AC1667EBCBE1}">
@@ -21717,16 +23108,20 @@
           </a:extLst>
         </p:spPr>
         <p:txBody>
-          <a:bodyPr/>
+          <a:bodyPr wrap="none"/>
           <a:lstStyle/>
           <a:p>
-            <a:endParaRPr lang="ja-JP" altLang="en-US"/>
-          </a:p>
-        </p:txBody>
-      </p:sp>
-      <p:sp>
-        <p:nvSpPr>
-          <p:cNvPr id="9278" name="Rectangle 163"/>
+            <a:r>
+              <a:rPr lang="en-US" altLang="ja-JP" noProof="1"/>
+              <a:t>Object</a:t>
+            </a:r>
+            <a:endParaRPr lang="en-US" altLang="ja-JP" dirty="0"/>
+          </a:p>
+        </p:txBody>
+      </p:sp>
+      <p:sp>
+        <p:nvSpPr>
+          <p:cNvPr id="249" name="Rectangle 177"/>
           <p:cNvSpPr>
             <a:spLocks noChangeArrowheads="1"/>
           </p:cNvSpPr>
@@ -21734,15 +23129,20 @@
         </p:nvSpPr>
         <p:spPr bwMode="auto">
           <a:xfrm>
-            <a:off x="5257800" y="3886200"/>
-            <a:ext cx="1905000" cy="228600"/>
+            <a:off x="4464357" y="4988572"/>
+            <a:ext cx="1981200" cy="381000"/>
           </a:xfrm>
           <a:prstGeom prst="rect">
             <a:avLst/>
           </a:prstGeom>
           <a:noFill/>
-          <a:ln>
-            <a:noFill/>
+          <a:ln w="9525">
+            <a:solidFill>
+              <a:schemeClr val="tx1"/>
+            </a:solidFill>
+            <a:miter lim="800000"/>
+            <a:headEnd/>
+            <a:tailEnd/>
           </a:ln>
           <a:effectLst/>
           <a:extLst>
@@ -21752,16 +23152,6 @@
                   <a:schemeClr val="bg1"/>
                 </a:solidFill>
               </a14:hiddenFill>
-            </a:ext>
-            <a:ext uri="{91240B29-F687-4F45-9708-019B960494DF}">
-              <a14:hiddenLine xmlns:a14="http://schemas.microsoft.com/office/drawing/2010/main" w="9525">
-                <a:solidFill>
-                  <a:schemeClr val="tx1"/>
-                </a:solidFill>
-                <a:miter lim="800000"/>
-                <a:headEnd/>
-                <a:tailEnd/>
-              </a14:hiddenLine>
             </a:ext>
             <a:ext uri="{AF507438-7753-43E0-B8FC-AC1667EBCBE1}">
               <a14:hiddenEffects xmlns:a14="http://schemas.microsoft.com/office/drawing/2010/main">
@@ -21775,1230 +23165,40 @@
           </a:extLst>
         </p:spPr>
         <p:txBody>
-          <a:bodyPr>
-            <a:spAutoFit/>
-          </a:bodyPr>
-          <a:lstStyle/>
-          <a:p>
-            <a:r>
-              <a:rPr lang="en-US" altLang="ja-JP"/>
-              <a:t>Stage</a:t>
-            </a:r>
-            <a:r>
-              <a:rPr lang="ja-JP" altLang="en-US"/>
-              <a:t>階層（３）ページへ</a:t>
-            </a:r>
-          </a:p>
-        </p:txBody>
-      </p:sp>
-      <p:sp>
-        <p:nvSpPr>
-          <p:cNvPr id="9279" name="Rectangle 164"/>
-          <p:cNvSpPr>
-            <a:spLocks noChangeArrowheads="1"/>
-          </p:cNvSpPr>
-          <p:nvPr/>
-        </p:nvSpPr>
-        <p:spPr bwMode="auto">
-          <a:xfrm>
-            <a:off x="381000" y="5105400"/>
-            <a:ext cx="1219200" cy="533400"/>
-          </a:xfrm>
-          <a:prstGeom prst="rect">
-            <a:avLst/>
-          </a:prstGeom>
-          <a:noFill/>
-          <a:ln w="9525">
-            <a:solidFill>
-              <a:schemeClr val="tx1"/>
-            </a:solidFill>
-            <a:miter lim="800000"/>
-            <a:headEnd/>
-            <a:tailEnd/>
-          </a:ln>
-          <a:effectLst/>
-          <a:extLst>
-            <a:ext uri="{909E8E84-426E-40DD-AFC4-6F175D3DCCD1}">
-              <a14:hiddenFill xmlns:a14="http://schemas.microsoft.com/office/drawing/2010/main">
-                <a:solidFill>
-                  <a:schemeClr val="bg1"/>
-                </a:solidFill>
-              </a14:hiddenFill>
-            </a:ext>
-            <a:ext uri="{AF507438-7753-43E0-B8FC-AC1667EBCBE1}">
-              <a14:hiddenEffects xmlns:a14="http://schemas.microsoft.com/office/drawing/2010/main">
-                <a:effectLst>
-                  <a:outerShdw dist="35921" dir="2700000" algn="ctr" rotWithShape="0">
-                    <a:schemeClr val="bg2"/>
-                  </a:outerShdw>
-                </a:effectLst>
-              </a14:hiddenEffects>
-            </a:ext>
-          </a:extLst>
-        </p:spPr>
-        <p:txBody>
           <a:bodyPr wrap="none"/>
           <a:lstStyle/>
           <a:p>
             <a:r>
-              <a:rPr lang="en-US" altLang="ja-JP" noProof="1"/>
-              <a:t>Command</a:t>
-            </a:r>
-            <a:endParaRPr lang="en-US" altLang="ja-JP"/>
-          </a:p>
-        </p:txBody>
-      </p:sp>
-      <p:sp>
-        <p:nvSpPr>
-          <p:cNvPr id="9280" name="Rectangle 165"/>
-          <p:cNvSpPr>
-            <a:spLocks noChangeArrowheads="1"/>
-          </p:cNvSpPr>
-          <p:nvPr/>
-        </p:nvSpPr>
-        <p:spPr bwMode="auto">
-          <a:xfrm>
-            <a:off x="381000" y="5334000"/>
-            <a:ext cx="1219200" cy="304800"/>
-          </a:xfrm>
-          <a:prstGeom prst="rect">
-            <a:avLst/>
-          </a:prstGeom>
-          <a:noFill/>
-          <a:ln w="9525">
-            <a:solidFill>
-              <a:schemeClr val="tx1"/>
-            </a:solidFill>
-            <a:miter lim="800000"/>
-            <a:headEnd/>
-            <a:tailEnd/>
-          </a:ln>
-          <a:effectLst/>
-          <a:extLst>
-            <a:ext uri="{909E8E84-426E-40DD-AFC4-6F175D3DCCD1}">
-              <a14:hiddenFill xmlns:a14="http://schemas.microsoft.com/office/drawing/2010/main">
-                <a:solidFill>
-                  <a:schemeClr val="bg1"/>
-                </a:solidFill>
-              </a14:hiddenFill>
-            </a:ext>
-            <a:ext uri="{AF507438-7753-43E0-B8FC-AC1667EBCBE1}">
-              <a14:hiddenEffects xmlns:a14="http://schemas.microsoft.com/office/drawing/2010/main">
-                <a:effectLst>
-                  <a:outerShdw dist="35921" dir="2700000" algn="ctr" rotWithShape="0">
-                    <a:schemeClr val="bg2"/>
-                  </a:outerShdw>
-                </a:effectLst>
-              </a14:hiddenEffects>
-            </a:ext>
-          </a:extLst>
-        </p:spPr>
-        <p:txBody>
-          <a:bodyPr wrap="none"/>
-          <a:lstStyle/>
-          <a:p>
-            <a:r>
-              <a:rPr lang="ja-JP" altLang="en-US"/>
-              <a:t>構造体</a:t>
-            </a:r>
-          </a:p>
-        </p:txBody>
-      </p:sp>
-      <p:sp>
-        <p:nvSpPr>
-          <p:cNvPr id="9281" name="Rectangle 166"/>
-          <p:cNvSpPr>
-            <a:spLocks noChangeArrowheads="1"/>
-          </p:cNvSpPr>
-          <p:nvPr/>
-        </p:nvSpPr>
-        <p:spPr bwMode="auto">
-          <a:xfrm>
-            <a:off x="381000" y="5791200"/>
-            <a:ext cx="1219200" cy="533400"/>
-          </a:xfrm>
-          <a:prstGeom prst="rect">
-            <a:avLst/>
-          </a:prstGeom>
-          <a:noFill/>
-          <a:ln w="9525">
-            <a:solidFill>
-              <a:schemeClr val="tx1"/>
-            </a:solidFill>
-            <a:miter lim="800000"/>
-            <a:headEnd/>
-            <a:tailEnd/>
-          </a:ln>
-          <a:effectLst/>
-          <a:extLst>
-            <a:ext uri="{909E8E84-426E-40DD-AFC4-6F175D3DCCD1}">
-              <a14:hiddenFill xmlns:a14="http://schemas.microsoft.com/office/drawing/2010/main">
-                <a:solidFill>
-                  <a:schemeClr val="bg1"/>
-                </a:solidFill>
-              </a14:hiddenFill>
-            </a:ext>
-            <a:ext uri="{AF507438-7753-43E0-B8FC-AC1667EBCBE1}">
-              <a14:hiddenEffects xmlns:a14="http://schemas.microsoft.com/office/drawing/2010/main">
-                <a:effectLst>
-                  <a:outerShdw dist="35921" dir="2700000" algn="ctr" rotWithShape="0">
-                    <a:schemeClr val="bg2"/>
-                  </a:outerShdw>
-                </a:effectLst>
-              </a14:hiddenEffects>
-            </a:ext>
-          </a:extLst>
-        </p:spPr>
-        <p:txBody>
-          <a:bodyPr wrap="none"/>
-          <a:lstStyle/>
-          <a:p>
-            <a:r>
-              <a:rPr lang="en-US" altLang="ja-JP" noProof="1"/>
-              <a:t>ShadowVolume</a:t>
-            </a:r>
-            <a:endParaRPr lang="en-US" altLang="ja-JP"/>
-          </a:p>
-        </p:txBody>
-      </p:sp>
-      <p:sp>
-        <p:nvSpPr>
-          <p:cNvPr id="9282" name="Rectangle 167"/>
-          <p:cNvSpPr>
-            <a:spLocks noChangeArrowheads="1"/>
-          </p:cNvSpPr>
-          <p:nvPr/>
-        </p:nvSpPr>
-        <p:spPr bwMode="auto">
-          <a:xfrm>
-            <a:off x="381000" y="6019800"/>
-            <a:ext cx="1219200" cy="304800"/>
-          </a:xfrm>
-          <a:prstGeom prst="rect">
-            <a:avLst/>
-          </a:prstGeom>
-          <a:noFill/>
-          <a:ln w="9525">
-            <a:solidFill>
-              <a:schemeClr val="tx1"/>
-            </a:solidFill>
-            <a:miter lim="800000"/>
-            <a:headEnd/>
-            <a:tailEnd/>
-          </a:ln>
-          <a:effectLst/>
-          <a:extLst>
-            <a:ext uri="{909E8E84-426E-40DD-AFC4-6F175D3DCCD1}">
-              <a14:hiddenFill xmlns:a14="http://schemas.microsoft.com/office/drawing/2010/main">
-                <a:solidFill>
-                  <a:schemeClr val="bg1"/>
-                </a:solidFill>
-              </a14:hiddenFill>
-            </a:ext>
-            <a:ext uri="{AF507438-7753-43E0-B8FC-AC1667EBCBE1}">
-              <a14:hiddenEffects xmlns:a14="http://schemas.microsoft.com/office/drawing/2010/main">
-                <a:effectLst>
-                  <a:outerShdw dist="35921" dir="2700000" algn="ctr" rotWithShape="0">
-                    <a:schemeClr val="bg2"/>
-                  </a:outerShdw>
-                </a:effectLst>
-              </a14:hiddenEffects>
-            </a:ext>
-          </a:extLst>
-        </p:spPr>
-        <p:txBody>
-          <a:bodyPr wrap="none"/>
-          <a:lstStyle/>
-          <a:p>
-            <a:endParaRPr lang="ja-JP" altLang="ja-JP"/>
-          </a:p>
-        </p:txBody>
-      </p:sp>
-      <p:sp>
-        <p:nvSpPr>
-          <p:cNvPr id="9283" name="Rectangle 170"/>
-          <p:cNvSpPr>
-            <a:spLocks noChangeArrowheads="1"/>
-          </p:cNvSpPr>
-          <p:nvPr/>
-        </p:nvSpPr>
-        <p:spPr bwMode="auto">
-          <a:xfrm>
-            <a:off x="3124200" y="3886200"/>
-            <a:ext cx="1219200" cy="609600"/>
-          </a:xfrm>
-          <a:prstGeom prst="rect">
-            <a:avLst/>
-          </a:prstGeom>
-          <a:noFill/>
-          <a:ln w="9525">
-            <a:solidFill>
-              <a:schemeClr val="tx1"/>
-            </a:solidFill>
-            <a:miter lim="800000"/>
-            <a:headEnd/>
-            <a:tailEnd/>
-          </a:ln>
-          <a:effectLst/>
-          <a:extLst>
-            <a:ext uri="{909E8E84-426E-40DD-AFC4-6F175D3DCCD1}">
-              <a14:hiddenFill xmlns:a14="http://schemas.microsoft.com/office/drawing/2010/main">
-                <a:solidFill>
-                  <a:schemeClr val="bg1"/>
-                </a:solidFill>
-              </a14:hiddenFill>
-            </a:ext>
-            <a:ext uri="{AF507438-7753-43E0-B8FC-AC1667EBCBE1}">
-              <a14:hiddenEffects xmlns:a14="http://schemas.microsoft.com/office/drawing/2010/main">
-                <a:effectLst>
-                  <a:outerShdw dist="35921" dir="2700000" algn="ctr" rotWithShape="0">
-                    <a:schemeClr val="bg2"/>
-                  </a:outerShdw>
-                </a:effectLst>
-              </a14:hiddenEffects>
-            </a:ext>
-          </a:extLst>
-        </p:spPr>
-        <p:txBody>
-          <a:bodyPr wrap="none"/>
-          <a:lstStyle/>
-          <a:p>
-            <a:r>
-              <a:rPr lang="en-US" altLang="ja-JP" noProof="1"/>
-              <a:t>Size</a:t>
-            </a:r>
-            <a:endParaRPr lang="en-US" altLang="ja-JP"/>
-          </a:p>
-          <a:p>
-            <a:r>
-              <a:rPr lang="en-US" altLang="ja-JP"/>
-              <a:t>: public </a:t>
-            </a:r>
-            <a:r>
-              <a:rPr lang="en-US" altLang="ja-JP" noProof="1"/>
-              <a:t>tagSIZE</a:t>
-            </a:r>
-            <a:endParaRPr lang="en-US" altLang="ja-JP"/>
-          </a:p>
-        </p:txBody>
-      </p:sp>
-      <p:sp>
-        <p:nvSpPr>
-          <p:cNvPr id="9284" name="Rectangle 171"/>
-          <p:cNvSpPr>
-            <a:spLocks noChangeArrowheads="1"/>
-          </p:cNvSpPr>
-          <p:nvPr/>
-        </p:nvSpPr>
-        <p:spPr bwMode="auto">
-          <a:xfrm>
-            <a:off x="3124200" y="4267200"/>
-            <a:ext cx="1219200" cy="228600"/>
-          </a:xfrm>
-          <a:prstGeom prst="rect">
-            <a:avLst/>
-          </a:prstGeom>
-          <a:noFill/>
-          <a:ln w="9525">
-            <a:solidFill>
-              <a:schemeClr val="tx1"/>
-            </a:solidFill>
-            <a:miter lim="800000"/>
-            <a:headEnd/>
-            <a:tailEnd/>
-          </a:ln>
-          <a:effectLst/>
-          <a:extLst>
-            <a:ext uri="{909E8E84-426E-40DD-AFC4-6F175D3DCCD1}">
-              <a14:hiddenFill xmlns:a14="http://schemas.microsoft.com/office/drawing/2010/main">
-                <a:solidFill>
-                  <a:schemeClr val="bg1"/>
-                </a:solidFill>
-              </a14:hiddenFill>
-            </a:ext>
-            <a:ext uri="{AF507438-7753-43E0-B8FC-AC1667EBCBE1}">
-              <a14:hiddenEffects xmlns:a14="http://schemas.microsoft.com/office/drawing/2010/main">
-                <a:effectLst>
-                  <a:outerShdw dist="35921" dir="2700000" algn="ctr" rotWithShape="0">
-                    <a:schemeClr val="bg2"/>
-                  </a:outerShdw>
-                </a:effectLst>
-              </a14:hiddenEffects>
-            </a:ext>
-          </a:extLst>
-        </p:spPr>
-        <p:txBody>
-          <a:bodyPr wrap="none"/>
-          <a:lstStyle/>
-          <a:p>
-            <a:endParaRPr lang="ja-JP" altLang="ja-JP"/>
-          </a:p>
-        </p:txBody>
-      </p:sp>
-      <p:sp>
-        <p:nvSpPr>
-          <p:cNvPr id="9285" name="Rectangle 172"/>
-          <p:cNvSpPr>
-            <a:spLocks noChangeArrowheads="1"/>
-          </p:cNvSpPr>
-          <p:nvPr/>
-        </p:nvSpPr>
-        <p:spPr bwMode="auto">
-          <a:xfrm>
-            <a:off x="3124200" y="4648200"/>
-            <a:ext cx="1219200" cy="609600"/>
-          </a:xfrm>
-          <a:prstGeom prst="rect">
-            <a:avLst/>
-          </a:prstGeom>
-          <a:noFill/>
-          <a:ln w="9525">
-            <a:solidFill>
-              <a:schemeClr val="tx1"/>
-            </a:solidFill>
-            <a:miter lim="800000"/>
-            <a:headEnd/>
-            <a:tailEnd/>
-          </a:ln>
-          <a:effectLst/>
-          <a:extLst>
-            <a:ext uri="{909E8E84-426E-40DD-AFC4-6F175D3DCCD1}">
-              <a14:hiddenFill xmlns:a14="http://schemas.microsoft.com/office/drawing/2010/main">
-                <a:solidFill>
-                  <a:schemeClr val="bg1"/>
-                </a:solidFill>
-              </a14:hiddenFill>
-            </a:ext>
-            <a:ext uri="{AF507438-7753-43E0-B8FC-AC1667EBCBE1}">
-              <a14:hiddenEffects xmlns:a14="http://schemas.microsoft.com/office/drawing/2010/main">
-                <a:effectLst>
-                  <a:outerShdw dist="35921" dir="2700000" algn="ctr" rotWithShape="0">
-                    <a:schemeClr val="bg2"/>
-                  </a:outerShdw>
-                </a:effectLst>
-              </a14:hiddenEffects>
-            </a:ext>
-          </a:extLst>
-        </p:spPr>
-        <p:txBody>
-          <a:bodyPr wrap="none"/>
-          <a:lstStyle/>
-          <a:p>
-            <a:r>
-              <a:rPr lang="en-US" altLang="ja-JP" noProof="1"/>
-              <a:t>Point</a:t>
-            </a:r>
-            <a:endParaRPr lang="en-US" altLang="ja-JP"/>
-          </a:p>
-          <a:p>
-            <a:r>
-              <a:rPr lang="en-US" altLang="ja-JP"/>
-              <a:t>: public </a:t>
-            </a:r>
-            <a:r>
-              <a:rPr lang="en-US" altLang="ja-JP" noProof="1"/>
-              <a:t>tagPOINT</a:t>
-            </a:r>
-            <a:endParaRPr lang="en-US" altLang="ja-JP"/>
-          </a:p>
-        </p:txBody>
-      </p:sp>
-      <p:sp>
-        <p:nvSpPr>
-          <p:cNvPr id="9286" name="Rectangle 173"/>
-          <p:cNvSpPr>
-            <a:spLocks noChangeArrowheads="1"/>
-          </p:cNvSpPr>
-          <p:nvPr/>
-        </p:nvSpPr>
-        <p:spPr bwMode="auto">
-          <a:xfrm>
-            <a:off x="3124200" y="5029200"/>
-            <a:ext cx="1219200" cy="228600"/>
-          </a:xfrm>
-          <a:prstGeom prst="rect">
-            <a:avLst/>
-          </a:prstGeom>
-          <a:noFill/>
-          <a:ln w="9525">
-            <a:solidFill>
-              <a:schemeClr val="tx1"/>
-            </a:solidFill>
-            <a:miter lim="800000"/>
-            <a:headEnd/>
-            <a:tailEnd/>
-          </a:ln>
-          <a:effectLst/>
-          <a:extLst>
-            <a:ext uri="{909E8E84-426E-40DD-AFC4-6F175D3DCCD1}">
-              <a14:hiddenFill xmlns:a14="http://schemas.microsoft.com/office/drawing/2010/main">
-                <a:solidFill>
-                  <a:schemeClr val="bg1"/>
-                </a:solidFill>
-              </a14:hiddenFill>
-            </a:ext>
-            <a:ext uri="{AF507438-7753-43E0-B8FC-AC1667EBCBE1}">
-              <a14:hiddenEffects xmlns:a14="http://schemas.microsoft.com/office/drawing/2010/main">
-                <a:effectLst>
-                  <a:outerShdw dist="35921" dir="2700000" algn="ctr" rotWithShape="0">
-                    <a:schemeClr val="bg2"/>
-                  </a:outerShdw>
-                </a:effectLst>
-              </a14:hiddenEffects>
-            </a:ext>
-          </a:extLst>
-        </p:spPr>
-        <p:txBody>
-          <a:bodyPr wrap="none"/>
-          <a:lstStyle/>
-          <a:p>
-            <a:endParaRPr lang="ja-JP" altLang="ja-JP"/>
-          </a:p>
-        </p:txBody>
-      </p:sp>
-      <p:sp>
-        <p:nvSpPr>
-          <p:cNvPr id="9287" name="Rectangle 174"/>
-          <p:cNvSpPr>
-            <a:spLocks noChangeArrowheads="1"/>
-          </p:cNvSpPr>
-          <p:nvPr/>
-        </p:nvSpPr>
-        <p:spPr bwMode="auto">
-          <a:xfrm>
-            <a:off x="3124200" y="5410200"/>
-            <a:ext cx="1219200" cy="609600"/>
-          </a:xfrm>
-          <a:prstGeom prst="rect">
-            <a:avLst/>
-          </a:prstGeom>
-          <a:noFill/>
-          <a:ln w="9525">
-            <a:solidFill>
-              <a:schemeClr val="tx1"/>
-            </a:solidFill>
-            <a:miter lim="800000"/>
-            <a:headEnd/>
-            <a:tailEnd/>
-          </a:ln>
-          <a:effectLst/>
-          <a:extLst>
-            <a:ext uri="{909E8E84-426E-40DD-AFC4-6F175D3DCCD1}">
-              <a14:hiddenFill xmlns:a14="http://schemas.microsoft.com/office/drawing/2010/main">
-                <a:solidFill>
-                  <a:schemeClr val="bg1"/>
-                </a:solidFill>
-              </a14:hiddenFill>
-            </a:ext>
-            <a:ext uri="{AF507438-7753-43E0-B8FC-AC1667EBCBE1}">
-              <a14:hiddenEffects xmlns:a14="http://schemas.microsoft.com/office/drawing/2010/main">
-                <a:effectLst>
-                  <a:outerShdw dist="35921" dir="2700000" algn="ctr" rotWithShape="0">
-                    <a:schemeClr val="bg2"/>
-                  </a:outerShdw>
-                </a:effectLst>
-              </a14:hiddenEffects>
-            </a:ext>
-          </a:extLst>
-        </p:spPr>
-        <p:txBody>
-          <a:bodyPr wrap="none"/>
-          <a:lstStyle/>
-          <a:p>
-            <a:r>
-              <a:rPr lang="en-US" altLang="ja-JP" noProof="1"/>
-              <a:t>Rect</a:t>
-            </a:r>
-            <a:endParaRPr lang="en-US" altLang="ja-JP"/>
-          </a:p>
-          <a:p>
-            <a:r>
-              <a:rPr lang="en-US" altLang="ja-JP"/>
-              <a:t>: public </a:t>
-            </a:r>
-            <a:r>
-              <a:rPr lang="en-US" altLang="ja-JP" noProof="1"/>
-              <a:t>tagRECT</a:t>
-            </a:r>
-            <a:endParaRPr lang="en-US" altLang="ja-JP"/>
-          </a:p>
-        </p:txBody>
-      </p:sp>
-      <p:sp>
-        <p:nvSpPr>
-          <p:cNvPr id="9288" name="Rectangle 175"/>
-          <p:cNvSpPr>
-            <a:spLocks noChangeArrowheads="1"/>
-          </p:cNvSpPr>
-          <p:nvPr/>
-        </p:nvSpPr>
-        <p:spPr bwMode="auto">
-          <a:xfrm>
-            <a:off x="3124200" y="5791200"/>
-            <a:ext cx="1219200" cy="228600"/>
-          </a:xfrm>
-          <a:prstGeom prst="rect">
-            <a:avLst/>
-          </a:prstGeom>
-          <a:noFill/>
-          <a:ln w="9525">
-            <a:solidFill>
-              <a:schemeClr val="tx1"/>
-            </a:solidFill>
-            <a:miter lim="800000"/>
-            <a:headEnd/>
-            <a:tailEnd/>
-          </a:ln>
-          <a:effectLst/>
-          <a:extLst>
-            <a:ext uri="{909E8E84-426E-40DD-AFC4-6F175D3DCCD1}">
-              <a14:hiddenFill xmlns:a14="http://schemas.microsoft.com/office/drawing/2010/main">
-                <a:solidFill>
-                  <a:schemeClr val="bg1"/>
-                </a:solidFill>
-              </a14:hiddenFill>
-            </a:ext>
-            <a:ext uri="{AF507438-7753-43E0-B8FC-AC1667EBCBE1}">
-              <a14:hiddenEffects xmlns:a14="http://schemas.microsoft.com/office/drawing/2010/main">
-                <a:effectLst>
-                  <a:outerShdw dist="35921" dir="2700000" algn="ctr" rotWithShape="0">
-                    <a:schemeClr val="bg2"/>
-                  </a:outerShdw>
-                </a:effectLst>
-              </a14:hiddenEffects>
-            </a:ext>
-          </a:extLst>
-        </p:spPr>
-        <p:txBody>
-          <a:bodyPr wrap="none"/>
-          <a:lstStyle/>
-          <a:p>
-            <a:endParaRPr lang="ja-JP" altLang="ja-JP"/>
-          </a:p>
-        </p:txBody>
-      </p:sp>
-      <p:sp>
-        <p:nvSpPr>
-          <p:cNvPr id="9289" name="Rectangle 176"/>
-          <p:cNvSpPr>
-            <a:spLocks noChangeArrowheads="1"/>
-          </p:cNvSpPr>
-          <p:nvPr/>
-        </p:nvSpPr>
-        <p:spPr bwMode="auto">
-          <a:xfrm>
-            <a:off x="7696200" y="3429000"/>
-            <a:ext cx="1981200" cy="609600"/>
-          </a:xfrm>
-          <a:prstGeom prst="rect">
-            <a:avLst/>
-          </a:prstGeom>
-          <a:noFill/>
-          <a:ln w="9525">
-            <a:solidFill>
-              <a:schemeClr val="tx1"/>
-            </a:solidFill>
-            <a:miter lim="800000"/>
-            <a:headEnd/>
-            <a:tailEnd/>
-          </a:ln>
-          <a:effectLst/>
-          <a:extLst>
-            <a:ext uri="{909E8E84-426E-40DD-AFC4-6F175D3DCCD1}">
-              <a14:hiddenFill xmlns:a14="http://schemas.microsoft.com/office/drawing/2010/main">
-                <a:solidFill>
-                  <a:schemeClr val="bg1"/>
-                </a:solidFill>
-              </a14:hiddenFill>
-            </a:ext>
-            <a:ext uri="{AF507438-7753-43E0-B8FC-AC1667EBCBE1}">
-              <a14:hiddenEffects xmlns:a14="http://schemas.microsoft.com/office/drawing/2010/main">
-                <a:effectLst>
-                  <a:outerShdw dist="35921" dir="2700000" algn="ctr" rotWithShape="0">
-                    <a:schemeClr val="bg2"/>
-                  </a:outerShdw>
-                </a:effectLst>
-              </a14:hiddenEffects>
-            </a:ext>
-          </a:extLst>
-        </p:spPr>
-        <p:txBody>
-          <a:bodyPr wrap="none"/>
-          <a:lstStyle/>
-          <a:p>
-            <a:r>
-              <a:rPr lang="en-US" altLang="ja-JP" noProof="1"/>
-              <a:t>Object</a:t>
-            </a:r>
-            <a:endParaRPr lang="en-US" altLang="ja-JP"/>
-          </a:p>
-        </p:txBody>
-      </p:sp>
-      <p:sp>
-        <p:nvSpPr>
-          <p:cNvPr id="9290" name="Rectangle 177"/>
-          <p:cNvSpPr>
-            <a:spLocks noChangeArrowheads="1"/>
-          </p:cNvSpPr>
-          <p:nvPr/>
-        </p:nvSpPr>
-        <p:spPr bwMode="auto">
-          <a:xfrm>
-            <a:off x="7696200" y="3657600"/>
-            <a:ext cx="1981200" cy="381000"/>
-          </a:xfrm>
-          <a:prstGeom prst="rect">
-            <a:avLst/>
-          </a:prstGeom>
-          <a:noFill/>
-          <a:ln w="9525">
-            <a:solidFill>
-              <a:schemeClr val="tx1"/>
-            </a:solidFill>
-            <a:miter lim="800000"/>
-            <a:headEnd/>
-            <a:tailEnd/>
-          </a:ln>
-          <a:effectLst/>
-          <a:extLst>
-            <a:ext uri="{909E8E84-426E-40DD-AFC4-6F175D3DCCD1}">
-              <a14:hiddenFill xmlns:a14="http://schemas.microsoft.com/office/drawing/2010/main">
-                <a:solidFill>
-                  <a:schemeClr val="bg1"/>
-                </a:solidFill>
-              </a14:hiddenFill>
-            </a:ext>
-            <a:ext uri="{AF507438-7753-43E0-B8FC-AC1667EBCBE1}">
-              <a14:hiddenEffects xmlns:a14="http://schemas.microsoft.com/office/drawing/2010/main">
-                <a:effectLst>
-                  <a:outerShdw dist="35921" dir="2700000" algn="ctr" rotWithShape="0">
-                    <a:schemeClr val="bg2"/>
-                  </a:outerShdw>
-                </a:effectLst>
-              </a14:hiddenEffects>
-            </a:ext>
-          </a:extLst>
-        </p:spPr>
-        <p:txBody>
-          <a:bodyPr wrap="none"/>
-          <a:lstStyle/>
-          <a:p>
-            <a:r>
-              <a:rPr lang="en-US" altLang="ja-JP"/>
-              <a:t>vrtual void Draw() = 0;</a:t>
-            </a:r>
-          </a:p>
-          <a:p>
-            <a:r>
-              <a:rPr lang="en-US" altLang="ja-JP"/>
-              <a:t>virtual void DrawShadowVolume()</a:t>
-            </a:r>
-          </a:p>
-        </p:txBody>
-      </p:sp>
-      <p:sp>
-        <p:nvSpPr>
-          <p:cNvPr id="9291" name="Rectangle 180"/>
-          <p:cNvSpPr>
-            <a:spLocks noChangeArrowheads="1"/>
-          </p:cNvSpPr>
-          <p:nvPr/>
-        </p:nvSpPr>
-        <p:spPr bwMode="auto">
-          <a:xfrm>
-            <a:off x="381000" y="4038600"/>
-            <a:ext cx="1219200" cy="304800"/>
-          </a:xfrm>
-          <a:prstGeom prst="rect">
-            <a:avLst/>
-          </a:prstGeom>
-          <a:noFill/>
-          <a:ln w="9525">
-            <a:solidFill>
-              <a:schemeClr val="tx1"/>
-            </a:solidFill>
-            <a:miter lim="800000"/>
-            <a:headEnd/>
-            <a:tailEnd/>
-          </a:ln>
-          <a:effectLst/>
-          <a:extLst>
-            <a:ext uri="{909E8E84-426E-40DD-AFC4-6F175D3DCCD1}">
-              <a14:hiddenFill xmlns:a14="http://schemas.microsoft.com/office/drawing/2010/main">
-                <a:solidFill>
-                  <a:schemeClr val="bg1"/>
-                </a:solidFill>
-              </a14:hiddenFill>
-            </a:ext>
-            <a:ext uri="{AF507438-7753-43E0-B8FC-AC1667EBCBE1}">
-              <a14:hiddenEffects xmlns:a14="http://schemas.microsoft.com/office/drawing/2010/main">
-                <a:effectLst>
-                  <a:outerShdw dist="35921" dir="2700000" algn="ctr" rotWithShape="0">
-                    <a:schemeClr val="bg2"/>
-                  </a:outerShdw>
-                </a:effectLst>
-              </a14:hiddenEffects>
-            </a:ext>
-          </a:extLst>
-        </p:spPr>
-        <p:txBody>
-          <a:bodyPr wrap="none"/>
-          <a:lstStyle/>
-          <a:p>
-            <a:endParaRPr lang="ja-JP" altLang="ja-JP"/>
-          </a:p>
-        </p:txBody>
-      </p:sp>
-      <p:sp>
-        <p:nvSpPr>
-          <p:cNvPr id="9292" name="Rectangle 181"/>
-          <p:cNvSpPr>
-            <a:spLocks noChangeArrowheads="1"/>
-          </p:cNvSpPr>
-          <p:nvPr/>
-        </p:nvSpPr>
-        <p:spPr bwMode="auto">
-          <a:xfrm>
-            <a:off x="1752600" y="3962400"/>
-            <a:ext cx="1219200" cy="533400"/>
-          </a:xfrm>
-          <a:prstGeom prst="rect">
-            <a:avLst/>
-          </a:prstGeom>
-          <a:noFill/>
-          <a:ln w="9525">
-            <a:solidFill>
-              <a:schemeClr val="tx1"/>
-            </a:solidFill>
-            <a:miter lim="800000"/>
-            <a:headEnd/>
-            <a:tailEnd/>
-          </a:ln>
-          <a:effectLst/>
-          <a:extLst>
-            <a:ext uri="{909E8E84-426E-40DD-AFC4-6F175D3DCCD1}">
-              <a14:hiddenFill xmlns:a14="http://schemas.microsoft.com/office/drawing/2010/main">
-                <a:solidFill>
-                  <a:schemeClr val="bg1"/>
-                </a:solidFill>
-              </a14:hiddenFill>
-            </a:ext>
-            <a:ext uri="{AF507438-7753-43E0-B8FC-AC1667EBCBE1}">
-              <a14:hiddenEffects xmlns:a14="http://schemas.microsoft.com/office/drawing/2010/main">
-                <a:effectLst>
-                  <a:outerShdw dist="35921" dir="2700000" algn="ctr" rotWithShape="0">
-                    <a:schemeClr val="bg2"/>
-                  </a:outerShdw>
-                </a:effectLst>
-              </a14:hiddenEffects>
-            </a:ext>
-          </a:extLst>
-        </p:spPr>
-        <p:txBody>
-          <a:bodyPr wrap="none"/>
-          <a:lstStyle/>
-          <a:p>
-            <a:r>
-              <a:rPr lang="en-US" altLang="ja-JP"/>
-              <a:t>OBB</a:t>
-            </a:r>
-          </a:p>
-        </p:txBody>
-      </p:sp>
-      <p:sp>
-        <p:nvSpPr>
-          <p:cNvPr id="9293" name="Rectangle 182"/>
-          <p:cNvSpPr>
-            <a:spLocks noChangeArrowheads="1"/>
-          </p:cNvSpPr>
-          <p:nvPr/>
-        </p:nvSpPr>
-        <p:spPr bwMode="auto">
-          <a:xfrm>
-            <a:off x="1752600" y="4191000"/>
-            <a:ext cx="1219200" cy="304800"/>
-          </a:xfrm>
-          <a:prstGeom prst="rect">
-            <a:avLst/>
-          </a:prstGeom>
-          <a:noFill/>
-          <a:ln w="9525">
-            <a:solidFill>
-              <a:schemeClr val="tx1"/>
-            </a:solidFill>
-            <a:miter lim="800000"/>
-            <a:headEnd/>
-            <a:tailEnd/>
-          </a:ln>
-          <a:effectLst/>
-          <a:extLst>
-            <a:ext uri="{909E8E84-426E-40DD-AFC4-6F175D3DCCD1}">
-              <a14:hiddenFill xmlns:a14="http://schemas.microsoft.com/office/drawing/2010/main">
-                <a:solidFill>
-                  <a:schemeClr val="bg1"/>
-                </a:solidFill>
-              </a14:hiddenFill>
-            </a:ext>
-            <a:ext uri="{AF507438-7753-43E0-B8FC-AC1667EBCBE1}">
-              <a14:hiddenEffects xmlns:a14="http://schemas.microsoft.com/office/drawing/2010/main">
-                <a:effectLst>
-                  <a:outerShdw dist="35921" dir="2700000" algn="ctr" rotWithShape="0">
-                    <a:schemeClr val="bg2"/>
-                  </a:outerShdw>
-                </a:effectLst>
-              </a14:hiddenEffects>
-            </a:ext>
-          </a:extLst>
-        </p:spPr>
-        <p:txBody>
-          <a:bodyPr wrap="none"/>
-          <a:lstStyle/>
-          <a:p>
-            <a:r>
-              <a:rPr lang="ja-JP" altLang="en-US"/>
-              <a:t>構造体</a:t>
-            </a:r>
-          </a:p>
-        </p:txBody>
-      </p:sp>
-      <p:sp>
-        <p:nvSpPr>
-          <p:cNvPr id="9294" name="Rectangle 183"/>
-          <p:cNvSpPr>
-            <a:spLocks noChangeArrowheads="1"/>
-          </p:cNvSpPr>
-          <p:nvPr/>
-        </p:nvSpPr>
-        <p:spPr bwMode="auto">
-          <a:xfrm>
-            <a:off x="1752600" y="4648200"/>
-            <a:ext cx="1219200" cy="533400"/>
-          </a:xfrm>
-          <a:prstGeom prst="rect">
-            <a:avLst/>
-          </a:prstGeom>
-          <a:noFill/>
-          <a:ln w="9525">
-            <a:solidFill>
-              <a:schemeClr val="tx1"/>
-            </a:solidFill>
-            <a:miter lim="800000"/>
-            <a:headEnd/>
-            <a:tailEnd/>
-          </a:ln>
-          <a:effectLst/>
-          <a:extLst>
-            <a:ext uri="{909E8E84-426E-40DD-AFC4-6F175D3DCCD1}">
-              <a14:hiddenFill xmlns:a14="http://schemas.microsoft.com/office/drawing/2010/main">
-                <a:solidFill>
-                  <a:schemeClr val="bg1"/>
-                </a:solidFill>
-              </a14:hiddenFill>
-            </a:ext>
-            <a:ext uri="{AF507438-7753-43E0-B8FC-AC1667EBCBE1}">
-              <a14:hiddenEffects xmlns:a14="http://schemas.microsoft.com/office/drawing/2010/main">
-                <a:effectLst>
-                  <a:outerShdw dist="35921" dir="2700000" algn="ctr" rotWithShape="0">
-                    <a:schemeClr val="bg2"/>
-                  </a:outerShdw>
-                </a:effectLst>
-              </a14:hiddenEffects>
-            </a:ext>
-          </a:extLst>
-        </p:spPr>
-        <p:txBody>
-          <a:bodyPr wrap="none"/>
-          <a:lstStyle/>
-          <a:p>
-            <a:r>
-              <a:rPr lang="en-US" altLang="ja-JP" noProof="1"/>
-              <a:t>Sphere</a:t>
-            </a:r>
-            <a:endParaRPr lang="en-US" altLang="ja-JP"/>
-          </a:p>
-        </p:txBody>
-      </p:sp>
-      <p:sp>
-        <p:nvSpPr>
-          <p:cNvPr id="9295" name="Rectangle 184"/>
-          <p:cNvSpPr>
-            <a:spLocks noChangeArrowheads="1"/>
-          </p:cNvSpPr>
-          <p:nvPr/>
-        </p:nvSpPr>
-        <p:spPr bwMode="auto">
-          <a:xfrm>
-            <a:off x="1752600" y="4876800"/>
-            <a:ext cx="1219200" cy="304800"/>
-          </a:xfrm>
-          <a:prstGeom prst="rect">
-            <a:avLst/>
-          </a:prstGeom>
-          <a:noFill/>
-          <a:ln w="9525">
-            <a:solidFill>
-              <a:schemeClr val="tx1"/>
-            </a:solidFill>
-            <a:miter lim="800000"/>
-            <a:headEnd/>
-            <a:tailEnd/>
-          </a:ln>
-          <a:effectLst/>
-          <a:extLst>
-            <a:ext uri="{909E8E84-426E-40DD-AFC4-6F175D3DCCD1}">
-              <a14:hiddenFill xmlns:a14="http://schemas.microsoft.com/office/drawing/2010/main">
-                <a:solidFill>
-                  <a:schemeClr val="bg1"/>
-                </a:solidFill>
-              </a14:hiddenFill>
-            </a:ext>
-            <a:ext uri="{AF507438-7753-43E0-B8FC-AC1667EBCBE1}">
-              <a14:hiddenEffects xmlns:a14="http://schemas.microsoft.com/office/drawing/2010/main">
-                <a:effectLst>
-                  <a:outerShdw dist="35921" dir="2700000" algn="ctr" rotWithShape="0">
-                    <a:schemeClr val="bg2"/>
-                  </a:outerShdw>
-                </a:effectLst>
-              </a14:hiddenEffects>
-            </a:ext>
-          </a:extLst>
-        </p:spPr>
-        <p:txBody>
-          <a:bodyPr wrap="none"/>
-          <a:lstStyle/>
-          <a:p>
-            <a:r>
-              <a:rPr lang="ja-JP" altLang="en-US"/>
-              <a:t>構造体</a:t>
-            </a:r>
-          </a:p>
-        </p:txBody>
-      </p:sp>
-      <p:sp>
-        <p:nvSpPr>
-          <p:cNvPr id="9296" name="Rectangle 185"/>
-          <p:cNvSpPr>
-            <a:spLocks noChangeArrowheads="1"/>
-          </p:cNvSpPr>
-          <p:nvPr/>
-        </p:nvSpPr>
-        <p:spPr bwMode="auto">
-          <a:xfrm>
-            <a:off x="5105400" y="1371600"/>
-            <a:ext cx="1143000" cy="228600"/>
-          </a:xfrm>
-          <a:prstGeom prst="rect">
-            <a:avLst/>
-          </a:prstGeom>
-          <a:solidFill>
-            <a:srgbClr val="CCFFFF"/>
-          </a:solidFill>
-          <a:ln w="9525">
-            <a:solidFill>
-              <a:schemeClr val="tx1"/>
-            </a:solidFill>
-            <a:miter lim="800000"/>
-            <a:headEnd/>
-            <a:tailEnd/>
-          </a:ln>
-          <a:effectLst/>
-          <a:extLst>
-            <a:ext uri="{AF507438-7753-43E0-B8FC-AC1667EBCBE1}">
-              <a14:hiddenEffects xmlns:a14="http://schemas.microsoft.com/office/drawing/2010/main">
-                <a:effectLst>
-                  <a:outerShdw dist="35921" dir="2700000" algn="ctr" rotWithShape="0">
-                    <a:schemeClr val="bg2"/>
-                  </a:outerShdw>
-                </a:effectLst>
-              </a14:hiddenEffects>
-            </a:ext>
-          </a:extLst>
-        </p:spPr>
-        <p:txBody>
-          <a:bodyPr wrap="none"/>
-          <a:lstStyle/>
-          <a:p>
-            <a:r>
-              <a:rPr lang="ja-JP"/>
-              <a:t>グローバル関数</a:t>
-            </a:r>
-            <a:endParaRPr lang="ja-JP" altLang="en-US"/>
-          </a:p>
-        </p:txBody>
-      </p:sp>
-      <p:sp>
-        <p:nvSpPr>
-          <p:cNvPr id="9297" name="Rectangle 186"/>
-          <p:cNvSpPr>
-            <a:spLocks noChangeArrowheads="1"/>
-          </p:cNvSpPr>
-          <p:nvPr/>
-        </p:nvSpPr>
-        <p:spPr bwMode="auto">
-          <a:xfrm>
-            <a:off x="6324600" y="1371600"/>
-            <a:ext cx="1219200" cy="228600"/>
-          </a:xfrm>
-          <a:prstGeom prst="rect">
-            <a:avLst/>
-          </a:prstGeom>
-          <a:solidFill>
-            <a:srgbClr val="FFFF66"/>
-          </a:solidFill>
-          <a:ln w="9525">
-            <a:solidFill>
-              <a:schemeClr val="tx1"/>
-            </a:solidFill>
-            <a:miter lim="800000"/>
-            <a:headEnd/>
-            <a:tailEnd/>
-          </a:ln>
-          <a:effectLst/>
-          <a:extLst>
-            <a:ext uri="{AF507438-7753-43E0-B8FC-AC1667EBCBE1}">
-              <a14:hiddenEffects xmlns:a14="http://schemas.microsoft.com/office/drawing/2010/main">
-                <a:effectLst>
-                  <a:outerShdw dist="35921" dir="2700000" algn="ctr" rotWithShape="0">
-                    <a:schemeClr val="bg2"/>
-                  </a:outerShdw>
-                </a:effectLst>
-              </a14:hiddenEffects>
-            </a:ext>
-          </a:extLst>
-        </p:spPr>
-        <p:txBody>
-          <a:bodyPr wrap="none"/>
-          <a:lstStyle/>
-          <a:p>
-            <a:r>
-              <a:rPr lang="ja-JP"/>
-              <a:t>テンプレート</a:t>
-            </a:r>
-            <a:endParaRPr lang="ja-JP" altLang="en-US"/>
-          </a:p>
-        </p:txBody>
-      </p:sp>
-      <p:sp>
-        <p:nvSpPr>
-          <p:cNvPr id="9298" name="Rectangle 187"/>
-          <p:cNvSpPr>
-            <a:spLocks noChangeArrowheads="1"/>
-          </p:cNvSpPr>
-          <p:nvPr/>
-        </p:nvSpPr>
-        <p:spPr bwMode="auto">
-          <a:xfrm>
-            <a:off x="7620000" y="1371600"/>
-            <a:ext cx="1905000" cy="381000"/>
-          </a:xfrm>
-          <a:prstGeom prst="rect">
-            <a:avLst/>
-          </a:prstGeom>
-          <a:noFill/>
-          <a:ln w="9525">
-            <a:solidFill>
-              <a:schemeClr val="tx1"/>
-            </a:solidFill>
-            <a:miter lim="800000"/>
-            <a:headEnd/>
-            <a:tailEnd/>
-          </a:ln>
-          <a:effectLst/>
-          <a:extLst>
-            <a:ext uri="{909E8E84-426E-40DD-AFC4-6F175D3DCCD1}">
-              <a14:hiddenFill xmlns:a14="http://schemas.microsoft.com/office/drawing/2010/main">
-                <a:solidFill>
-                  <a:schemeClr val="bg1"/>
-                </a:solidFill>
-              </a14:hiddenFill>
-            </a:ext>
-            <a:ext uri="{AF507438-7753-43E0-B8FC-AC1667EBCBE1}">
-              <a14:hiddenEffects xmlns:a14="http://schemas.microsoft.com/office/drawing/2010/main">
-                <a:effectLst>
-                  <a:outerShdw dist="35921" dir="2700000" algn="ctr" rotWithShape="0">
-                    <a:schemeClr val="bg2"/>
-                  </a:outerShdw>
-                </a:effectLst>
-              </a14:hiddenEffects>
-            </a:ext>
-          </a:extLst>
-        </p:spPr>
-        <p:txBody>
-          <a:bodyPr wrap="none"/>
-          <a:lstStyle/>
-          <a:p>
-            <a:r>
-              <a:rPr lang="ja-JP"/>
-              <a:t>クラスまたは構造体</a:t>
-            </a:r>
-            <a:endParaRPr lang="ja-JP" altLang="en-US"/>
-          </a:p>
-          <a:p>
-            <a:r>
-              <a:rPr lang="ja-JP"/>
-              <a:t>＊構造体の場合は「構造体」と付記</a:t>
-            </a:r>
-            <a:endParaRPr lang="ja-JP" altLang="en-US"/>
-          </a:p>
-        </p:txBody>
-      </p:sp>
-      <p:sp>
-        <p:nvSpPr>
-          <p:cNvPr id="9299" name="Rectangle 188"/>
-          <p:cNvSpPr>
-            <a:spLocks noChangeArrowheads="1"/>
-          </p:cNvSpPr>
-          <p:nvPr/>
-        </p:nvSpPr>
-        <p:spPr bwMode="auto">
-          <a:xfrm>
-            <a:off x="5029200" y="1143000"/>
-            <a:ext cx="4572000" cy="685800"/>
-          </a:xfrm>
-          <a:prstGeom prst="rect">
-            <a:avLst/>
-          </a:prstGeom>
-          <a:noFill/>
-          <a:ln w="9525">
-            <a:solidFill>
-              <a:schemeClr val="tx1"/>
-            </a:solidFill>
-            <a:miter lim="800000"/>
-            <a:headEnd/>
-            <a:tailEnd/>
-          </a:ln>
-          <a:effectLst/>
-          <a:extLst>
-            <a:ext uri="{909E8E84-426E-40DD-AFC4-6F175D3DCCD1}">
-              <a14:hiddenFill xmlns:a14="http://schemas.microsoft.com/office/drawing/2010/main">
-                <a:solidFill>
-                  <a:schemeClr val="bg1"/>
-                </a:solidFill>
-              </a14:hiddenFill>
-            </a:ext>
-            <a:ext uri="{AF507438-7753-43E0-B8FC-AC1667EBCBE1}">
-              <a14:hiddenEffects xmlns:a14="http://schemas.microsoft.com/office/drawing/2010/main">
-                <a:effectLst>
-                  <a:outerShdw dist="35921" dir="2700000" algn="ctr" rotWithShape="0">
-                    <a:schemeClr val="bg2"/>
-                  </a:outerShdw>
-                </a:effectLst>
-              </a14:hiddenEffects>
-            </a:ext>
-          </a:extLst>
-        </p:spPr>
-        <p:txBody>
-          <a:bodyPr wrap="none"/>
-          <a:lstStyle/>
-          <a:p>
-            <a:r>
-              <a:rPr lang="ja-JP" altLang="en-US"/>
-              <a:t>色分けの意味</a:t>
+              <a:rPr lang="en-US" altLang="ja-JP" dirty="0" err="1"/>
+              <a:t>vrtual</a:t>
+            </a:r>
+            <a:r>
+              <a:rPr lang="en-US" altLang="ja-JP" dirty="0"/>
+              <a:t> void Draw() = 0;</a:t>
+            </a:r>
+          </a:p>
+          <a:p>
+            <a:r>
+              <a:rPr lang="en-US" altLang="ja-JP" dirty="0"/>
+              <a:t>virtual void </a:t>
+            </a:r>
+            <a:r>
+              <a:rPr lang="en-US" altLang="ja-JP" dirty="0" err="1"/>
+              <a:t>DrawShadowVolume</a:t>
+            </a:r>
+            <a:r>
+              <a:rPr lang="en-US" altLang="ja-JP" dirty="0"/>
+              <a:t>()</a:t>
             </a:r>
           </a:p>
         </p:txBody>
       </p:sp>
     </p:spTree>
+    <p:extLst>
+      <p:ext uri="{BB962C8B-B14F-4D97-AF65-F5344CB8AC3E}">
+        <p14:creationId xmlns:p14="http://schemas.microsoft.com/office/powerpoint/2010/main" val="1474120949"/>
+      </p:ext>
+    </p:extLst>
   </p:cSld>
   <p:clrMapOvr>
     <a:masterClrMapping/>
@@ -23224,16 +23424,25 @@
           <a:lstStyle/>
           <a:p>
             <a:r>
-              <a:rPr lang="ja-JP" altLang="en-US" sz="1600">
+              <a:rPr lang="ja-JP" altLang="en-US" sz="1600" dirty="0">
                 <a:solidFill>
                   <a:schemeClr val="accent2"/>
                 </a:solidFill>
                 <a:ea typeface="HGP創英角ｺﾞｼｯｸUB" pitchFamily="50" charset="-128"/>
               </a:rPr>
-              <a:t>３．クラス階層図（２、</a:t>
-            </a:r>
-            <a:r>
-              <a:rPr lang="en-US" altLang="ja-JP" sz="1600">
+              <a:t>３．クラス階層図</a:t>
+            </a:r>
+            <a:r>
+              <a:rPr lang="ja-JP" altLang="en-US" sz="1600" dirty="0" smtClean="0">
+                <a:solidFill>
+                  <a:schemeClr val="accent2"/>
+                </a:solidFill>
+                <a:ea typeface="HGP創英角ｺﾞｼｯｸUB" pitchFamily="50" charset="-128"/>
+              </a:rPr>
+              <a:t>（２、</a:t>
+            </a:r>
+            <a:r>
+              <a:rPr lang="en-US" altLang="ja-JP" sz="1600" dirty="0">
                 <a:solidFill>
                   <a:schemeClr val="accent2"/>
                 </a:solidFill>
@@ -23242,7 +23451,7 @@
               <a:t>Object</a:t>
             </a:r>
             <a:r>
-              <a:rPr lang="ja-JP" altLang="en-US" sz="1600">
+              <a:rPr lang="ja-JP" altLang="en-US" sz="1600" dirty="0">
                 <a:solidFill>
                   <a:schemeClr val="accent2"/>
                 </a:solidFill>
@@ -24312,7 +24521,7 @@
               <a:rPr lang="en-US" altLang="ja-JP" noProof="1"/>
               <a:t>LPD3DXFONT m_pD3DXFont</a:t>
             </a:r>
-            <a:endParaRPr lang="en-US" altLang="ja-JP"/>
+            <a:endParaRPr lang="en-US" altLang="ja-JP" dirty="0"/>
           </a:p>
         </p:txBody>
       </p:sp>
@@ -25207,7 +25416,7 @@
         <p:spPr bwMode="auto">
           <a:xfrm flipH="1" flipV="1">
             <a:off x="1447800" y="3657600"/>
-            <a:ext cx="7848600" cy="0"/>
+            <a:ext cx="8001000" cy="0"/>
           </a:xfrm>
           <a:prstGeom prst="line">
             <a:avLst/>
@@ -27993,16 +28202,43 @@
           <a:lstStyle/>
           <a:p>
             <a:r>
-              <a:rPr lang="ja-JP" altLang="en-US" sz="1600">
+              <a:rPr lang="ja-JP" altLang="en-US" sz="1600" dirty="0">
                 <a:solidFill>
                   <a:schemeClr val="accent2"/>
                 </a:solidFill>
                 <a:ea typeface="HGP創英角ｺﾞｼｯｸUB" pitchFamily="50" charset="-128"/>
               </a:rPr>
-              <a:t>４．クラス階層図（ ３、</a:t>
-            </a:r>
-            <a:r>
-              <a:rPr lang="en-US" altLang="ja-JP" sz="1600">
+              <a:t>３</a:t>
+            </a:r>
+            <a:r>
+              <a:rPr lang="ja-JP" altLang="en-US" sz="1600" dirty="0" smtClean="0">
+                <a:solidFill>
+                  <a:schemeClr val="accent2"/>
+                </a:solidFill>
+                <a:ea typeface="HGP創英角ｺﾞｼｯｸUB" pitchFamily="50" charset="-128"/>
+              </a:rPr>
+              <a:t>．</a:t>
+            </a:r>
+            <a:r>
+              <a:rPr lang="ja-JP" altLang="en-US" sz="1600" dirty="0">
+                <a:solidFill>
+                  <a:schemeClr val="accent2"/>
+                </a:solidFill>
+                <a:ea typeface="HGP創英角ｺﾞｼｯｸUB" pitchFamily="50" charset="-128"/>
+              </a:rPr>
+              <a:t>クラス階層図（ </a:t>
+            </a:r>
+            <a:r>
+              <a:rPr lang="ja-JP" altLang="en-US" sz="1600" dirty="0" smtClean="0">
+                <a:solidFill>
+                  <a:schemeClr val="accent2"/>
+                </a:solidFill>
+                <a:ea typeface="HGP創英角ｺﾞｼｯｸUB" pitchFamily="50" charset="-128"/>
+              </a:rPr>
+              <a:t>３、</a:t>
+            </a:r>
+            <a:r>
+              <a:rPr lang="en-US" altLang="ja-JP" sz="1600" dirty="0">
                 <a:solidFill>
                   <a:schemeClr val="accent2"/>
                 </a:solidFill>
@@ -28011,7 +28247,7 @@
               <a:t>Stage</a:t>
             </a:r>
             <a:r>
-              <a:rPr lang="ja-JP" altLang="en-US" sz="1600">
+              <a:rPr lang="ja-JP" altLang="en-US" sz="1600" dirty="0">
                 <a:solidFill>
                   <a:schemeClr val="accent2"/>
                 </a:solidFill>
@@ -28519,7 +28755,7 @@
               <a:rPr lang="en-US" altLang="ja-JP" noProof="1"/>
               <a:t>MainTextMenu</a:t>
             </a:r>
-            <a:endParaRPr lang="en-US" altLang="ja-JP"/>
+            <a:endParaRPr lang="en-US" altLang="ja-JP" dirty="0"/>
           </a:p>
         </p:txBody>
       </p:sp>
@@ -31795,16 +32031,34 @@
           <a:lstStyle/>
           <a:p>
             <a:r>
-              <a:rPr lang="ja-JP" altLang="en-US" sz="1600">
+              <a:rPr lang="ja-JP" altLang="en-US" sz="1600" dirty="0">
                 <a:solidFill>
                   <a:schemeClr val="accent2"/>
                 </a:solidFill>
                 <a:ea typeface="HGP創英角ｺﾞｼｯｸUB" pitchFamily="50" charset="-128"/>
               </a:rPr>
-              <a:t>５．クラス階層図（ ４、</a:t>
-            </a:r>
-            <a:r>
-              <a:rPr lang="en-US" altLang="ja-JP" sz="1600">
+              <a:t>３</a:t>
+            </a:r>
+            <a:r>
+              <a:rPr lang="ja-JP" altLang="en-US" sz="1600" dirty="0" smtClean="0">
+                <a:solidFill>
+                  <a:schemeClr val="accent2"/>
+                </a:solidFill>
+                <a:ea typeface="HGP創英角ｺﾞｼｯｸUB" pitchFamily="50" charset="-128"/>
+              </a:rPr>
+              <a:t>．</a:t>
+            </a:r>
+            <a:r>
+              <a:rPr lang="ja-JP" altLang="en-US" sz="1600" dirty="0">
+                <a:solidFill>
+                  <a:schemeClr val="accent2"/>
+                </a:solidFill>
+                <a:ea typeface="HGP創英角ｺﾞｼｯｸUB" pitchFamily="50" charset="-128"/>
+              </a:rPr>
+              <a:t>クラス階層図（ ４、</a:t>
+            </a:r>
+            <a:r>
+              <a:rPr lang="en-US" altLang="ja-JP" sz="1600" dirty="0" err="1">
                 <a:solidFill>
                   <a:schemeClr val="accent2"/>
                 </a:solidFill>
@@ -31813,7 +32067,7 @@
               <a:t>GameStage</a:t>
             </a:r>
             <a:r>
-              <a:rPr lang="ja-JP" altLang="en-US" sz="1600">
+              <a:rPr lang="ja-JP" altLang="en-US" sz="1600" dirty="0">
                 <a:solidFill>
                   <a:schemeClr val="accent2"/>
                 </a:solidFill>
